--- a/Project/Dynamic-Programming-quy-hoạch-động-DPVer5.pptx
+++ b/Project/Dynamic-Programming-quy-hoạch-động-DPVer5.pptx
@@ -5,7 +5,7 @@
     <p:sldMasterId id="2147483648" r:id="rId1"/>
   </p:sldMasterIdLst>
   <p:notesMasterIdLst>
-    <p:notesMasterId r:id="rId33"/>
+    <p:notesMasterId r:id="rId34"/>
   </p:notesMasterIdLst>
   <p:sldIdLst>
     <p:sldId id="256" r:id="rId2"/>
@@ -14,12 +14,12 @@
     <p:sldId id="269" r:id="rId5"/>
     <p:sldId id="270" r:id="rId6"/>
     <p:sldId id="274" r:id="rId7"/>
-    <p:sldId id="272" r:id="rId8"/>
-    <p:sldId id="273" r:id="rId9"/>
-    <p:sldId id="285" r:id="rId10"/>
-    <p:sldId id="287" r:id="rId11"/>
-    <p:sldId id="259" r:id="rId12"/>
-    <p:sldId id="262" r:id="rId13"/>
+    <p:sldId id="259" r:id="rId8"/>
+    <p:sldId id="272" r:id="rId9"/>
+    <p:sldId id="273" r:id="rId10"/>
+    <p:sldId id="262" r:id="rId11"/>
+    <p:sldId id="285" r:id="rId12"/>
+    <p:sldId id="287" r:id="rId13"/>
     <p:sldId id="288" r:id="rId14"/>
     <p:sldId id="265" r:id="rId15"/>
     <p:sldId id="289" r:id="rId16"/>
@@ -37,8 +37,9 @@
     <p:sldId id="294" r:id="rId28"/>
     <p:sldId id="295" r:id="rId29"/>
     <p:sldId id="296" r:id="rId30"/>
-    <p:sldId id="282" r:id="rId31"/>
-    <p:sldId id="268" r:id="rId32"/>
+    <p:sldId id="297" r:id="rId31"/>
+    <p:sldId id="282" r:id="rId32"/>
+    <p:sldId id="268" r:id="rId33"/>
   </p:sldIdLst>
   <p:sldSz cx="12192000" cy="6858000"/>
   <p:notesSz cx="6858000" cy="9144000"/>
@@ -143,35 +144,80 @@
         <p14:section name="Default Section" id="{9FDEECE7-03EC-42A2-925E-C8344D8169DC}">
           <p14:sldIdLst>
             <p14:sldId id="256"/>
+          </p14:sldIdLst>
+        </p14:section>
+        <p14:section name="Nội dung" id="{1757A71E-A84A-4AA5-B41E-5CF7BE96021B}">
+          <p14:sldIdLst>
             <p14:sldId id="266"/>
+          </p14:sldIdLst>
+        </p14:section>
+        <p14:section name="giới thiệu và tính chât" id="{C51885C7-05DE-46BB-BC5D-E5A4DBAB82F4}">
+          <p14:sldIdLst>
             <p14:sldId id="257"/>
             <p14:sldId id="269"/>
+          </p14:sldIdLst>
+        </p14:section>
+        <p14:section name="Top down" id="{A874584E-F592-46F5-878E-FDE1D0E83A8C}">
+          <p14:sldIdLst>
             <p14:sldId id="270"/>
             <p14:sldId id="274"/>
+            <p14:sldId id="259"/>
+          </p14:sldIdLst>
+        </p14:section>
+        <p14:section name="Bottom up" id="{784502DC-385D-47A5-B1DE-A5D906A30DC6}">
+          <p14:sldIdLst>
             <p14:sldId id="272"/>
             <p14:sldId id="273"/>
+          </p14:sldIdLst>
+        </p14:section>
+        <p14:section name="Fib" id="{883BEC23-D1BB-456F-B9C5-899B1F2ADB88}">
+          <p14:sldIdLst>
+            <p14:sldId id="262"/>
             <p14:sldId id="285"/>
             <p14:sldId id="287"/>
-            <p14:sldId id="259"/>
-            <p14:sldId id="262"/>
             <p14:sldId id="288"/>
+          </p14:sldIdLst>
+        </p14:section>
+        <p14:section name="Ưu và nhược điểm" id="{7C3D4885-8681-4462-B8D8-5BF1B68B124D}">
+          <p14:sldIdLst>
             <p14:sldId id="265"/>
             <p14:sldId id="289"/>
             <p14:sldId id="290"/>
             <p14:sldId id="292"/>
             <p14:sldId id="291"/>
             <p14:sldId id="284"/>
+          </p14:sldIdLst>
+        </p14:section>
+        <p14:section name="Sơ đồ giải" id="{14C6469A-DD27-4583-A5CE-F866E8C9C626}">
+          <p14:sldIdLst>
             <p14:sldId id="264"/>
             <p14:sldId id="275"/>
             <p14:sldId id="276"/>
             <p14:sldId id="281"/>
             <p14:sldId id="279"/>
             <p14:sldId id="283"/>
+          </p14:sldIdLst>
+        </p14:section>
+        <p14:section name="Ví dụ" id="{9F3C7B0D-EF1C-4762-A3FD-982FB82BD84B}">
+          <p14:sldIdLst>
             <p14:sldId id="293"/>
             <p14:sldId id="294"/>
             <p14:sldId id="295"/>
             <p14:sldId id="296"/>
+          </p14:sldIdLst>
+        </p14:section>
+        <p14:section name="Ứng dụng" id="{06A09CAF-CC0C-482A-BFC9-890EC4B3F64D}">
+          <p14:sldIdLst>
+            <p14:sldId id="297"/>
+          </p14:sldIdLst>
+        </p14:section>
+        <p14:section name="Đọc thêm" id="{9F92C2C0-3662-4460-9329-0E3F87C54DFB}">
+          <p14:sldIdLst>
             <p14:sldId id="282"/>
+          </p14:sldIdLst>
+        </p14:section>
+        <p14:section name="Bài tập" id="{53133570-5293-473D-93DF-AF2E0C37D9DD}">
+          <p14:sldIdLst>
             <p14:sldId id="268"/>
           </p14:sldIdLst>
         </p14:section>
@@ -4217,7 +4263,7 @@
           <a:p>
             <a:fld id="{283B143B-D014-4457-8F5B-E2380D4FC8B6}" type="datetimeFigureOut">
               <a:rPr lang="en-US" smtClean="0"/>
-              <a:t>5/17/2021</a:t>
+              <a:t>6/9/2021</a:t>
             </a:fld>
             <a:endParaRPr lang="en-US"/>
           </a:p>
@@ -4612,30 +4658,6 @@
           <a:bodyPr/>
           <a:lstStyle/>
           <a:p>
-            <a:r>
-              <a:rPr lang="vi-VN" dirty="0"/>
-              <a:t>fib(k) chỉ đệ quy lần duy nhất nó được gọi với mọi k</a:t>
-            </a:r>
-          </a:p>
-          <a:p>
-            <a:r>
-              <a:rPr lang="vi-VN" dirty="0"/>
-              <a:t>thời gian cho lời gọi memoize là hằng số</a:t>
-            </a:r>
-          </a:p>
-          <a:p>
-            <a:r>
-              <a:rPr lang="vi-VN" dirty="0"/>
-              <a:t>số lời gọi không phải cần memoization là n</a:t>
-            </a:r>
-          </a:p>
-          <a:p>
-            <a:r>
-              <a:rPr lang="vi-VN" dirty="0"/>
-              <a:t>số lời gọi không đệ quy như so sánh , gán là hằng số </a:t>
-            </a:r>
-          </a:p>
-          <a:p>
             <a:endParaRPr lang="en-US" dirty="0"/>
           </a:p>
         </p:txBody>
@@ -4655,18 +4677,78 @@
           <a:bodyPr/>
           <a:lstStyle/>
           <a:p>
+            <a:pPr marL="0" marR="0" lvl="0" indent="0" algn="r" defTabSz="914400" rtl="0" eaLnBrk="1" fontAlgn="auto" latinLnBrk="0" hangingPunct="1">
+              <a:lnSpc>
+                <a:spcPct val="100000"/>
+              </a:lnSpc>
+              <a:spcBef>
+                <a:spcPts val="0"/>
+              </a:spcBef>
+              <a:spcAft>
+                <a:spcPts val="0"/>
+              </a:spcAft>
+              <a:buClrTx/>
+              <a:buSzTx/>
+              <a:buFontTx/>
+              <a:buNone/>
+              <a:tabLst/>
+              <a:defRPr/>
+            </a:pPr>
             <a:fld id="{CD99B895-4137-4D38-89EA-36335749C66C}" type="slidenum">
-              <a:rPr lang="en-US" smtClean="0"/>
+              <a:rPr kumimoji="0" lang="en-US" sz="1200" b="0" i="0" u="none" strike="noStrike" kern="1200" cap="none" spc="0" normalizeH="0" baseline="0" noProof="0" smtClean="0">
+                <a:ln>
+                  <a:noFill/>
+                </a:ln>
+                <a:solidFill>
+                  <a:prstClr val="black"/>
+                </a:solidFill>
+                <a:effectLst/>
+                <a:uLnTx/>
+                <a:uFillTx/>
+                <a:latin typeface="Calibri" panose="020F0502020204030204"/>
+                <a:ea typeface="+mn-ea"/>
+                <a:cs typeface="+mn-cs"/>
+              </a:rPr>
+              <a:pPr marL="0" marR="0" lvl="0" indent="0" algn="r" defTabSz="914400" rtl="0" eaLnBrk="1" fontAlgn="auto" latinLnBrk="0" hangingPunct="1">
+                <a:lnSpc>
+                  <a:spcPct val="100000"/>
+                </a:lnSpc>
+                <a:spcBef>
+                  <a:spcPts val="0"/>
+                </a:spcBef>
+                <a:spcAft>
+                  <a:spcPts val="0"/>
+                </a:spcAft>
+                <a:buClrTx/>
+                <a:buSzTx/>
+                <a:buFontTx/>
+                <a:buNone/>
+                <a:tabLst/>
+                <a:defRPr/>
+              </a:pPr>
               <a:t>11</a:t>
             </a:fld>
-            <a:endParaRPr lang="en-US"/>
+            <a:endParaRPr kumimoji="0" lang="en-US" sz="1200" b="0" i="0" u="none" strike="noStrike" kern="1200" cap="none" spc="0" normalizeH="0" baseline="0" noProof="0">
+              <a:ln>
+                <a:noFill/>
+              </a:ln>
+              <a:solidFill>
+                <a:prstClr val="black"/>
+              </a:solidFill>
+              <a:effectLst/>
+              <a:uLnTx/>
+              <a:uFillTx/>
+              <a:latin typeface="Calibri" panose="020F0502020204030204"/>
+              <a:ea typeface="+mn-ea"/>
+              <a:cs typeface="+mn-cs"/>
+            </a:endParaRPr>
           </a:p>
         </p:txBody>
       </p:sp>
     </p:spTree>
     <p:extLst>
       <p:ext uri="{BB962C8B-B14F-4D97-AF65-F5344CB8AC3E}">
-        <p14:creationId xmlns:p14="http://schemas.microsoft.com/office/powerpoint/2010/main" val="841093716"/>
+        <p14:creationId xmlns:p14="http://schemas.microsoft.com/office/powerpoint/2010/main" val="565004"/>
       </p:ext>
     </p:extLst>
   </p:cSld>
@@ -4720,7 +4802,26 @@
           <a:bodyPr/>
           <a:lstStyle/>
           <a:p>
-            <a:pPr marL="0" marR="0" lvl="0" indent="0" algn="l" defTabSz="914400" rtl="0" eaLnBrk="1" fontAlgn="auto" latinLnBrk="0" hangingPunct="1">
+            <a:endParaRPr lang="en-US" dirty="0"/>
+          </a:p>
+        </p:txBody>
+      </p:sp>
+      <p:sp>
+        <p:nvSpPr>
+          <p:cNvPr id="4" name="Slide Number Placeholder 3"/>
+          <p:cNvSpPr>
+            <a:spLocks noGrp="1"/>
+          </p:cNvSpPr>
+          <p:nvPr>
+            <p:ph type="sldNum" sz="quarter" idx="5"/>
+          </p:nvPr>
+        </p:nvSpPr>
+        <p:spPr/>
+        <p:txBody>
+          <a:bodyPr/>
+          <a:lstStyle/>
+          <a:p>
+            <a:pPr marL="0" marR="0" lvl="0" indent="0" algn="r" defTabSz="914400" rtl="0" eaLnBrk="1" fontAlgn="auto" latinLnBrk="0" hangingPunct="1">
               <a:lnSpc>
                 <a:spcPct val="100000"/>
               </a:lnSpc>
@@ -4737,355 +4838,61 @@
               <a:tabLst/>
               <a:defRPr/>
             </a:pPr>
-            <a:r>
-              <a:rPr lang="en-US" sz="1200" b="0" i="0" dirty="0" err="1">
+            <a:fld id="{CD99B895-4137-4D38-89EA-36335749C66C}" type="slidenum">
+              <a:rPr kumimoji="0" lang="en-US" sz="1200" b="0" i="0" u="none" strike="noStrike" kern="1200" cap="none" spc="0" normalizeH="0" baseline="0" noProof="0" smtClean="0">
+                <a:ln>
+                  <a:noFill/>
+                </a:ln>
                 <a:solidFill>
-                  <a:schemeClr val="bg1"/>
+                  <a:prstClr val="black"/>
                 </a:solidFill>
                 <a:effectLst/>
-                <a:latin typeface="Calibri" panose="020F0502020204030204" pitchFamily="34" charset="0"/>
-                <a:cs typeface="Calibri" panose="020F0502020204030204" pitchFamily="34" charset="0"/>
-              </a:rPr>
-              <a:t>việc</a:t>
-            </a:r>
-            <a:r>
-              <a:rPr lang="en-US" sz="1200" b="0" i="0" dirty="0">
-                <a:solidFill>
-                  <a:schemeClr val="bg1"/>
-                </a:solidFill>
-                <a:effectLst/>
-                <a:latin typeface="Calibri" panose="020F0502020204030204" pitchFamily="34" charset="0"/>
-                <a:cs typeface="Calibri" panose="020F0502020204030204" pitchFamily="34" charset="0"/>
-              </a:rPr>
-              <a:t> </a:t>
-            </a:r>
-            <a:r>
-              <a:rPr lang="en-US" sz="1200" b="0" i="0" dirty="0" err="1">
-                <a:solidFill>
-                  <a:schemeClr val="bg1"/>
-                </a:solidFill>
-                <a:effectLst/>
-                <a:latin typeface="Calibri" panose="020F0502020204030204" pitchFamily="34" charset="0"/>
-                <a:cs typeface="Calibri" panose="020F0502020204030204" pitchFamily="34" charset="0"/>
-              </a:rPr>
-              <a:t>điền</a:t>
-            </a:r>
-            <a:r>
-              <a:rPr lang="en-US" sz="1200" b="0" i="0" dirty="0">
-                <a:solidFill>
-                  <a:schemeClr val="bg1"/>
-                </a:solidFill>
-                <a:effectLst/>
-                <a:latin typeface="Calibri" panose="020F0502020204030204" pitchFamily="34" charset="0"/>
-                <a:cs typeface="Calibri" panose="020F0502020204030204" pitchFamily="34" charset="0"/>
-              </a:rPr>
-              <a:t> </a:t>
-            </a:r>
-            <a:r>
-              <a:rPr lang="en-US" sz="1200" b="0" i="0" dirty="0" err="1">
-                <a:solidFill>
-                  <a:schemeClr val="bg1"/>
-                </a:solidFill>
-                <a:effectLst/>
-                <a:latin typeface="Calibri" panose="020F0502020204030204" pitchFamily="34" charset="0"/>
-                <a:cs typeface="Calibri" panose="020F0502020204030204" pitchFamily="34" charset="0"/>
-              </a:rPr>
-              <a:t>sẵn</a:t>
-            </a:r>
-            <a:r>
-              <a:rPr lang="en-US" sz="1200" b="0" i="0" dirty="0">
-                <a:solidFill>
-                  <a:schemeClr val="bg1"/>
-                </a:solidFill>
-                <a:effectLst/>
-                <a:latin typeface="Calibri" panose="020F0502020204030204" pitchFamily="34" charset="0"/>
-                <a:cs typeface="Calibri" panose="020F0502020204030204" pitchFamily="34" charset="0"/>
-              </a:rPr>
-              <a:t> </a:t>
-            </a:r>
-            <a:r>
-              <a:rPr lang="en-US" sz="1200" b="0" i="0" dirty="0" err="1">
-                <a:solidFill>
-                  <a:schemeClr val="bg1"/>
-                </a:solidFill>
-                <a:effectLst/>
-                <a:latin typeface="Calibri" panose="020F0502020204030204" pitchFamily="34" charset="0"/>
-                <a:cs typeface="Calibri" panose="020F0502020204030204" pitchFamily="34" charset="0"/>
-              </a:rPr>
-              <a:t>một</a:t>
-            </a:r>
-            <a:r>
-              <a:rPr lang="en-US" sz="1200" b="0" i="0" dirty="0">
-                <a:solidFill>
-                  <a:schemeClr val="bg1"/>
-                </a:solidFill>
-                <a:effectLst/>
-                <a:latin typeface="Calibri" panose="020F0502020204030204" pitchFamily="34" charset="0"/>
-                <a:cs typeface="Calibri" panose="020F0502020204030204" pitchFamily="34" charset="0"/>
-              </a:rPr>
-              <a:t> </a:t>
-            </a:r>
-            <a:r>
-              <a:rPr lang="en-US" sz="1200" b="0" i="0" dirty="0" err="1">
-                <a:solidFill>
-                  <a:schemeClr val="bg1"/>
-                </a:solidFill>
-                <a:effectLst/>
-                <a:latin typeface="Calibri" panose="020F0502020204030204" pitchFamily="34" charset="0"/>
-                <a:cs typeface="Calibri" panose="020F0502020204030204" pitchFamily="34" charset="0"/>
-              </a:rPr>
-              <a:t>mảng</a:t>
-            </a:r>
-            <a:r>
-              <a:rPr lang="en-US" sz="1200" b="0" i="0" dirty="0">
-                <a:solidFill>
-                  <a:schemeClr val="bg1"/>
-                </a:solidFill>
-                <a:effectLst/>
-                <a:latin typeface="Calibri" panose="020F0502020204030204" pitchFamily="34" charset="0"/>
-                <a:cs typeface="Calibri" panose="020F0502020204030204" pitchFamily="34" charset="0"/>
-              </a:rPr>
-              <a:t> </a:t>
-            </a:r>
-            <a:r>
-              <a:rPr lang="en-US" sz="1200" b="0" i="0" dirty="0" err="1">
-                <a:solidFill>
-                  <a:schemeClr val="bg1"/>
-                </a:solidFill>
-                <a:effectLst/>
-                <a:latin typeface="Calibri" panose="020F0502020204030204" pitchFamily="34" charset="0"/>
-                <a:cs typeface="Calibri" panose="020F0502020204030204" pitchFamily="34" charset="0"/>
-              </a:rPr>
-              <a:t>các</a:t>
-            </a:r>
-            <a:r>
-              <a:rPr lang="en-US" sz="1200" b="0" i="0" dirty="0">
-                <a:solidFill>
-                  <a:schemeClr val="bg1"/>
-                </a:solidFill>
-                <a:effectLst/>
-                <a:latin typeface="Calibri" panose="020F0502020204030204" pitchFamily="34" charset="0"/>
-                <a:cs typeface="Calibri" panose="020F0502020204030204" pitchFamily="34" charset="0"/>
-              </a:rPr>
-              <a:t> </a:t>
-            </a:r>
-            <a:r>
-              <a:rPr lang="en-US" sz="1200" b="0" i="0" dirty="0" err="1">
-                <a:solidFill>
-                  <a:schemeClr val="bg1"/>
-                </a:solidFill>
-                <a:effectLst/>
-                <a:latin typeface="Calibri" panose="020F0502020204030204" pitchFamily="34" charset="0"/>
-                <a:cs typeface="Calibri" panose="020F0502020204030204" pitchFamily="34" charset="0"/>
-              </a:rPr>
-              <a:t>giá</a:t>
-            </a:r>
-            <a:r>
-              <a:rPr lang="en-US" sz="1200" b="0" i="0" dirty="0">
-                <a:solidFill>
-                  <a:schemeClr val="bg1"/>
-                </a:solidFill>
-                <a:effectLst/>
-                <a:latin typeface="Calibri" panose="020F0502020204030204" pitchFamily="34" charset="0"/>
-                <a:cs typeface="Calibri" panose="020F0502020204030204" pitchFamily="34" charset="0"/>
-              </a:rPr>
-              <a:t> </a:t>
-            </a:r>
-            <a:r>
-              <a:rPr lang="en-US" sz="1200" b="0" i="0" dirty="0" err="1">
-                <a:solidFill>
-                  <a:schemeClr val="bg1"/>
-                </a:solidFill>
-                <a:effectLst/>
-                <a:latin typeface="Calibri" panose="020F0502020204030204" pitchFamily="34" charset="0"/>
-                <a:cs typeface="Calibri" panose="020F0502020204030204" pitchFamily="34" charset="0"/>
-              </a:rPr>
-              <a:t>trị</a:t>
-            </a:r>
-            <a:r>
-              <a:rPr lang="en-US" sz="1200" b="0" i="0" dirty="0">
-                <a:solidFill>
-                  <a:schemeClr val="bg1"/>
-                </a:solidFill>
-                <a:effectLst/>
-                <a:latin typeface="Calibri" panose="020F0502020204030204" pitchFamily="34" charset="0"/>
-                <a:cs typeface="Calibri" panose="020F0502020204030204" pitchFamily="34" charset="0"/>
-              </a:rPr>
-              <a:t> </a:t>
-            </a:r>
-            <a:r>
-              <a:rPr lang="en-US" sz="1200" b="0" i="0" dirty="0" err="1">
-                <a:solidFill>
-                  <a:schemeClr val="bg1"/>
-                </a:solidFill>
-                <a:effectLst/>
-                <a:latin typeface="Calibri" panose="020F0502020204030204" pitchFamily="34" charset="0"/>
-                <a:cs typeface="Calibri" panose="020F0502020204030204" pitchFamily="34" charset="0"/>
-              </a:rPr>
-              <a:t>trung</a:t>
-            </a:r>
-            <a:r>
-              <a:rPr lang="en-US" sz="1200" b="0" i="0" dirty="0">
-                <a:solidFill>
-                  <a:schemeClr val="bg1"/>
-                </a:solidFill>
-                <a:effectLst/>
-                <a:latin typeface="Calibri" panose="020F0502020204030204" pitchFamily="34" charset="0"/>
-                <a:cs typeface="Calibri" panose="020F0502020204030204" pitchFamily="34" charset="0"/>
-              </a:rPr>
-              <a:t> </a:t>
-            </a:r>
-            <a:r>
-              <a:rPr lang="en-US" sz="1200" b="0" i="0" dirty="0" err="1">
-                <a:solidFill>
-                  <a:schemeClr val="bg1"/>
-                </a:solidFill>
-                <a:effectLst/>
-                <a:latin typeface="Calibri" panose="020F0502020204030204" pitchFamily="34" charset="0"/>
-                <a:cs typeface="Calibri" panose="020F0502020204030204" pitchFamily="34" charset="0"/>
-              </a:rPr>
-              <a:t>tính</a:t>
-            </a:r>
-            <a:r>
-              <a:rPr lang="en-US" sz="1200" b="0" i="0" dirty="0">
-                <a:solidFill>
-                  <a:schemeClr val="bg1"/>
-                </a:solidFill>
-                <a:effectLst/>
-                <a:latin typeface="Calibri" panose="020F0502020204030204" pitchFamily="34" charset="0"/>
-                <a:cs typeface="Calibri" panose="020F0502020204030204" pitchFamily="34" charset="0"/>
-              </a:rPr>
-              <a:t> </a:t>
-            </a:r>
-            <a:r>
-              <a:rPr lang="en-US" sz="1200" b="0" i="0" dirty="0" err="1">
-                <a:solidFill>
-                  <a:schemeClr val="bg1"/>
-                </a:solidFill>
-                <a:effectLst/>
-                <a:latin typeface="Calibri" panose="020F0502020204030204" pitchFamily="34" charset="0"/>
-                <a:cs typeface="Calibri" panose="020F0502020204030204" pitchFamily="34" charset="0"/>
-              </a:rPr>
-              <a:t>là</a:t>
-            </a:r>
-            <a:r>
-              <a:rPr lang="en-US" sz="1200" b="0" i="0" dirty="0">
-                <a:solidFill>
-                  <a:schemeClr val="bg1"/>
-                </a:solidFill>
-                <a:effectLst/>
-                <a:latin typeface="Calibri" panose="020F0502020204030204" pitchFamily="34" charset="0"/>
-                <a:cs typeface="Calibri" panose="020F0502020204030204" pitchFamily="34" charset="0"/>
-              </a:rPr>
-              <a:t> </a:t>
-            </a:r>
-            <a:r>
-              <a:rPr lang="en-US" sz="1200" b="0" i="0" dirty="0" err="1">
-                <a:solidFill>
-                  <a:schemeClr val="bg1"/>
-                </a:solidFill>
-                <a:effectLst/>
-                <a:latin typeface="Calibri" panose="020F0502020204030204" pitchFamily="34" charset="0"/>
-                <a:cs typeface="Calibri" panose="020F0502020204030204" pitchFamily="34" charset="0"/>
-              </a:rPr>
-              <a:t>điều</a:t>
-            </a:r>
-            <a:r>
-              <a:rPr lang="en-US" sz="1200" b="0" i="0" dirty="0">
-                <a:solidFill>
-                  <a:schemeClr val="bg1"/>
-                </a:solidFill>
-                <a:effectLst/>
-                <a:latin typeface="Calibri" panose="020F0502020204030204" pitchFamily="34" charset="0"/>
-                <a:cs typeface="Calibri" panose="020F0502020204030204" pitchFamily="34" charset="0"/>
-              </a:rPr>
-              <a:t> </a:t>
-            </a:r>
-            <a:r>
-              <a:rPr lang="en-US" sz="1200" b="0" i="0" dirty="0" err="1">
-                <a:solidFill>
-                  <a:schemeClr val="bg1"/>
-                </a:solidFill>
-                <a:effectLst/>
-                <a:latin typeface="Calibri" panose="020F0502020204030204" pitchFamily="34" charset="0"/>
-                <a:cs typeface="Calibri" panose="020F0502020204030204" pitchFamily="34" charset="0"/>
-              </a:rPr>
-              <a:t>bắt</a:t>
-            </a:r>
-            <a:r>
-              <a:rPr lang="en-US" sz="1200" b="0" i="0" dirty="0">
-                <a:solidFill>
-                  <a:schemeClr val="bg1"/>
-                </a:solidFill>
-                <a:effectLst/>
-                <a:latin typeface="Calibri" panose="020F0502020204030204" pitchFamily="34" charset="0"/>
-                <a:cs typeface="Calibri" panose="020F0502020204030204" pitchFamily="34" charset="0"/>
-              </a:rPr>
-              <a:t> </a:t>
-            </a:r>
-            <a:r>
-              <a:rPr lang="en-US" sz="1200" b="0" i="0" dirty="0" err="1">
-                <a:solidFill>
-                  <a:schemeClr val="bg1"/>
-                </a:solidFill>
-                <a:effectLst/>
-                <a:latin typeface="Calibri" panose="020F0502020204030204" pitchFamily="34" charset="0"/>
-                <a:cs typeface="Calibri" panose="020F0502020204030204" pitchFamily="34" charset="0"/>
-              </a:rPr>
-              <a:t>buộc</a:t>
-            </a:r>
-            <a:r>
-              <a:rPr lang="vi-VN" sz="1200" b="0" i="0" dirty="0">
-                <a:solidFill>
-                  <a:schemeClr val="bg1"/>
-                </a:solidFill>
-                <a:effectLst/>
-                <a:latin typeface="Calibri" panose="020F0502020204030204" pitchFamily="34" charset="0"/>
-                <a:cs typeface="Calibri" panose="020F0502020204030204" pitchFamily="34" charset="0"/>
-              </a:rPr>
-              <a:t> (sau đó chúng ta sẽ cộng dồn kết quả vào mỗi khi giải được một bài toán con mới).</a:t>
-            </a:r>
-            <a:endParaRPr lang="en-US" sz="1200" b="0" i="0" dirty="0">
+                <a:uLnTx/>
+                <a:uFillTx/>
+                <a:latin typeface="Calibri" panose="020F0502020204030204"/>
+                <a:ea typeface="+mn-ea"/>
+                <a:cs typeface="+mn-cs"/>
+              </a:rPr>
+              <a:pPr marL="0" marR="0" lvl="0" indent="0" algn="r" defTabSz="914400" rtl="0" eaLnBrk="1" fontAlgn="auto" latinLnBrk="0" hangingPunct="1">
+                <a:lnSpc>
+                  <a:spcPct val="100000"/>
+                </a:lnSpc>
+                <a:spcBef>
+                  <a:spcPts val="0"/>
+                </a:spcBef>
+                <a:spcAft>
+                  <a:spcPts val="0"/>
+                </a:spcAft>
+                <a:buClrTx/>
+                <a:buSzTx/>
+                <a:buFontTx/>
+                <a:buNone/>
+                <a:tabLst/>
+                <a:defRPr/>
+              </a:pPr>
+              <a:t>12</a:t>
+            </a:fld>
+            <a:endParaRPr kumimoji="0" lang="en-US" sz="1200" b="0" i="0" u="none" strike="noStrike" kern="1200" cap="none" spc="0" normalizeH="0" baseline="0" noProof="0">
+              <a:ln>
+                <a:noFill/>
+              </a:ln>
               <a:solidFill>
-                <a:schemeClr val="bg1"/>
+                <a:prstClr val="black"/>
               </a:solidFill>
               <a:effectLst/>
-              <a:latin typeface="Calibri" panose="020F0502020204030204" pitchFamily="34" charset="0"/>
-              <a:cs typeface="Calibri" panose="020F0502020204030204" pitchFamily="34" charset="0"/>
+              <a:uLnTx/>
+              <a:uFillTx/>
+              <a:latin typeface="Calibri" panose="020F0502020204030204"/>
+              <a:ea typeface="+mn-ea"/>
+              <a:cs typeface="+mn-cs"/>
             </a:endParaRPr>
-          </a:p>
-          <a:p>
-            <a:endParaRPr lang="en-US" dirty="0"/>
-          </a:p>
-        </p:txBody>
-      </p:sp>
-      <p:sp>
-        <p:nvSpPr>
-          <p:cNvPr id="4" name="Slide Number Placeholder 3"/>
-          <p:cNvSpPr>
-            <a:spLocks noGrp="1"/>
-          </p:cNvSpPr>
-          <p:nvPr>
-            <p:ph type="sldNum" sz="quarter" idx="5"/>
-          </p:nvPr>
-        </p:nvSpPr>
-        <p:spPr/>
-        <p:txBody>
-          <a:bodyPr/>
-          <a:lstStyle/>
-          <a:p>
-            <a:fld id="{CD99B895-4137-4D38-89EA-36335749C66C}" type="slidenum">
-              <a:rPr lang="en-US" smtClean="0"/>
-              <a:t>12</a:t>
-            </a:fld>
-            <a:endParaRPr lang="en-US"/>
           </a:p>
         </p:txBody>
       </p:sp>
     </p:spTree>
     <p:extLst>
       <p:ext uri="{BB962C8B-B14F-4D97-AF65-F5344CB8AC3E}">
-        <p14:creationId xmlns:p14="http://schemas.microsoft.com/office/powerpoint/2010/main" val="6175782"/>
+        <p14:creationId xmlns:p14="http://schemas.microsoft.com/office/powerpoint/2010/main" val="1231967926"/>
       </p:ext>
     </p:extLst>
   </p:cSld>
@@ -5391,7 +5198,7 @@
           <a:bodyPr/>
           <a:lstStyle/>
           <a:p>
-            <a:endParaRPr lang="en-US"/>
+            <a:endParaRPr lang="en-US" dirty="0"/>
           </a:p>
         </p:txBody>
       </p:sp>
@@ -5412,6 +5219,90 @@
           <a:p>
             <a:fld id="{CD99B895-4137-4D38-89EA-36335749C66C}" type="slidenum">
               <a:rPr lang="en-US" smtClean="0"/>
+              <a:t>16</a:t>
+            </a:fld>
+            <a:endParaRPr lang="en-US"/>
+          </a:p>
+        </p:txBody>
+      </p:sp>
+    </p:spTree>
+    <p:extLst>
+      <p:ext uri="{BB962C8B-B14F-4D97-AF65-F5344CB8AC3E}">
+        <p14:creationId xmlns:p14="http://schemas.microsoft.com/office/powerpoint/2010/main" val="1796299344"/>
+      </p:ext>
+    </p:extLst>
+  </p:cSld>
+  <p:clrMapOvr>
+    <a:masterClrMapping/>
+  </p:clrMapOvr>
+</p:notes>
+</file>
+
+<file path=ppt/notesSlides/notesSlide15.xml><?xml version="1.0" encoding="utf-8"?>
+<p:notes xmlns:a="http://schemas.openxmlformats.org/drawingml/2006/main" xmlns:r="http://schemas.openxmlformats.org/officeDocument/2006/relationships" xmlns:p="http://schemas.openxmlformats.org/presentationml/2006/main">
+  <p:cSld>
+    <p:spTree>
+      <p:nvGrpSpPr>
+        <p:cNvPr id="1" name=""/>
+        <p:cNvGrpSpPr/>
+        <p:nvPr/>
+      </p:nvGrpSpPr>
+      <p:grpSpPr>
+        <a:xfrm>
+          <a:off x="0" y="0"/>
+          <a:ext cx="0" cy="0"/>
+          <a:chOff x="0" y="0"/>
+          <a:chExt cx="0" cy="0"/>
+        </a:xfrm>
+      </p:grpSpPr>
+      <p:sp>
+        <p:nvSpPr>
+          <p:cNvPr id="2" name="Slide Image Placeholder 1"/>
+          <p:cNvSpPr>
+            <a:spLocks noGrp="1" noRot="1" noChangeAspect="1"/>
+          </p:cNvSpPr>
+          <p:nvPr>
+            <p:ph type="sldImg"/>
+          </p:nvPr>
+        </p:nvSpPr>
+        <p:spPr/>
+      </p:sp>
+      <p:sp>
+        <p:nvSpPr>
+          <p:cNvPr id="3" name="Notes Placeholder 2"/>
+          <p:cNvSpPr>
+            <a:spLocks noGrp="1"/>
+          </p:cNvSpPr>
+          <p:nvPr>
+            <p:ph type="body" idx="1"/>
+          </p:nvPr>
+        </p:nvSpPr>
+        <p:spPr/>
+        <p:txBody>
+          <a:bodyPr/>
+          <a:lstStyle/>
+          <a:p>
+            <a:endParaRPr lang="en-US"/>
+          </a:p>
+        </p:txBody>
+      </p:sp>
+      <p:sp>
+        <p:nvSpPr>
+          <p:cNvPr id="4" name="Slide Number Placeholder 3"/>
+          <p:cNvSpPr>
+            <a:spLocks noGrp="1"/>
+          </p:cNvSpPr>
+          <p:nvPr>
+            <p:ph type="sldNum" sz="quarter" idx="5"/>
+          </p:nvPr>
+        </p:nvSpPr>
+        <p:spPr/>
+        <p:txBody>
+          <a:bodyPr/>
+          <a:lstStyle/>
+          <a:p>
+            <a:fld id="{CD99B895-4137-4D38-89EA-36335749C66C}" type="slidenum">
+              <a:rPr lang="en-US" smtClean="0"/>
               <a:t>20</a:t>
             </a:fld>
             <a:endParaRPr lang="en-US"/>
@@ -5422,6 +5313,302 @@
     <p:extLst>
       <p:ext uri="{BB962C8B-B14F-4D97-AF65-F5344CB8AC3E}">
         <p14:creationId xmlns:p14="http://schemas.microsoft.com/office/powerpoint/2010/main" val="2787634254"/>
+      </p:ext>
+    </p:extLst>
+  </p:cSld>
+  <p:clrMapOvr>
+    <a:masterClrMapping/>
+  </p:clrMapOvr>
+</p:notes>
+</file>
+
+<file path=ppt/notesSlides/notesSlide16.xml><?xml version="1.0" encoding="utf-8"?>
+<p:notes xmlns:a="http://schemas.openxmlformats.org/drawingml/2006/main" xmlns:r="http://schemas.openxmlformats.org/officeDocument/2006/relationships" xmlns:p="http://schemas.openxmlformats.org/presentationml/2006/main">
+  <p:cSld>
+    <p:spTree>
+      <p:nvGrpSpPr>
+        <p:cNvPr id="1" name=""/>
+        <p:cNvGrpSpPr/>
+        <p:nvPr/>
+      </p:nvGrpSpPr>
+      <p:grpSpPr>
+        <a:xfrm>
+          <a:off x="0" y="0"/>
+          <a:ext cx="0" cy="0"/>
+          <a:chOff x="0" y="0"/>
+          <a:chExt cx="0" cy="0"/>
+        </a:xfrm>
+      </p:grpSpPr>
+      <p:sp>
+        <p:nvSpPr>
+          <p:cNvPr id="2" name="Slide Image Placeholder 1"/>
+          <p:cNvSpPr>
+            <a:spLocks noGrp="1" noRot="1" noChangeAspect="1"/>
+          </p:cNvSpPr>
+          <p:nvPr>
+            <p:ph type="sldImg"/>
+          </p:nvPr>
+        </p:nvSpPr>
+        <p:spPr/>
+      </p:sp>
+      <p:sp>
+        <p:nvSpPr>
+          <p:cNvPr id="3" name="Notes Placeholder 2"/>
+          <p:cNvSpPr>
+            <a:spLocks noGrp="1"/>
+          </p:cNvSpPr>
+          <p:nvPr>
+            <p:ph type="body" idx="1"/>
+          </p:nvPr>
+        </p:nvSpPr>
+        <p:spPr/>
+        <p:txBody>
+          <a:bodyPr/>
+          <a:lstStyle/>
+          <a:p>
+            <a:r>
+              <a:rPr lang="en-US" dirty="0" err="1"/>
+              <a:t>Cũng</a:t>
+            </a:r>
+            <a:r>
+              <a:rPr lang="en-US" dirty="0"/>
+              <a:t> </a:t>
+            </a:r>
+            <a:r>
+              <a:rPr lang="en-US" dirty="0" err="1"/>
+              <a:t>có</a:t>
+            </a:r>
+            <a:r>
+              <a:rPr lang="en-US" dirty="0"/>
+              <a:t> </a:t>
+            </a:r>
+            <a:r>
+              <a:rPr lang="en-US" dirty="0" err="1"/>
+              <a:t>thể</a:t>
+            </a:r>
+            <a:r>
+              <a:rPr lang="en-US" dirty="0"/>
+              <a:t> </a:t>
+            </a:r>
+            <a:r>
+              <a:rPr lang="en-US" dirty="0" err="1"/>
+              <a:t>tạo</a:t>
+            </a:r>
+            <a:r>
+              <a:rPr lang="en-US" dirty="0"/>
+              <a:t> </a:t>
+            </a:r>
+            <a:r>
+              <a:rPr lang="en-US" dirty="0" err="1"/>
+              <a:t>mối</a:t>
+            </a:r>
+            <a:r>
+              <a:rPr lang="en-US" dirty="0"/>
+              <a:t> </a:t>
+            </a:r>
+            <a:r>
+              <a:rPr lang="en-US" dirty="0" err="1"/>
+              <a:t>quan</a:t>
+            </a:r>
+            <a:r>
+              <a:rPr lang="en-US" dirty="0"/>
+              <a:t> </a:t>
+            </a:r>
+            <a:r>
+              <a:rPr lang="en-US" dirty="0" err="1"/>
+              <a:t>hệ</a:t>
+            </a:r>
+            <a:r>
+              <a:rPr lang="en-US" dirty="0"/>
+              <a:t> </a:t>
+            </a:r>
+            <a:r>
+              <a:rPr lang="en-US" dirty="0" err="1"/>
+              <a:t>như</a:t>
+            </a:r>
+            <a:r>
+              <a:rPr lang="en-US" dirty="0"/>
+              <a:t> </a:t>
+            </a:r>
+            <a:r>
+              <a:rPr lang="en-US" dirty="0" err="1"/>
+              <a:t>thêm</a:t>
+            </a:r>
+            <a:r>
+              <a:rPr lang="en-US" dirty="0"/>
+              <a:t> n </a:t>
+            </a:r>
+            <a:r>
+              <a:rPr lang="en-US" dirty="0" err="1"/>
+              <a:t>số</a:t>
+            </a:r>
+            <a:r>
+              <a:rPr lang="en-US" dirty="0"/>
+              <a:t> </a:t>
+            </a:r>
+            <a:r>
+              <a:rPr lang="en-US" dirty="0" err="1"/>
+              <a:t>vào</a:t>
+            </a:r>
+            <a:r>
+              <a:rPr lang="en-US" dirty="0"/>
+              <a:t> </a:t>
+            </a:r>
+            <a:r>
+              <a:rPr lang="en-US" dirty="0" err="1"/>
+              <a:t>tất</a:t>
+            </a:r>
+            <a:r>
+              <a:rPr lang="en-US" dirty="0"/>
+              <a:t> </a:t>
+            </a:r>
+            <a:r>
+              <a:rPr lang="en-US" dirty="0" err="1"/>
+              <a:t>cả</a:t>
+            </a:r>
+            <a:r>
+              <a:rPr lang="en-US" dirty="0"/>
+              <a:t> </a:t>
+            </a:r>
+            <a:r>
+              <a:rPr lang="en-US" dirty="0" err="1"/>
+              <a:t>tổ</a:t>
+            </a:r>
+            <a:r>
+              <a:rPr lang="en-US" dirty="0"/>
+              <a:t> </a:t>
+            </a:r>
+            <a:r>
+              <a:rPr lang="en-US" dirty="0" err="1"/>
+              <a:t>hợp</a:t>
+            </a:r>
+            <a:r>
+              <a:rPr lang="en-US" dirty="0"/>
+              <a:t> </a:t>
+            </a:r>
+            <a:r>
+              <a:rPr lang="en-US" dirty="0" err="1"/>
+              <a:t>trạng</a:t>
+            </a:r>
+            <a:r>
+              <a:rPr lang="en-US" dirty="0"/>
+              <a:t> </a:t>
+            </a:r>
+            <a:r>
+              <a:rPr lang="en-US" dirty="0" err="1"/>
+              <a:t>thái</a:t>
+            </a:r>
+            <a:r>
+              <a:rPr lang="en-US" dirty="0"/>
+              <a:t> </a:t>
+            </a:r>
+            <a:r>
+              <a:rPr lang="en-US" dirty="0" err="1"/>
+              <a:t>có</a:t>
+            </a:r>
+            <a:r>
+              <a:rPr lang="en-US" dirty="0"/>
+              <a:t> </a:t>
+            </a:r>
+            <a:r>
+              <a:rPr lang="en-US" dirty="0" err="1"/>
+              <a:t>sẵn</a:t>
+            </a:r>
+            <a:r>
+              <a:rPr lang="en-US" dirty="0"/>
+              <a:t> </a:t>
+            </a:r>
+          </a:p>
+          <a:p>
+            <a:r>
+              <a:rPr lang="en-US" dirty="0" err="1"/>
+              <a:t>Phải</a:t>
+            </a:r>
+            <a:r>
+              <a:rPr lang="en-US" dirty="0"/>
+              <a:t> </a:t>
+            </a:r>
+            <a:r>
+              <a:rPr lang="en-US" dirty="0" err="1"/>
+              <a:t>chỉ</a:t>
+            </a:r>
+            <a:r>
+              <a:rPr lang="en-US" dirty="0"/>
+              <a:t> </a:t>
+            </a:r>
+            <a:r>
+              <a:rPr lang="en-US" dirty="0" err="1"/>
+              <a:t>số</a:t>
+            </a:r>
+            <a:r>
+              <a:rPr lang="en-US" dirty="0"/>
+              <a:t> </a:t>
+            </a:r>
+            <a:r>
+              <a:rPr lang="en-US" dirty="0" err="1"/>
+              <a:t>tổ</a:t>
+            </a:r>
+            <a:r>
+              <a:rPr lang="en-US" dirty="0"/>
+              <a:t> </a:t>
+            </a:r>
+            <a:r>
+              <a:rPr lang="en-US" dirty="0" err="1"/>
+              <a:t>hợp</a:t>
+            </a:r>
+            <a:r>
+              <a:rPr lang="en-US" dirty="0"/>
+              <a:t> </a:t>
+            </a:r>
+            <a:r>
+              <a:rPr lang="en-US" dirty="0" err="1"/>
+              <a:t>gồm</a:t>
+            </a:r>
+            <a:r>
+              <a:rPr lang="en-US" dirty="0"/>
+              <a:t> n </a:t>
+            </a:r>
+            <a:r>
+              <a:rPr lang="en-US" dirty="0" err="1"/>
+              <a:t>số</a:t>
+            </a:r>
+            <a:r>
+              <a:rPr lang="en-US" dirty="0"/>
+              <a:t> </a:t>
+            </a:r>
+          </a:p>
+          <a:p>
+            <a:endParaRPr lang="en-US" dirty="0"/>
+          </a:p>
+        </p:txBody>
+      </p:sp>
+      <p:sp>
+        <p:nvSpPr>
+          <p:cNvPr id="4" name="Slide Number Placeholder 3"/>
+          <p:cNvSpPr>
+            <a:spLocks noGrp="1"/>
+          </p:cNvSpPr>
+          <p:nvPr>
+            <p:ph type="sldNum" sz="quarter" idx="5"/>
+          </p:nvPr>
+        </p:nvSpPr>
+        <p:spPr/>
+        <p:txBody>
+          <a:bodyPr/>
+          <a:lstStyle/>
+          <a:p>
+            <a:fld id="{CD99B895-4137-4D38-89EA-36335749C66C}" type="slidenum">
+              <a:rPr lang="en-US" smtClean="0"/>
+              <a:t>26</a:t>
+            </a:fld>
+            <a:endParaRPr lang="en-US"/>
+          </a:p>
+        </p:txBody>
+      </p:sp>
+    </p:spTree>
+    <p:extLst>
+      <p:ext uri="{BB962C8B-B14F-4D97-AF65-F5344CB8AC3E}">
+        <p14:creationId xmlns:p14="http://schemas.microsoft.com/office/powerpoint/2010/main" val="1044983555"/>
       </p:ext>
     </p:extLst>
   </p:cSld>
@@ -6337,151 +6524,27 @@
           <a:bodyPr/>
           <a:lstStyle/>
           <a:p>
-            <a:pPr marL="0" marR="0" lvl="0" indent="0" algn="l" defTabSz="914400" rtl="0" eaLnBrk="1" fontAlgn="auto" latinLnBrk="0" hangingPunct="1">
-              <a:lnSpc>
-                <a:spcPct val="100000"/>
-              </a:lnSpc>
-              <a:spcBef>
-                <a:spcPts val="0"/>
-              </a:spcBef>
-              <a:spcAft>
-                <a:spcPts val="0"/>
-              </a:spcAft>
-              <a:buClrTx/>
-              <a:buSzTx/>
-              <a:buFontTx/>
-              <a:buNone/>
-              <a:tabLst/>
-              <a:defRPr/>
-            </a:pPr>
-            <a:r>
-              <a:rPr lang="en-US" sz="1200" dirty="0" err="1"/>
-              <a:t>Trộn</a:t>
-            </a:r>
-            <a:r>
-              <a:rPr lang="en-US" sz="1200" dirty="0"/>
-              <a:t> </a:t>
-            </a:r>
-            <a:r>
-              <a:rPr lang="en-US" sz="1200" dirty="0" err="1"/>
-              <a:t>màu</a:t>
-            </a:r>
-            <a:r>
-              <a:rPr lang="en-US" sz="1200" dirty="0"/>
-              <a:t> </a:t>
-            </a:r>
-            <a:r>
-              <a:rPr lang="en-US" sz="1200" dirty="0" err="1"/>
-              <a:t>đỏ</a:t>
-            </a:r>
-            <a:r>
-              <a:rPr lang="en-US" sz="1200" dirty="0"/>
-              <a:t> </a:t>
-            </a:r>
-            <a:r>
-              <a:rPr lang="en-US" sz="1200" dirty="0" err="1"/>
-              <a:t>và</a:t>
-            </a:r>
-            <a:r>
-              <a:rPr lang="en-US" sz="1200" dirty="0"/>
-              <a:t> </a:t>
-            </a:r>
-            <a:r>
-              <a:rPr lang="en-US" sz="1200" dirty="0" err="1"/>
-              <a:t>xanh</a:t>
-            </a:r>
-            <a:r>
-              <a:rPr lang="en-US" sz="1200" dirty="0"/>
-              <a:t> ra </a:t>
-            </a:r>
-            <a:r>
-              <a:rPr lang="en-US" sz="1200" dirty="0" err="1"/>
-              <a:t>màu</a:t>
-            </a:r>
-            <a:r>
-              <a:rPr lang="en-US" sz="1200" dirty="0"/>
-              <a:t> </a:t>
-            </a:r>
-            <a:r>
-              <a:rPr lang="en-US" sz="1200" dirty="0" err="1"/>
-              <a:t>tím</a:t>
-            </a:r>
-            <a:r>
-              <a:rPr lang="en-US" sz="1200" dirty="0"/>
-              <a:t>, </a:t>
-            </a:r>
-            <a:r>
-              <a:rPr lang="en-US" sz="1200" dirty="0" err="1"/>
-              <a:t>trộn</a:t>
-            </a:r>
-            <a:r>
-              <a:rPr lang="en-US" sz="1200" dirty="0"/>
-              <a:t> </a:t>
-            </a:r>
-            <a:r>
-              <a:rPr lang="en-US" sz="1200" dirty="0" err="1"/>
-              <a:t>màu</a:t>
-            </a:r>
-            <a:r>
-              <a:rPr lang="en-US" sz="1200" dirty="0"/>
-              <a:t> </a:t>
-            </a:r>
-            <a:r>
-              <a:rPr lang="en-US" sz="1200" dirty="0" err="1"/>
-              <a:t>tím</a:t>
-            </a:r>
-            <a:r>
-              <a:rPr lang="en-US" sz="1200" dirty="0"/>
-              <a:t> </a:t>
-            </a:r>
-            <a:r>
-              <a:rPr lang="en-US" sz="1200" dirty="0" err="1"/>
-              <a:t>và</a:t>
-            </a:r>
-            <a:r>
-              <a:rPr lang="en-US" sz="1200" dirty="0"/>
-              <a:t> </a:t>
-            </a:r>
-            <a:r>
-              <a:rPr lang="en-US" sz="1200" dirty="0" err="1"/>
-              <a:t>đỏ</a:t>
-            </a:r>
-            <a:r>
-              <a:rPr lang="en-US" sz="1200" dirty="0"/>
-              <a:t> ra </a:t>
-            </a:r>
-            <a:r>
-              <a:rPr lang="en-US" sz="1200" dirty="0" err="1"/>
-              <a:t>màu</a:t>
-            </a:r>
-            <a:r>
-              <a:rPr lang="en-US" sz="1200" dirty="0"/>
-              <a:t> </a:t>
-            </a:r>
-            <a:r>
-              <a:rPr lang="en-US" sz="1200" b="0" i="0" dirty="0" err="1">
-                <a:effectLst/>
-                <a:latin typeface="Roboto"/>
-              </a:rPr>
-              <a:t>hồng</a:t>
-            </a:r>
-            <a:r>
-              <a:rPr lang="en-US" sz="1200" b="0" i="0" dirty="0">
-                <a:effectLst/>
-                <a:latin typeface="Roboto"/>
-              </a:rPr>
-              <a:t> </a:t>
-            </a:r>
-            <a:r>
-              <a:rPr lang="en-US" sz="1200" b="0" i="0" dirty="0" err="1">
-                <a:effectLst/>
-                <a:latin typeface="Roboto"/>
-              </a:rPr>
-              <a:t>sẫm</a:t>
-            </a:r>
-            <a:r>
-              <a:rPr lang="en-US" sz="1200" dirty="0"/>
-              <a:t> </a:t>
+            <a:r>
+              <a:rPr lang="vi-VN" dirty="0"/>
+              <a:t>fib(k) chỉ đệ quy lần duy nhất nó được gọi với mọi k</a:t>
+            </a:r>
+          </a:p>
+          <a:p>
+            <a:r>
+              <a:rPr lang="vi-VN" dirty="0"/>
+              <a:t>thời gian cho lời gọi memoize là hằng số</a:t>
+            </a:r>
+          </a:p>
+          <a:p>
+            <a:r>
+              <a:rPr lang="vi-VN" dirty="0"/>
+              <a:t>số lời gọi không phải cần memoization là n</a:t>
+            </a:r>
+          </a:p>
+          <a:p>
+            <a:r>
+              <a:rPr lang="vi-VN" dirty="0"/>
+              <a:t>số lời gọi không đệ quy như so sánh , gán là hằng số </a:t>
             </a:r>
           </a:p>
           <a:p>
@@ -6506,7 +6569,7 @@
           <a:p>
             <a:fld id="{CD99B895-4137-4D38-89EA-36335749C66C}" type="slidenum">
               <a:rPr lang="en-US" smtClean="0"/>
-              <a:t>8</a:t>
+              <a:t>7</a:t>
             </a:fld>
             <a:endParaRPr lang="en-US"/>
           </a:p>
@@ -6515,7 +6578,7 @@
     </p:spTree>
     <p:extLst>
       <p:ext uri="{BB962C8B-B14F-4D97-AF65-F5344CB8AC3E}">
-        <p14:creationId xmlns:p14="http://schemas.microsoft.com/office/powerpoint/2010/main" val="2820006661"/>
+        <p14:creationId xmlns:p14="http://schemas.microsoft.com/office/powerpoint/2010/main" val="841093716"/>
       </p:ext>
     </p:extLst>
   </p:cSld>
@@ -6569,6 +6632,154 @@
           <a:bodyPr/>
           <a:lstStyle/>
           <a:p>
+            <a:pPr marL="0" marR="0" lvl="0" indent="0" algn="l" defTabSz="914400" rtl="0" eaLnBrk="1" fontAlgn="auto" latinLnBrk="0" hangingPunct="1">
+              <a:lnSpc>
+                <a:spcPct val="100000"/>
+              </a:lnSpc>
+              <a:spcBef>
+                <a:spcPts val="0"/>
+              </a:spcBef>
+              <a:spcAft>
+                <a:spcPts val="0"/>
+              </a:spcAft>
+              <a:buClrTx/>
+              <a:buSzTx/>
+              <a:buFontTx/>
+              <a:buNone/>
+              <a:tabLst/>
+              <a:defRPr/>
+            </a:pPr>
+            <a:r>
+              <a:rPr lang="en-US" sz="1200" dirty="0" err="1"/>
+              <a:t>Trộn</a:t>
+            </a:r>
+            <a:r>
+              <a:rPr lang="en-US" sz="1200" dirty="0"/>
+              <a:t> </a:t>
+            </a:r>
+            <a:r>
+              <a:rPr lang="en-US" sz="1200" dirty="0" err="1"/>
+              <a:t>màu</a:t>
+            </a:r>
+            <a:r>
+              <a:rPr lang="en-US" sz="1200" dirty="0"/>
+              <a:t> </a:t>
+            </a:r>
+            <a:r>
+              <a:rPr lang="en-US" sz="1200" dirty="0" err="1"/>
+              <a:t>đỏ</a:t>
+            </a:r>
+            <a:r>
+              <a:rPr lang="en-US" sz="1200" dirty="0"/>
+              <a:t> </a:t>
+            </a:r>
+            <a:r>
+              <a:rPr lang="en-US" sz="1200" dirty="0" err="1"/>
+              <a:t>và</a:t>
+            </a:r>
+            <a:r>
+              <a:rPr lang="en-US" sz="1200" dirty="0"/>
+              <a:t> </a:t>
+            </a:r>
+            <a:r>
+              <a:rPr lang="en-US" sz="1200" dirty="0" err="1"/>
+              <a:t>xanh</a:t>
+            </a:r>
+            <a:r>
+              <a:rPr lang="en-US" sz="1200" dirty="0"/>
+              <a:t> ra </a:t>
+            </a:r>
+            <a:r>
+              <a:rPr lang="en-US" sz="1200" dirty="0" err="1"/>
+              <a:t>màu</a:t>
+            </a:r>
+            <a:r>
+              <a:rPr lang="en-US" sz="1200" dirty="0"/>
+              <a:t> </a:t>
+            </a:r>
+            <a:r>
+              <a:rPr lang="en-US" sz="1200" dirty="0" err="1"/>
+              <a:t>tím</a:t>
+            </a:r>
+            <a:r>
+              <a:rPr lang="en-US" sz="1200" dirty="0"/>
+              <a:t>, </a:t>
+            </a:r>
+            <a:r>
+              <a:rPr lang="en-US" sz="1200" dirty="0" err="1"/>
+              <a:t>trộn</a:t>
+            </a:r>
+            <a:r>
+              <a:rPr lang="en-US" sz="1200" dirty="0"/>
+              <a:t> </a:t>
+            </a:r>
+            <a:r>
+              <a:rPr lang="en-US" sz="1200" dirty="0" err="1"/>
+              <a:t>màu</a:t>
+            </a:r>
+            <a:r>
+              <a:rPr lang="en-US" sz="1200" dirty="0"/>
+              <a:t> </a:t>
+            </a:r>
+            <a:r>
+              <a:rPr lang="en-US" sz="1200" dirty="0" err="1"/>
+              <a:t>tím</a:t>
+            </a:r>
+            <a:r>
+              <a:rPr lang="en-US" sz="1200" dirty="0"/>
+              <a:t> </a:t>
+            </a:r>
+            <a:r>
+              <a:rPr lang="en-US" sz="1200" dirty="0" err="1"/>
+              <a:t>và</a:t>
+            </a:r>
+            <a:r>
+              <a:rPr lang="en-US" sz="1200" dirty="0"/>
+              <a:t> </a:t>
+            </a:r>
+            <a:r>
+              <a:rPr lang="en-US" sz="1200" dirty="0" err="1"/>
+              <a:t>đỏ</a:t>
+            </a:r>
+            <a:r>
+              <a:rPr lang="en-US" sz="1200" dirty="0"/>
+              <a:t> ra </a:t>
+            </a:r>
+            <a:r>
+              <a:rPr lang="en-US" sz="1200" dirty="0" err="1"/>
+              <a:t>màu</a:t>
+            </a:r>
+            <a:r>
+              <a:rPr lang="en-US" sz="1200" dirty="0"/>
+              <a:t> </a:t>
+            </a:r>
+            <a:r>
+              <a:rPr lang="en-US" sz="1200" b="0" i="0" dirty="0" err="1">
+                <a:effectLst/>
+                <a:latin typeface="Roboto"/>
+              </a:rPr>
+              <a:t>hồng</a:t>
+            </a:r>
+            <a:r>
+              <a:rPr lang="en-US" sz="1200" b="0" i="0" dirty="0">
+                <a:effectLst/>
+                <a:latin typeface="Roboto"/>
+              </a:rPr>
+              <a:t> </a:t>
+            </a:r>
+            <a:r>
+              <a:rPr lang="en-US" sz="1200" b="0" i="0" dirty="0" err="1">
+                <a:effectLst/>
+                <a:latin typeface="Roboto"/>
+              </a:rPr>
+              <a:t>sẫm</a:t>
+            </a:r>
+            <a:r>
+              <a:rPr lang="en-US" sz="1200" dirty="0"/>
+              <a:t> </a:t>
+            </a:r>
+          </a:p>
+          <a:p>
             <a:endParaRPr lang="en-US" dirty="0"/>
           </a:p>
         </p:txBody>
@@ -6588,78 +6799,18 @@
           <a:bodyPr/>
           <a:lstStyle/>
           <a:p>
-            <a:pPr marL="0" marR="0" lvl="0" indent="0" algn="r" defTabSz="914400" rtl="0" eaLnBrk="1" fontAlgn="auto" latinLnBrk="0" hangingPunct="1">
-              <a:lnSpc>
-                <a:spcPct val="100000"/>
-              </a:lnSpc>
-              <a:spcBef>
-                <a:spcPts val="0"/>
-              </a:spcBef>
-              <a:spcAft>
-                <a:spcPts val="0"/>
-              </a:spcAft>
-              <a:buClrTx/>
-              <a:buSzTx/>
-              <a:buFontTx/>
-              <a:buNone/>
-              <a:tabLst/>
-              <a:defRPr/>
-            </a:pPr>
             <a:fld id="{CD99B895-4137-4D38-89EA-36335749C66C}" type="slidenum">
-              <a:rPr kumimoji="0" lang="en-US" sz="1200" b="0" i="0" u="none" strike="noStrike" kern="1200" cap="none" spc="0" normalizeH="0" baseline="0" noProof="0" smtClean="0">
-                <a:ln>
-                  <a:noFill/>
-                </a:ln>
-                <a:solidFill>
-                  <a:prstClr val="black"/>
-                </a:solidFill>
-                <a:effectLst/>
-                <a:uLnTx/>
-                <a:uFillTx/>
-                <a:latin typeface="Calibri" panose="020F0502020204030204"/>
-                <a:ea typeface="+mn-ea"/>
-                <a:cs typeface="+mn-cs"/>
-              </a:rPr>
-              <a:pPr marL="0" marR="0" lvl="0" indent="0" algn="r" defTabSz="914400" rtl="0" eaLnBrk="1" fontAlgn="auto" latinLnBrk="0" hangingPunct="1">
-                <a:lnSpc>
-                  <a:spcPct val="100000"/>
-                </a:lnSpc>
-                <a:spcBef>
-                  <a:spcPts val="0"/>
-                </a:spcBef>
-                <a:spcAft>
-                  <a:spcPts val="0"/>
-                </a:spcAft>
-                <a:buClrTx/>
-                <a:buSzTx/>
-                <a:buFontTx/>
-                <a:buNone/>
-                <a:tabLst/>
-                <a:defRPr/>
-              </a:pPr>
+              <a:rPr lang="en-US" smtClean="0"/>
               <a:t>9</a:t>
             </a:fld>
-            <a:endParaRPr kumimoji="0" lang="en-US" sz="1200" b="0" i="0" u="none" strike="noStrike" kern="1200" cap="none" spc="0" normalizeH="0" baseline="0" noProof="0">
-              <a:ln>
-                <a:noFill/>
-              </a:ln>
-              <a:solidFill>
-                <a:prstClr val="black"/>
-              </a:solidFill>
-              <a:effectLst/>
-              <a:uLnTx/>
-              <a:uFillTx/>
-              <a:latin typeface="Calibri" panose="020F0502020204030204"/>
-              <a:ea typeface="+mn-ea"/>
-              <a:cs typeface="+mn-cs"/>
-            </a:endParaRPr>
+            <a:endParaRPr lang="en-US"/>
           </a:p>
         </p:txBody>
       </p:sp>
     </p:spTree>
     <p:extLst>
       <p:ext uri="{BB962C8B-B14F-4D97-AF65-F5344CB8AC3E}">
-        <p14:creationId xmlns:p14="http://schemas.microsoft.com/office/powerpoint/2010/main" val="565004"/>
+        <p14:creationId xmlns:p14="http://schemas.microsoft.com/office/powerpoint/2010/main" val="2820006661"/>
       </p:ext>
     </p:extLst>
   </p:cSld>
@@ -6713,6 +6864,341 @@
           <a:bodyPr/>
           <a:lstStyle/>
           <a:p>
+            <a:pPr marL="0" marR="0" lvl="0" indent="0" algn="l" defTabSz="914400" rtl="0" eaLnBrk="1" fontAlgn="auto" latinLnBrk="0" hangingPunct="1">
+              <a:lnSpc>
+                <a:spcPct val="100000"/>
+              </a:lnSpc>
+              <a:spcBef>
+                <a:spcPts val="0"/>
+              </a:spcBef>
+              <a:spcAft>
+                <a:spcPts val="0"/>
+              </a:spcAft>
+              <a:buClrTx/>
+              <a:buSzTx/>
+              <a:buFontTx/>
+              <a:buNone/>
+              <a:tabLst/>
+              <a:defRPr/>
+            </a:pPr>
+            <a:r>
+              <a:rPr lang="en-US" sz="1200" b="0" i="0" dirty="0" err="1">
+                <a:solidFill>
+                  <a:schemeClr val="bg1"/>
+                </a:solidFill>
+                <a:effectLst/>
+                <a:latin typeface="Calibri" panose="020F0502020204030204" pitchFamily="34" charset="0"/>
+                <a:cs typeface="Calibri" panose="020F0502020204030204" pitchFamily="34" charset="0"/>
+              </a:rPr>
+              <a:t>việc</a:t>
+            </a:r>
+            <a:r>
+              <a:rPr lang="en-US" sz="1200" b="0" i="0" dirty="0">
+                <a:solidFill>
+                  <a:schemeClr val="bg1"/>
+                </a:solidFill>
+                <a:effectLst/>
+                <a:latin typeface="Calibri" panose="020F0502020204030204" pitchFamily="34" charset="0"/>
+                <a:cs typeface="Calibri" panose="020F0502020204030204" pitchFamily="34" charset="0"/>
+              </a:rPr>
+              <a:t> </a:t>
+            </a:r>
+            <a:r>
+              <a:rPr lang="en-US" sz="1200" b="0" i="0" dirty="0" err="1">
+                <a:solidFill>
+                  <a:schemeClr val="bg1"/>
+                </a:solidFill>
+                <a:effectLst/>
+                <a:latin typeface="Calibri" panose="020F0502020204030204" pitchFamily="34" charset="0"/>
+                <a:cs typeface="Calibri" panose="020F0502020204030204" pitchFamily="34" charset="0"/>
+              </a:rPr>
+              <a:t>điền</a:t>
+            </a:r>
+            <a:r>
+              <a:rPr lang="en-US" sz="1200" b="0" i="0" dirty="0">
+                <a:solidFill>
+                  <a:schemeClr val="bg1"/>
+                </a:solidFill>
+                <a:effectLst/>
+                <a:latin typeface="Calibri" panose="020F0502020204030204" pitchFamily="34" charset="0"/>
+                <a:cs typeface="Calibri" panose="020F0502020204030204" pitchFamily="34" charset="0"/>
+              </a:rPr>
+              <a:t> </a:t>
+            </a:r>
+            <a:r>
+              <a:rPr lang="en-US" sz="1200" b="0" i="0" dirty="0" err="1">
+                <a:solidFill>
+                  <a:schemeClr val="bg1"/>
+                </a:solidFill>
+                <a:effectLst/>
+                <a:latin typeface="Calibri" panose="020F0502020204030204" pitchFamily="34" charset="0"/>
+                <a:cs typeface="Calibri" panose="020F0502020204030204" pitchFamily="34" charset="0"/>
+              </a:rPr>
+              <a:t>sẵn</a:t>
+            </a:r>
+            <a:r>
+              <a:rPr lang="en-US" sz="1200" b="0" i="0" dirty="0">
+                <a:solidFill>
+                  <a:schemeClr val="bg1"/>
+                </a:solidFill>
+                <a:effectLst/>
+                <a:latin typeface="Calibri" panose="020F0502020204030204" pitchFamily="34" charset="0"/>
+                <a:cs typeface="Calibri" panose="020F0502020204030204" pitchFamily="34" charset="0"/>
+              </a:rPr>
+              <a:t> </a:t>
+            </a:r>
+            <a:r>
+              <a:rPr lang="en-US" sz="1200" b="0" i="0" dirty="0" err="1">
+                <a:solidFill>
+                  <a:schemeClr val="bg1"/>
+                </a:solidFill>
+                <a:effectLst/>
+                <a:latin typeface="Calibri" panose="020F0502020204030204" pitchFamily="34" charset="0"/>
+                <a:cs typeface="Calibri" panose="020F0502020204030204" pitchFamily="34" charset="0"/>
+              </a:rPr>
+              <a:t>một</a:t>
+            </a:r>
+            <a:r>
+              <a:rPr lang="en-US" sz="1200" b="0" i="0" dirty="0">
+                <a:solidFill>
+                  <a:schemeClr val="bg1"/>
+                </a:solidFill>
+                <a:effectLst/>
+                <a:latin typeface="Calibri" panose="020F0502020204030204" pitchFamily="34" charset="0"/>
+                <a:cs typeface="Calibri" panose="020F0502020204030204" pitchFamily="34" charset="0"/>
+              </a:rPr>
+              <a:t> </a:t>
+            </a:r>
+            <a:r>
+              <a:rPr lang="en-US" sz="1200" b="0" i="0" dirty="0" err="1">
+                <a:solidFill>
+                  <a:schemeClr val="bg1"/>
+                </a:solidFill>
+                <a:effectLst/>
+                <a:latin typeface="Calibri" panose="020F0502020204030204" pitchFamily="34" charset="0"/>
+                <a:cs typeface="Calibri" panose="020F0502020204030204" pitchFamily="34" charset="0"/>
+              </a:rPr>
+              <a:t>mảng</a:t>
+            </a:r>
+            <a:r>
+              <a:rPr lang="en-US" sz="1200" b="0" i="0" dirty="0">
+                <a:solidFill>
+                  <a:schemeClr val="bg1"/>
+                </a:solidFill>
+                <a:effectLst/>
+                <a:latin typeface="Calibri" panose="020F0502020204030204" pitchFamily="34" charset="0"/>
+                <a:cs typeface="Calibri" panose="020F0502020204030204" pitchFamily="34" charset="0"/>
+              </a:rPr>
+              <a:t> </a:t>
+            </a:r>
+            <a:r>
+              <a:rPr lang="en-US" sz="1200" b="0" i="0" dirty="0" err="1">
+                <a:solidFill>
+                  <a:schemeClr val="bg1"/>
+                </a:solidFill>
+                <a:effectLst/>
+                <a:latin typeface="Calibri" panose="020F0502020204030204" pitchFamily="34" charset="0"/>
+                <a:cs typeface="Calibri" panose="020F0502020204030204" pitchFamily="34" charset="0"/>
+              </a:rPr>
+              <a:t>các</a:t>
+            </a:r>
+            <a:r>
+              <a:rPr lang="en-US" sz="1200" b="0" i="0" dirty="0">
+                <a:solidFill>
+                  <a:schemeClr val="bg1"/>
+                </a:solidFill>
+                <a:effectLst/>
+                <a:latin typeface="Calibri" panose="020F0502020204030204" pitchFamily="34" charset="0"/>
+                <a:cs typeface="Calibri" panose="020F0502020204030204" pitchFamily="34" charset="0"/>
+              </a:rPr>
+              <a:t> </a:t>
+            </a:r>
+            <a:r>
+              <a:rPr lang="en-US" sz="1200" b="0" i="0" dirty="0" err="1">
+                <a:solidFill>
+                  <a:schemeClr val="bg1"/>
+                </a:solidFill>
+                <a:effectLst/>
+                <a:latin typeface="Calibri" panose="020F0502020204030204" pitchFamily="34" charset="0"/>
+                <a:cs typeface="Calibri" panose="020F0502020204030204" pitchFamily="34" charset="0"/>
+              </a:rPr>
+              <a:t>giá</a:t>
+            </a:r>
+            <a:r>
+              <a:rPr lang="en-US" sz="1200" b="0" i="0" dirty="0">
+                <a:solidFill>
+                  <a:schemeClr val="bg1"/>
+                </a:solidFill>
+                <a:effectLst/>
+                <a:latin typeface="Calibri" panose="020F0502020204030204" pitchFamily="34" charset="0"/>
+                <a:cs typeface="Calibri" panose="020F0502020204030204" pitchFamily="34" charset="0"/>
+              </a:rPr>
+              <a:t> </a:t>
+            </a:r>
+            <a:r>
+              <a:rPr lang="en-US" sz="1200" b="0" i="0" dirty="0" err="1">
+                <a:solidFill>
+                  <a:schemeClr val="bg1"/>
+                </a:solidFill>
+                <a:effectLst/>
+                <a:latin typeface="Calibri" panose="020F0502020204030204" pitchFamily="34" charset="0"/>
+                <a:cs typeface="Calibri" panose="020F0502020204030204" pitchFamily="34" charset="0"/>
+              </a:rPr>
+              <a:t>trị</a:t>
+            </a:r>
+            <a:r>
+              <a:rPr lang="en-US" sz="1200" b="0" i="0" dirty="0">
+                <a:solidFill>
+                  <a:schemeClr val="bg1"/>
+                </a:solidFill>
+                <a:effectLst/>
+                <a:latin typeface="Calibri" panose="020F0502020204030204" pitchFamily="34" charset="0"/>
+                <a:cs typeface="Calibri" panose="020F0502020204030204" pitchFamily="34" charset="0"/>
+              </a:rPr>
+              <a:t> </a:t>
+            </a:r>
+            <a:r>
+              <a:rPr lang="en-US" sz="1200" b="0" i="0" dirty="0" err="1">
+                <a:solidFill>
+                  <a:schemeClr val="bg1"/>
+                </a:solidFill>
+                <a:effectLst/>
+                <a:latin typeface="Calibri" panose="020F0502020204030204" pitchFamily="34" charset="0"/>
+                <a:cs typeface="Calibri" panose="020F0502020204030204" pitchFamily="34" charset="0"/>
+              </a:rPr>
+              <a:t>trung</a:t>
+            </a:r>
+            <a:r>
+              <a:rPr lang="en-US" sz="1200" b="0" i="0" dirty="0">
+                <a:solidFill>
+                  <a:schemeClr val="bg1"/>
+                </a:solidFill>
+                <a:effectLst/>
+                <a:latin typeface="Calibri" panose="020F0502020204030204" pitchFamily="34" charset="0"/>
+                <a:cs typeface="Calibri" panose="020F0502020204030204" pitchFamily="34" charset="0"/>
+              </a:rPr>
+              <a:t> </a:t>
+            </a:r>
+            <a:r>
+              <a:rPr lang="en-US" sz="1200" b="0" i="0" dirty="0" err="1">
+                <a:solidFill>
+                  <a:schemeClr val="bg1"/>
+                </a:solidFill>
+                <a:effectLst/>
+                <a:latin typeface="Calibri" panose="020F0502020204030204" pitchFamily="34" charset="0"/>
+                <a:cs typeface="Calibri" panose="020F0502020204030204" pitchFamily="34" charset="0"/>
+              </a:rPr>
+              <a:t>tính</a:t>
+            </a:r>
+            <a:r>
+              <a:rPr lang="en-US" sz="1200" b="0" i="0" dirty="0">
+                <a:solidFill>
+                  <a:schemeClr val="bg1"/>
+                </a:solidFill>
+                <a:effectLst/>
+                <a:latin typeface="Calibri" panose="020F0502020204030204" pitchFamily="34" charset="0"/>
+                <a:cs typeface="Calibri" panose="020F0502020204030204" pitchFamily="34" charset="0"/>
+              </a:rPr>
+              <a:t> </a:t>
+            </a:r>
+            <a:r>
+              <a:rPr lang="en-US" sz="1200" b="0" i="0" dirty="0" err="1">
+                <a:solidFill>
+                  <a:schemeClr val="bg1"/>
+                </a:solidFill>
+                <a:effectLst/>
+                <a:latin typeface="Calibri" panose="020F0502020204030204" pitchFamily="34" charset="0"/>
+                <a:cs typeface="Calibri" panose="020F0502020204030204" pitchFamily="34" charset="0"/>
+              </a:rPr>
+              <a:t>là</a:t>
+            </a:r>
+            <a:r>
+              <a:rPr lang="en-US" sz="1200" b="0" i="0" dirty="0">
+                <a:solidFill>
+                  <a:schemeClr val="bg1"/>
+                </a:solidFill>
+                <a:effectLst/>
+                <a:latin typeface="Calibri" panose="020F0502020204030204" pitchFamily="34" charset="0"/>
+                <a:cs typeface="Calibri" panose="020F0502020204030204" pitchFamily="34" charset="0"/>
+              </a:rPr>
+              <a:t> </a:t>
+            </a:r>
+            <a:r>
+              <a:rPr lang="en-US" sz="1200" b="0" i="0" dirty="0" err="1">
+                <a:solidFill>
+                  <a:schemeClr val="bg1"/>
+                </a:solidFill>
+                <a:effectLst/>
+                <a:latin typeface="Calibri" panose="020F0502020204030204" pitchFamily="34" charset="0"/>
+                <a:cs typeface="Calibri" panose="020F0502020204030204" pitchFamily="34" charset="0"/>
+              </a:rPr>
+              <a:t>điều</a:t>
+            </a:r>
+            <a:r>
+              <a:rPr lang="en-US" sz="1200" b="0" i="0" dirty="0">
+                <a:solidFill>
+                  <a:schemeClr val="bg1"/>
+                </a:solidFill>
+                <a:effectLst/>
+                <a:latin typeface="Calibri" panose="020F0502020204030204" pitchFamily="34" charset="0"/>
+                <a:cs typeface="Calibri" panose="020F0502020204030204" pitchFamily="34" charset="0"/>
+              </a:rPr>
+              <a:t> </a:t>
+            </a:r>
+            <a:r>
+              <a:rPr lang="en-US" sz="1200" b="0" i="0" dirty="0" err="1">
+                <a:solidFill>
+                  <a:schemeClr val="bg1"/>
+                </a:solidFill>
+                <a:effectLst/>
+                <a:latin typeface="Calibri" panose="020F0502020204030204" pitchFamily="34" charset="0"/>
+                <a:cs typeface="Calibri" panose="020F0502020204030204" pitchFamily="34" charset="0"/>
+              </a:rPr>
+              <a:t>bắt</a:t>
+            </a:r>
+            <a:r>
+              <a:rPr lang="en-US" sz="1200" b="0" i="0" dirty="0">
+                <a:solidFill>
+                  <a:schemeClr val="bg1"/>
+                </a:solidFill>
+                <a:effectLst/>
+                <a:latin typeface="Calibri" panose="020F0502020204030204" pitchFamily="34" charset="0"/>
+                <a:cs typeface="Calibri" panose="020F0502020204030204" pitchFamily="34" charset="0"/>
+              </a:rPr>
+              <a:t> </a:t>
+            </a:r>
+            <a:r>
+              <a:rPr lang="en-US" sz="1200" b="0" i="0" dirty="0" err="1">
+                <a:solidFill>
+                  <a:schemeClr val="bg1"/>
+                </a:solidFill>
+                <a:effectLst/>
+                <a:latin typeface="Calibri" panose="020F0502020204030204" pitchFamily="34" charset="0"/>
+                <a:cs typeface="Calibri" panose="020F0502020204030204" pitchFamily="34" charset="0"/>
+              </a:rPr>
+              <a:t>buộc</a:t>
+            </a:r>
+            <a:r>
+              <a:rPr lang="vi-VN" sz="1200" b="0" i="0" dirty="0">
+                <a:solidFill>
+                  <a:schemeClr val="bg1"/>
+                </a:solidFill>
+                <a:effectLst/>
+                <a:latin typeface="Calibri" panose="020F0502020204030204" pitchFamily="34" charset="0"/>
+                <a:cs typeface="Calibri" panose="020F0502020204030204" pitchFamily="34" charset="0"/>
+              </a:rPr>
+              <a:t> (sau đó chúng ta sẽ cộng dồn kết quả vào mỗi khi giải được một bài toán con mới).</a:t>
+            </a:r>
+            <a:endParaRPr lang="en-US" sz="1200" b="0" i="0" dirty="0">
+              <a:solidFill>
+                <a:schemeClr val="bg1"/>
+              </a:solidFill>
+              <a:effectLst/>
+              <a:latin typeface="Calibri" panose="020F0502020204030204" pitchFamily="34" charset="0"/>
+              <a:cs typeface="Calibri" panose="020F0502020204030204" pitchFamily="34" charset="0"/>
+            </a:endParaRPr>
+          </a:p>
+          <a:p>
             <a:endParaRPr lang="en-US" dirty="0"/>
           </a:p>
         </p:txBody>
@@ -6732,78 +7218,18 @@
           <a:bodyPr/>
           <a:lstStyle/>
           <a:p>
-            <a:pPr marL="0" marR="0" lvl="0" indent="0" algn="r" defTabSz="914400" rtl="0" eaLnBrk="1" fontAlgn="auto" latinLnBrk="0" hangingPunct="1">
-              <a:lnSpc>
-                <a:spcPct val="100000"/>
-              </a:lnSpc>
-              <a:spcBef>
-                <a:spcPts val="0"/>
-              </a:spcBef>
-              <a:spcAft>
-                <a:spcPts val="0"/>
-              </a:spcAft>
-              <a:buClrTx/>
-              <a:buSzTx/>
-              <a:buFontTx/>
-              <a:buNone/>
-              <a:tabLst/>
-              <a:defRPr/>
-            </a:pPr>
             <a:fld id="{CD99B895-4137-4D38-89EA-36335749C66C}" type="slidenum">
-              <a:rPr kumimoji="0" lang="en-US" sz="1200" b="0" i="0" u="none" strike="noStrike" kern="1200" cap="none" spc="0" normalizeH="0" baseline="0" noProof="0" smtClean="0">
-                <a:ln>
-                  <a:noFill/>
-                </a:ln>
-                <a:solidFill>
-                  <a:prstClr val="black"/>
-                </a:solidFill>
-                <a:effectLst/>
-                <a:uLnTx/>
-                <a:uFillTx/>
-                <a:latin typeface="Calibri" panose="020F0502020204030204"/>
-                <a:ea typeface="+mn-ea"/>
-                <a:cs typeface="+mn-cs"/>
-              </a:rPr>
-              <a:pPr marL="0" marR="0" lvl="0" indent="0" algn="r" defTabSz="914400" rtl="0" eaLnBrk="1" fontAlgn="auto" latinLnBrk="0" hangingPunct="1">
-                <a:lnSpc>
-                  <a:spcPct val="100000"/>
-                </a:lnSpc>
-                <a:spcBef>
-                  <a:spcPts val="0"/>
-                </a:spcBef>
-                <a:spcAft>
-                  <a:spcPts val="0"/>
-                </a:spcAft>
-                <a:buClrTx/>
-                <a:buSzTx/>
-                <a:buFontTx/>
-                <a:buNone/>
-                <a:tabLst/>
-                <a:defRPr/>
-              </a:pPr>
+              <a:rPr lang="en-US" smtClean="0"/>
               <a:t>10</a:t>
             </a:fld>
-            <a:endParaRPr kumimoji="0" lang="en-US" sz="1200" b="0" i="0" u="none" strike="noStrike" kern="1200" cap="none" spc="0" normalizeH="0" baseline="0" noProof="0">
-              <a:ln>
-                <a:noFill/>
-              </a:ln>
-              <a:solidFill>
-                <a:prstClr val="black"/>
-              </a:solidFill>
-              <a:effectLst/>
-              <a:uLnTx/>
-              <a:uFillTx/>
-              <a:latin typeface="Calibri" panose="020F0502020204030204"/>
-              <a:ea typeface="+mn-ea"/>
-              <a:cs typeface="+mn-cs"/>
-            </a:endParaRPr>
+            <a:endParaRPr lang="en-US"/>
           </a:p>
         </p:txBody>
       </p:sp>
     </p:spTree>
     <p:extLst>
       <p:ext uri="{BB962C8B-B14F-4D97-AF65-F5344CB8AC3E}">
-        <p14:creationId xmlns:p14="http://schemas.microsoft.com/office/powerpoint/2010/main" val="1231967926"/>
+        <p14:creationId xmlns:p14="http://schemas.microsoft.com/office/powerpoint/2010/main" val="6175782"/>
       </p:ext>
     </p:extLst>
   </p:cSld>
@@ -6960,7 +7386,7 @@
           <a:p>
             <a:fld id="{01CB3401-D8D0-4045-BF48-B51E3CD25A2D}" type="datetime1">
               <a:rPr lang="en-US" smtClean="0"/>
-              <a:t>5/17/2021</a:t>
+              <a:t>6/9/2021</a:t>
             </a:fld>
             <a:endParaRPr lang="en-US"/>
           </a:p>
@@ -7161,7 +7587,7 @@
           <a:p>
             <a:fld id="{ECFBD31A-095F-4D23-B8C6-0B4BDBD030A8}" type="datetime1">
               <a:rPr lang="en-US" smtClean="0"/>
-              <a:t>5/17/2021</a:t>
+              <a:t>6/9/2021</a:t>
             </a:fld>
             <a:endParaRPr lang="en-US"/>
           </a:p>
@@ -7372,7 +7798,7 @@
           <a:p>
             <a:fld id="{34A6C1BD-5643-410A-935E-AD15F064D8D2}" type="datetime1">
               <a:rPr lang="en-US" smtClean="0"/>
-              <a:t>5/17/2021</a:t>
+              <a:t>6/9/2021</a:t>
             </a:fld>
             <a:endParaRPr lang="en-US"/>
           </a:p>
@@ -7573,7 +7999,7 @@
           <a:p>
             <a:fld id="{8F6BF2F2-1FD4-4B44-B094-06735543D33A}" type="datetime1">
               <a:rPr lang="en-US" smtClean="0"/>
-              <a:t>5/17/2021</a:t>
+              <a:t>6/9/2021</a:t>
             </a:fld>
             <a:endParaRPr lang="en-US"/>
           </a:p>
@@ -7851,7 +8277,7 @@
           <a:p>
             <a:fld id="{268095F8-53F2-4332-A1EB-8730DB20BA92}" type="datetime1">
               <a:rPr lang="en-US" smtClean="0"/>
-              <a:t>5/17/2021</a:t>
+              <a:t>6/9/2021</a:t>
             </a:fld>
             <a:endParaRPr lang="en-US"/>
           </a:p>
@@ -8119,7 +8545,7 @@
           <a:p>
             <a:fld id="{4533C4AE-A48C-45EF-BC6F-2CE4499CED79}" type="datetime1">
               <a:rPr lang="en-US" smtClean="0"/>
-              <a:t>5/17/2021</a:t>
+              <a:t>6/9/2021</a:t>
             </a:fld>
             <a:endParaRPr lang="en-US"/>
           </a:p>
@@ -8534,7 +8960,7 @@
           <a:p>
             <a:fld id="{5E497B5D-EBF6-4C04-A2EB-FC6A56C0C3A9}" type="datetime1">
               <a:rPr lang="en-US" smtClean="0"/>
-              <a:t>5/17/2021</a:t>
+              <a:t>6/9/2021</a:t>
             </a:fld>
             <a:endParaRPr lang="en-US"/>
           </a:p>
@@ -8678,7 +9104,7 @@
           <a:p>
             <a:fld id="{66C44310-B852-4DAA-B810-BEDB7D9C6973}" type="datetime1">
               <a:rPr lang="en-US" smtClean="0"/>
-              <a:t>5/17/2021</a:t>
+              <a:t>6/9/2021</a:t>
             </a:fld>
             <a:endParaRPr lang="en-US"/>
           </a:p>
@@ -8794,7 +9220,7 @@
           <a:p>
             <a:fld id="{726331DB-E2EA-4899-9737-03955FCE989C}" type="datetime1">
               <a:rPr lang="en-US" smtClean="0"/>
-              <a:t>5/17/2021</a:t>
+              <a:t>6/9/2021</a:t>
             </a:fld>
             <a:endParaRPr lang="en-US"/>
           </a:p>
@@ -9108,7 +9534,7 @@
           <a:p>
             <a:fld id="{1299BFBC-03BD-4D00-954D-4D5BEED0D3F2}" type="datetime1">
               <a:rPr lang="en-US" smtClean="0"/>
-              <a:t>5/17/2021</a:t>
+              <a:t>6/9/2021</a:t>
             </a:fld>
             <a:endParaRPr lang="en-US"/>
           </a:p>
@@ -9399,7 +9825,7 @@
           <a:p>
             <a:fld id="{D465121C-593E-43B7-9B28-FC54B557D838}" type="datetime1">
               <a:rPr lang="en-US" smtClean="0"/>
-              <a:t>5/17/2021</a:t>
+              <a:t>6/9/2021</a:t>
             </a:fld>
             <a:endParaRPr lang="en-US"/>
           </a:p>
@@ -9643,7 +10069,7 @@
           <a:p>
             <a:fld id="{2EA6A04B-8AA1-4686-B16B-AF62CB312BC8}" type="datetime1">
               <a:rPr lang="en-US" smtClean="0"/>
-              <a:t>5/17/2021</a:t>
+              <a:t>6/9/2021</a:t>
             </a:fld>
             <a:endParaRPr lang="en-US"/>
           </a:p>
@@ -10539,6 +10965,1941 @@
           <a:chExt cx="0" cy="0"/>
         </a:xfrm>
       </p:grpSpPr>
+      <p:sp useBgFill="1">
+        <p:nvSpPr>
+          <p:cNvPr id="15" name="Rectangle 14">
+            <a:extLst>
+              <a:ext uri="{FF2B5EF4-FFF2-40B4-BE49-F238E27FC236}">
+                <a16:creationId xmlns:a16="http://schemas.microsoft.com/office/drawing/2014/main" id="{33CD251C-A887-4D2F-925B-FC097198538B}"/>
+              </a:ext>
+              <a:ext uri="{C183D7F6-B498-43B3-948B-1728B52AA6E4}">
+                <adec:decorative xmlns:adec="http://schemas.microsoft.com/office/drawing/2017/decorative" val="1"/>
+              </a:ext>
+            </a:extLst>
+          </p:cNvPr>
+          <p:cNvSpPr>
+            <a:spLocks noGrp="1" noRot="1" noChangeAspect="1" noMove="1" noResize="1" noEditPoints="1" noAdjustHandles="1" noChangeArrowheads="1" noChangeShapeType="1" noTextEdit="1"/>
+          </p:cNvSpPr>
+          <p:nvPr>
+            <p:extLst>
+              <p:ext uri="{386F3935-93C4-4BCD-93E2-E3B085C9AB24}">
+                <p16:designElem xmlns:p16="http://schemas.microsoft.com/office/powerpoint/2015/main" val="1"/>
+              </p:ext>
+            </p:extLst>
+          </p:nvPr>
+        </p:nvSpPr>
+        <p:spPr>
+          <a:xfrm>
+            <a:off x="0" y="0"/>
+            <a:ext cx="12192000" cy="6858000"/>
+          </a:xfrm>
+          <a:prstGeom prst="rect">
+            <a:avLst/>
+          </a:prstGeom>
+          <a:ln>
+            <a:noFill/>
+          </a:ln>
+        </p:spPr>
+        <p:style>
+          <a:lnRef idx="2">
+            <a:schemeClr val="accent1">
+              <a:shade val="50000"/>
+            </a:schemeClr>
+          </a:lnRef>
+          <a:fillRef idx="1">
+            <a:schemeClr val="accent1"/>
+          </a:fillRef>
+          <a:effectRef idx="0">
+            <a:schemeClr val="accent1"/>
+          </a:effectRef>
+          <a:fontRef idx="minor">
+            <a:schemeClr val="lt1"/>
+          </a:fontRef>
+        </p:style>
+        <p:txBody>
+          <a:bodyPr rtlCol="0" anchor="ctr"/>
+          <a:lstStyle/>
+          <a:p>
+            <a:pPr algn="ctr"/>
+            <a:endParaRPr lang="en-US"/>
+          </a:p>
+        </p:txBody>
+      </p:sp>
+      <p:sp>
+        <p:nvSpPr>
+          <p:cNvPr id="17" name="Rectangle 16">
+            <a:extLst>
+              <a:ext uri="{FF2B5EF4-FFF2-40B4-BE49-F238E27FC236}">
+                <a16:creationId xmlns:a16="http://schemas.microsoft.com/office/drawing/2014/main" id="{B19D093C-27FB-4032-B282-42C4563F257C}"/>
+              </a:ext>
+              <a:ext uri="{C183D7F6-B498-43B3-948B-1728B52AA6E4}">
+                <adec:decorative xmlns:adec="http://schemas.microsoft.com/office/drawing/2017/decorative" val="1"/>
+              </a:ext>
+            </a:extLst>
+          </p:cNvPr>
+          <p:cNvSpPr>
+            <a:spLocks noGrp="1" noRot="1" noChangeAspect="1" noMove="1" noResize="1" noEditPoints="1" noAdjustHandles="1" noChangeArrowheads="1" noChangeShapeType="1" noTextEdit="1"/>
+          </p:cNvSpPr>
+          <p:nvPr>
+            <p:extLst>
+              <p:ext uri="{386F3935-93C4-4BCD-93E2-E3B085C9AB24}">
+                <p16:designElem xmlns:p16="http://schemas.microsoft.com/office/powerpoint/2015/main" val="1"/>
+              </p:ext>
+            </p:extLst>
+          </p:nvPr>
+        </p:nvSpPr>
+        <p:spPr>
+          <a:xfrm>
+            <a:off x="0" y="0"/>
+            <a:ext cx="4694548" cy="6858000"/>
+          </a:xfrm>
+          <a:prstGeom prst="rect">
+            <a:avLst/>
+          </a:prstGeom>
+          <a:solidFill>
+            <a:schemeClr val="tx1"/>
+          </a:solidFill>
+          <a:ln>
+            <a:noFill/>
+          </a:ln>
+        </p:spPr>
+        <p:style>
+          <a:lnRef idx="2">
+            <a:schemeClr val="accent1">
+              <a:shade val="50000"/>
+            </a:schemeClr>
+          </a:lnRef>
+          <a:fillRef idx="1">
+            <a:schemeClr val="accent1"/>
+          </a:fillRef>
+          <a:effectRef idx="0">
+            <a:schemeClr val="accent1"/>
+          </a:effectRef>
+          <a:fontRef idx="minor">
+            <a:schemeClr val="lt1"/>
+          </a:fontRef>
+        </p:style>
+        <p:txBody>
+          <a:bodyPr rtlCol="0" anchor="ctr"/>
+          <a:lstStyle/>
+          <a:p>
+            <a:pPr algn="ctr"/>
+            <a:endParaRPr lang="en-US"/>
+          </a:p>
+        </p:txBody>
+      </p:sp>
+      <p:sp>
+        <p:nvSpPr>
+          <p:cNvPr id="2" name="Title 1">
+            <a:extLst>
+              <a:ext uri="{FF2B5EF4-FFF2-40B4-BE49-F238E27FC236}">
+                <a16:creationId xmlns:a16="http://schemas.microsoft.com/office/drawing/2014/main" id="{8447F05B-A5B7-46CA-BE92-E579748ADCF0}"/>
+              </a:ext>
+            </a:extLst>
+          </p:cNvPr>
+          <p:cNvSpPr>
+            <a:spLocks noGrp="1"/>
+          </p:cNvSpPr>
+          <p:nvPr>
+            <p:ph type="title"/>
+          </p:nvPr>
+        </p:nvSpPr>
+        <p:spPr>
+          <a:xfrm>
+            <a:off x="926167" y="1780660"/>
+            <a:ext cx="3582073" cy="1463472"/>
+          </a:xfrm>
+        </p:spPr>
+        <p:txBody>
+          <a:bodyPr anchor="t">
+            <a:normAutofit/>
+          </a:bodyPr>
+          <a:lstStyle/>
+          <a:p>
+            <a:r>
+              <a:rPr lang="en-US" sz="4800" dirty="0">
+                <a:solidFill>
+                  <a:schemeClr val="bg1"/>
+                </a:solidFill>
+                <a:latin typeface="Times New Roman" panose="02020603050405020304" pitchFamily="18" charset="0"/>
+                <a:cs typeface="Times New Roman" panose="02020603050405020304" pitchFamily="18" charset="0"/>
+              </a:rPr>
+              <a:t>Tabulation</a:t>
+            </a:r>
+          </a:p>
+        </p:txBody>
+      </p:sp>
+      <p:grpSp>
+        <p:nvGrpSpPr>
+          <p:cNvPr id="19" name="Group 18">
+            <a:extLst>
+              <a:ext uri="{FF2B5EF4-FFF2-40B4-BE49-F238E27FC236}">
+                <a16:creationId xmlns:a16="http://schemas.microsoft.com/office/drawing/2014/main" id="{35EE815E-1BD3-4777-B652-6D98825BF66B}"/>
+              </a:ext>
+              <a:ext uri="{C183D7F6-B498-43B3-948B-1728B52AA6E4}">
+                <adec:decorative xmlns:adec="http://schemas.microsoft.com/office/drawing/2017/decorative" val="1"/>
+              </a:ext>
+            </a:extLst>
+          </p:cNvPr>
+          <p:cNvGrpSpPr>
+            <a:grpSpLocks noGrp="1" noUngrp="1" noRot="1" noChangeAspect="1" noMove="1" noResize="1"/>
+          </p:cNvGrpSpPr>
+          <p:nvPr>
+            <p:extLst>
+              <p:ext uri="{386F3935-93C4-4BCD-93E2-E3B085C9AB24}">
+                <p16:designElem xmlns:p16="http://schemas.microsoft.com/office/powerpoint/2015/main" val="1"/>
+              </p:ext>
+            </p:extLst>
+          </p:nvPr>
+        </p:nvGrpSpPr>
+        <p:grpSpPr>
+          <a:xfrm>
+            <a:off x="767290" y="681628"/>
+            <a:ext cx="1128382" cy="847206"/>
+            <a:chOff x="668003" y="1684057"/>
+            <a:chExt cx="1128382" cy="847206"/>
+          </a:xfrm>
+        </p:grpSpPr>
+        <p:sp>
+          <p:nvSpPr>
+            <p:cNvPr id="20" name="Freeform 5">
+              <a:extLst>
+                <a:ext uri="{FF2B5EF4-FFF2-40B4-BE49-F238E27FC236}">
+                  <a16:creationId xmlns:a16="http://schemas.microsoft.com/office/drawing/2014/main" id="{E6692982-4A7D-4392-87CD-F0CD4B027DDE}"/>
+                </a:ext>
+                <a:ext uri="{C183D7F6-B498-43B3-948B-1728B52AA6E4}">
+                  <adec:decorative xmlns:adec="http://schemas.microsoft.com/office/drawing/2017/decorative" val="1"/>
+                </a:ext>
+              </a:extLst>
+            </p:cNvPr>
+            <p:cNvSpPr>
+              <a:spLocks/>
+            </p:cNvSpPr>
+            <p:nvPr>
+              <p:extLst>
+                <p:ext uri="{386F3935-93C4-4BCD-93E2-E3B085C9AB24}">
+                  <p16:designElem xmlns:p16="http://schemas.microsoft.com/office/powerpoint/2015/main" val="1"/>
+                </p:ext>
+              </p:extLst>
+            </p:nvPr>
+          </p:nvSpPr>
+          <p:spPr bwMode="auto">
+            <a:xfrm>
+              <a:off x="668003" y="1935883"/>
+              <a:ext cx="675351" cy="595380"/>
+            </a:xfrm>
+            <a:custGeom>
+              <a:avLst/>
+              <a:gdLst>
+                <a:gd name="T0" fmla="*/ 225 w 785"/>
+                <a:gd name="T1" fmla="*/ 692 h 692"/>
+                <a:gd name="T2" fmla="*/ 177 w 785"/>
+                <a:gd name="T3" fmla="*/ 665 h 692"/>
+                <a:gd name="T4" fmla="*/ 9 w 785"/>
+                <a:gd name="T5" fmla="*/ 374 h 692"/>
+                <a:gd name="T6" fmla="*/ 9 w 785"/>
+                <a:gd name="T7" fmla="*/ 318 h 692"/>
+                <a:gd name="T8" fmla="*/ 177 w 785"/>
+                <a:gd name="T9" fmla="*/ 27 h 692"/>
+                <a:gd name="T10" fmla="*/ 225 w 785"/>
+                <a:gd name="T11" fmla="*/ 0 h 692"/>
+                <a:gd name="T12" fmla="*/ 561 w 785"/>
+                <a:gd name="T13" fmla="*/ 0 h 692"/>
+                <a:gd name="T14" fmla="*/ 609 w 785"/>
+                <a:gd name="T15" fmla="*/ 27 h 692"/>
+                <a:gd name="T16" fmla="*/ 777 w 785"/>
+                <a:gd name="T17" fmla="*/ 318 h 692"/>
+                <a:gd name="T18" fmla="*/ 777 w 785"/>
+                <a:gd name="T19" fmla="*/ 374 h 692"/>
+                <a:gd name="T20" fmla="*/ 609 w 785"/>
+                <a:gd name="T21" fmla="*/ 665 h 692"/>
+                <a:gd name="T22" fmla="*/ 561 w 785"/>
+                <a:gd name="T23" fmla="*/ 692 h 692"/>
+                <a:gd name="T24" fmla="*/ 225 w 785"/>
+                <a:gd name="T25" fmla="*/ 692 h 692"/>
+              </a:gdLst>
+              <a:ahLst/>
+              <a:cxnLst>
+                <a:cxn ang="0">
+                  <a:pos x="T0" y="T1"/>
+                </a:cxn>
+                <a:cxn ang="0">
+                  <a:pos x="T2" y="T3"/>
+                </a:cxn>
+                <a:cxn ang="0">
+                  <a:pos x="T4" y="T5"/>
+                </a:cxn>
+                <a:cxn ang="0">
+                  <a:pos x="T6" y="T7"/>
+                </a:cxn>
+                <a:cxn ang="0">
+                  <a:pos x="T8" y="T9"/>
+                </a:cxn>
+                <a:cxn ang="0">
+                  <a:pos x="T10" y="T11"/>
+                </a:cxn>
+                <a:cxn ang="0">
+                  <a:pos x="T12" y="T13"/>
+                </a:cxn>
+                <a:cxn ang="0">
+                  <a:pos x="T14" y="T15"/>
+                </a:cxn>
+                <a:cxn ang="0">
+                  <a:pos x="T16" y="T17"/>
+                </a:cxn>
+                <a:cxn ang="0">
+                  <a:pos x="T18" y="T19"/>
+                </a:cxn>
+                <a:cxn ang="0">
+                  <a:pos x="T20" y="T21"/>
+                </a:cxn>
+                <a:cxn ang="0">
+                  <a:pos x="T22" y="T23"/>
+                </a:cxn>
+                <a:cxn ang="0">
+                  <a:pos x="T24" y="T25"/>
+                </a:cxn>
+              </a:cxnLst>
+              <a:rect l="0" t="0" r="r" b="b"/>
+              <a:pathLst>
+                <a:path w="785" h="692">
+                  <a:moveTo>
+                    <a:pt x="225" y="692"/>
+                  </a:moveTo>
+                  <a:cubicBezTo>
+                    <a:pt x="207" y="692"/>
+                    <a:pt x="185" y="680"/>
+                    <a:pt x="177" y="665"/>
+                  </a:cubicBezTo>
+                  <a:cubicBezTo>
+                    <a:pt x="9" y="374"/>
+                    <a:pt x="9" y="374"/>
+                    <a:pt x="9" y="374"/>
+                  </a:cubicBezTo>
+                  <a:cubicBezTo>
+                    <a:pt x="0" y="358"/>
+                    <a:pt x="0" y="334"/>
+                    <a:pt x="9" y="318"/>
+                  </a:cubicBezTo>
+                  <a:cubicBezTo>
+                    <a:pt x="177" y="27"/>
+                    <a:pt x="177" y="27"/>
+                    <a:pt x="177" y="27"/>
+                  </a:cubicBezTo>
+                  <a:cubicBezTo>
+                    <a:pt x="185" y="12"/>
+                    <a:pt x="207" y="0"/>
+                    <a:pt x="225" y="0"/>
+                  </a:cubicBezTo>
+                  <a:cubicBezTo>
+                    <a:pt x="561" y="0"/>
+                    <a:pt x="561" y="0"/>
+                    <a:pt x="561" y="0"/>
+                  </a:cubicBezTo>
+                  <a:cubicBezTo>
+                    <a:pt x="578" y="0"/>
+                    <a:pt x="600" y="12"/>
+                    <a:pt x="609" y="27"/>
+                  </a:cubicBezTo>
+                  <a:cubicBezTo>
+                    <a:pt x="777" y="318"/>
+                    <a:pt x="777" y="318"/>
+                    <a:pt x="777" y="318"/>
+                  </a:cubicBezTo>
+                  <a:cubicBezTo>
+                    <a:pt x="785" y="334"/>
+                    <a:pt x="785" y="358"/>
+                    <a:pt x="777" y="374"/>
+                  </a:cubicBezTo>
+                  <a:cubicBezTo>
+                    <a:pt x="609" y="665"/>
+                    <a:pt x="609" y="665"/>
+                    <a:pt x="609" y="665"/>
+                  </a:cubicBezTo>
+                  <a:cubicBezTo>
+                    <a:pt x="600" y="680"/>
+                    <a:pt x="578" y="692"/>
+                    <a:pt x="561" y="692"/>
+                  </a:cubicBezTo>
+                  <a:lnTo>
+                    <a:pt x="225" y="692"/>
+                  </a:lnTo>
+                  <a:close/>
+                </a:path>
+              </a:pathLst>
+            </a:custGeom>
+            <a:noFill/>
+            <a:ln w="28575" cmpd="sng">
+              <a:solidFill>
+                <a:schemeClr val="bg1"/>
+              </a:solidFill>
+            </a:ln>
+          </p:spPr>
+          <p:txBody>
+            <a:bodyPr vert="horz" wrap="square" lIns="91440" tIns="45720" rIns="91440" bIns="45720" numCol="1" anchor="t" anchorCtr="0" compatLnSpc="1">
+              <a:prstTxWarp prst="textNoShape">
+                <a:avLst/>
+              </a:prstTxWarp>
+            </a:bodyPr>
+            <a:lstStyle/>
+            <a:p>
+              <a:endParaRPr lang="en-US"/>
+            </a:p>
+          </p:txBody>
+        </p:sp>
+        <p:sp>
+          <p:nvSpPr>
+            <p:cNvPr id="21" name="Freeform 5">
+              <a:extLst>
+                <a:ext uri="{FF2B5EF4-FFF2-40B4-BE49-F238E27FC236}">
+                  <a16:creationId xmlns:a16="http://schemas.microsoft.com/office/drawing/2014/main" id="{196485F7-F277-4123-AC53-98EA4C858774}"/>
+                </a:ext>
+                <a:ext uri="{C183D7F6-B498-43B3-948B-1728B52AA6E4}">
+                  <adec:decorative xmlns:adec="http://schemas.microsoft.com/office/drawing/2017/decorative" val="1"/>
+                </a:ext>
+              </a:extLst>
+            </p:cNvPr>
+            <p:cNvSpPr>
+              <a:spLocks/>
+            </p:cNvSpPr>
+            <p:nvPr>
+              <p:extLst>
+                <p:ext uri="{386F3935-93C4-4BCD-93E2-E3B085C9AB24}">
+                  <p16:designElem xmlns:p16="http://schemas.microsoft.com/office/powerpoint/2015/main" val="1"/>
+                </p:ext>
+              </p:extLst>
+            </p:nvPr>
+          </p:nvSpPr>
+          <p:spPr bwMode="auto">
+            <a:xfrm>
+              <a:off x="1245893" y="1684057"/>
+              <a:ext cx="550492" cy="485306"/>
+            </a:xfrm>
+            <a:custGeom>
+              <a:avLst/>
+              <a:gdLst>
+                <a:gd name="T0" fmla="*/ 225 w 785"/>
+                <a:gd name="T1" fmla="*/ 692 h 692"/>
+                <a:gd name="T2" fmla="*/ 177 w 785"/>
+                <a:gd name="T3" fmla="*/ 665 h 692"/>
+                <a:gd name="T4" fmla="*/ 9 w 785"/>
+                <a:gd name="T5" fmla="*/ 374 h 692"/>
+                <a:gd name="T6" fmla="*/ 9 w 785"/>
+                <a:gd name="T7" fmla="*/ 318 h 692"/>
+                <a:gd name="T8" fmla="*/ 177 w 785"/>
+                <a:gd name="T9" fmla="*/ 27 h 692"/>
+                <a:gd name="T10" fmla="*/ 225 w 785"/>
+                <a:gd name="T11" fmla="*/ 0 h 692"/>
+                <a:gd name="T12" fmla="*/ 561 w 785"/>
+                <a:gd name="T13" fmla="*/ 0 h 692"/>
+                <a:gd name="T14" fmla="*/ 609 w 785"/>
+                <a:gd name="T15" fmla="*/ 27 h 692"/>
+                <a:gd name="T16" fmla="*/ 777 w 785"/>
+                <a:gd name="T17" fmla="*/ 318 h 692"/>
+                <a:gd name="T18" fmla="*/ 777 w 785"/>
+                <a:gd name="T19" fmla="*/ 374 h 692"/>
+                <a:gd name="T20" fmla="*/ 609 w 785"/>
+                <a:gd name="T21" fmla="*/ 665 h 692"/>
+                <a:gd name="T22" fmla="*/ 561 w 785"/>
+                <a:gd name="T23" fmla="*/ 692 h 692"/>
+                <a:gd name="T24" fmla="*/ 225 w 785"/>
+                <a:gd name="T25" fmla="*/ 692 h 692"/>
+              </a:gdLst>
+              <a:ahLst/>
+              <a:cxnLst>
+                <a:cxn ang="0">
+                  <a:pos x="T0" y="T1"/>
+                </a:cxn>
+                <a:cxn ang="0">
+                  <a:pos x="T2" y="T3"/>
+                </a:cxn>
+                <a:cxn ang="0">
+                  <a:pos x="T4" y="T5"/>
+                </a:cxn>
+                <a:cxn ang="0">
+                  <a:pos x="T6" y="T7"/>
+                </a:cxn>
+                <a:cxn ang="0">
+                  <a:pos x="T8" y="T9"/>
+                </a:cxn>
+                <a:cxn ang="0">
+                  <a:pos x="T10" y="T11"/>
+                </a:cxn>
+                <a:cxn ang="0">
+                  <a:pos x="T12" y="T13"/>
+                </a:cxn>
+                <a:cxn ang="0">
+                  <a:pos x="T14" y="T15"/>
+                </a:cxn>
+                <a:cxn ang="0">
+                  <a:pos x="T16" y="T17"/>
+                </a:cxn>
+                <a:cxn ang="0">
+                  <a:pos x="T18" y="T19"/>
+                </a:cxn>
+                <a:cxn ang="0">
+                  <a:pos x="T20" y="T21"/>
+                </a:cxn>
+                <a:cxn ang="0">
+                  <a:pos x="T22" y="T23"/>
+                </a:cxn>
+                <a:cxn ang="0">
+                  <a:pos x="T24" y="T25"/>
+                </a:cxn>
+              </a:cxnLst>
+              <a:rect l="0" t="0" r="r" b="b"/>
+              <a:pathLst>
+                <a:path w="785" h="692">
+                  <a:moveTo>
+                    <a:pt x="225" y="692"/>
+                  </a:moveTo>
+                  <a:cubicBezTo>
+                    <a:pt x="207" y="692"/>
+                    <a:pt x="185" y="680"/>
+                    <a:pt x="177" y="665"/>
+                  </a:cubicBezTo>
+                  <a:cubicBezTo>
+                    <a:pt x="9" y="374"/>
+                    <a:pt x="9" y="374"/>
+                    <a:pt x="9" y="374"/>
+                  </a:cubicBezTo>
+                  <a:cubicBezTo>
+                    <a:pt x="0" y="358"/>
+                    <a:pt x="0" y="334"/>
+                    <a:pt x="9" y="318"/>
+                  </a:cubicBezTo>
+                  <a:cubicBezTo>
+                    <a:pt x="177" y="27"/>
+                    <a:pt x="177" y="27"/>
+                    <a:pt x="177" y="27"/>
+                  </a:cubicBezTo>
+                  <a:cubicBezTo>
+                    <a:pt x="185" y="12"/>
+                    <a:pt x="207" y="0"/>
+                    <a:pt x="225" y="0"/>
+                  </a:cubicBezTo>
+                  <a:cubicBezTo>
+                    <a:pt x="561" y="0"/>
+                    <a:pt x="561" y="0"/>
+                    <a:pt x="561" y="0"/>
+                  </a:cubicBezTo>
+                  <a:cubicBezTo>
+                    <a:pt x="578" y="0"/>
+                    <a:pt x="600" y="12"/>
+                    <a:pt x="609" y="27"/>
+                  </a:cubicBezTo>
+                  <a:cubicBezTo>
+                    <a:pt x="777" y="318"/>
+                    <a:pt x="777" y="318"/>
+                    <a:pt x="777" y="318"/>
+                  </a:cubicBezTo>
+                  <a:cubicBezTo>
+                    <a:pt x="785" y="334"/>
+                    <a:pt x="785" y="358"/>
+                    <a:pt x="777" y="374"/>
+                  </a:cubicBezTo>
+                  <a:cubicBezTo>
+                    <a:pt x="609" y="665"/>
+                    <a:pt x="609" y="665"/>
+                    <a:pt x="609" y="665"/>
+                  </a:cubicBezTo>
+                  <a:cubicBezTo>
+                    <a:pt x="600" y="680"/>
+                    <a:pt x="578" y="692"/>
+                    <a:pt x="561" y="692"/>
+                  </a:cubicBezTo>
+                  <a:lnTo>
+                    <a:pt x="225" y="692"/>
+                  </a:lnTo>
+                  <a:close/>
+                </a:path>
+              </a:pathLst>
+            </a:custGeom>
+            <a:noFill/>
+            <a:ln w="28575" cmpd="sng">
+              <a:solidFill>
+                <a:schemeClr val="bg1"/>
+              </a:solidFill>
+            </a:ln>
+          </p:spPr>
+          <p:txBody>
+            <a:bodyPr vert="horz" wrap="square" lIns="91440" tIns="45720" rIns="91440" bIns="45720" numCol="1" anchor="t" anchorCtr="0" compatLnSpc="1">
+              <a:prstTxWarp prst="textNoShape">
+                <a:avLst/>
+              </a:prstTxWarp>
+            </a:bodyPr>
+            <a:lstStyle/>
+            <a:p>
+              <a:endParaRPr lang="en-US"/>
+            </a:p>
+          </p:txBody>
+        </p:sp>
+      </p:grpSp>
+      <p:sp>
+        <p:nvSpPr>
+          <p:cNvPr id="3" name="Content Placeholder 2">
+            <a:extLst>
+              <a:ext uri="{FF2B5EF4-FFF2-40B4-BE49-F238E27FC236}">
+                <a16:creationId xmlns:a16="http://schemas.microsoft.com/office/drawing/2014/main" id="{D80EF20B-59D0-45D0-8779-E7269CD2097C}"/>
+              </a:ext>
+            </a:extLst>
+          </p:cNvPr>
+          <p:cNvSpPr>
+            <a:spLocks noGrp="1"/>
+          </p:cNvSpPr>
+          <p:nvPr>
+            <p:ph idx="1"/>
+          </p:nvPr>
+        </p:nvSpPr>
+        <p:spPr>
+          <a:xfrm>
+            <a:off x="556237" y="3006379"/>
+            <a:ext cx="3793125" cy="1931381"/>
+          </a:xfrm>
+        </p:spPr>
+        <p:txBody>
+          <a:bodyPr anchor="t">
+            <a:noAutofit/>
+          </a:bodyPr>
+          <a:lstStyle/>
+          <a:p>
+            <a:pPr marL="0" indent="0">
+              <a:buNone/>
+            </a:pPr>
+            <a:r>
+              <a:rPr lang="vi-VN" sz="2000" dirty="0">
+                <a:solidFill>
+                  <a:schemeClr val="bg1"/>
+                </a:solidFill>
+                <a:latin typeface="+mj-lt"/>
+                <a:cs typeface="Calibri" panose="020F0502020204030204" pitchFamily="34" charset="0"/>
+              </a:rPr>
+              <a:t>Tương tự như memoization. </a:t>
+            </a:r>
+            <a:r>
+              <a:rPr lang="vi-VN" sz="2000" b="0" i="0" dirty="0">
+                <a:solidFill>
+                  <a:schemeClr val="bg1"/>
+                </a:solidFill>
+                <a:effectLst/>
+                <a:latin typeface="+mj-lt"/>
+                <a:cs typeface="Calibri" panose="020F0502020204030204" pitchFamily="34" charset="0"/>
+              </a:rPr>
+              <a:t>nhưng với mỗi bài toán con, chúng ta sẽ nhìn về phía trước để xem phải giải bài toán tiếp theo như thế này từ bài toán hiện tại.</a:t>
+            </a:r>
+            <a:endParaRPr lang="en-US" sz="2000" b="0" i="0" dirty="0">
+              <a:solidFill>
+                <a:schemeClr val="bg1"/>
+              </a:solidFill>
+              <a:effectLst/>
+              <a:latin typeface="+mj-lt"/>
+              <a:cs typeface="Calibri" panose="020F0502020204030204" pitchFamily="34" charset="0"/>
+            </a:endParaRPr>
+          </a:p>
+        </p:txBody>
+      </p:sp>
+      <p:sp>
+        <p:nvSpPr>
+          <p:cNvPr id="4" name="Title 1">
+            <a:extLst>
+              <a:ext uri="{FF2B5EF4-FFF2-40B4-BE49-F238E27FC236}">
+                <a16:creationId xmlns:a16="http://schemas.microsoft.com/office/drawing/2014/main" id="{4179D798-6112-424F-8D57-3BB3A79EA4F4}"/>
+              </a:ext>
+            </a:extLst>
+          </p:cNvPr>
+          <p:cNvSpPr txBox="1">
+            <a:spLocks/>
+          </p:cNvSpPr>
+          <p:nvPr/>
+        </p:nvSpPr>
+        <p:spPr>
+          <a:xfrm>
+            <a:off x="5531497" y="938998"/>
+            <a:ext cx="5637246" cy="887049"/>
+          </a:xfrm>
+          <a:prstGeom prst="rect">
+            <a:avLst/>
+          </a:prstGeom>
+        </p:spPr>
+        <p:txBody>
+          <a:bodyPr vert="horz" lIns="91440" tIns="45720" rIns="91440" bIns="45720" rtlCol="0" anchor="ctr">
+            <a:normAutofit/>
+          </a:bodyPr>
+          <a:lstStyle>
+            <a:lvl1pPr algn="l" defTabSz="914400" rtl="0" eaLnBrk="1" latinLnBrk="0" hangingPunct="1">
+              <a:lnSpc>
+                <a:spcPct val="90000"/>
+              </a:lnSpc>
+              <a:spcBef>
+                <a:spcPct val="0"/>
+              </a:spcBef>
+              <a:buNone/>
+              <a:defRPr sz="4400" kern="1200">
+                <a:solidFill>
+                  <a:schemeClr val="tx1"/>
+                </a:solidFill>
+                <a:latin typeface="+mj-lt"/>
+                <a:ea typeface="+mj-ea"/>
+                <a:cs typeface="+mj-cs"/>
+              </a:defRPr>
+            </a:lvl1pPr>
+          </a:lstStyle>
+          <a:p>
+            <a:pPr>
+              <a:spcAft>
+                <a:spcPts val="600"/>
+              </a:spcAft>
+            </a:pPr>
+            <a:r>
+              <a:rPr lang="en-US" sz="4100" dirty="0" err="1">
+                <a:latin typeface="Times New Roman" panose="02020603050405020304" pitchFamily="18" charset="0"/>
+                <a:cs typeface="Times New Roman" panose="02020603050405020304" pitchFamily="18" charset="0"/>
+              </a:rPr>
+              <a:t>Ví</a:t>
+            </a:r>
+            <a:r>
+              <a:rPr lang="en-US" sz="4100" dirty="0">
+                <a:latin typeface="Times New Roman" panose="02020603050405020304" pitchFamily="18" charset="0"/>
+                <a:cs typeface="Times New Roman" panose="02020603050405020304" pitchFamily="18" charset="0"/>
+              </a:rPr>
+              <a:t> </a:t>
+            </a:r>
+            <a:r>
+              <a:rPr lang="en-US" sz="4100" dirty="0" err="1">
+                <a:latin typeface="Times New Roman" panose="02020603050405020304" pitchFamily="18" charset="0"/>
+                <a:cs typeface="Times New Roman" panose="02020603050405020304" pitchFamily="18" charset="0"/>
+              </a:rPr>
+              <a:t>dụ</a:t>
+            </a:r>
+            <a:r>
+              <a:rPr lang="en-US" sz="4100" dirty="0">
+                <a:latin typeface="Times New Roman" panose="02020603050405020304" pitchFamily="18" charset="0"/>
+                <a:cs typeface="Times New Roman" panose="02020603050405020304" pitchFamily="18" charset="0"/>
+              </a:rPr>
+              <a:t>: </a:t>
+            </a:r>
+            <a:r>
+              <a:rPr lang="en-US" sz="4100" dirty="0" err="1">
+                <a:latin typeface="Times New Roman" panose="02020603050405020304" pitchFamily="18" charset="0"/>
+                <a:cs typeface="Times New Roman" panose="02020603050405020304" pitchFamily="18" charset="0"/>
+              </a:rPr>
+              <a:t>Tính</a:t>
+            </a:r>
+            <a:r>
+              <a:rPr lang="en-US" sz="4100" dirty="0">
+                <a:latin typeface="Times New Roman" panose="02020603050405020304" pitchFamily="18" charset="0"/>
+                <a:cs typeface="Times New Roman" panose="02020603050405020304" pitchFamily="18" charset="0"/>
+              </a:rPr>
+              <a:t> </a:t>
+            </a:r>
+            <a:r>
+              <a:rPr lang="en-US" sz="4100" dirty="0" err="1">
+                <a:latin typeface="Times New Roman" panose="02020603050405020304" pitchFamily="18" charset="0"/>
+                <a:cs typeface="Times New Roman" panose="02020603050405020304" pitchFamily="18" charset="0"/>
+              </a:rPr>
+              <a:t>toán</a:t>
+            </a:r>
+            <a:r>
+              <a:rPr lang="en-US" sz="4100" dirty="0">
+                <a:latin typeface="Times New Roman" panose="02020603050405020304" pitchFamily="18" charset="0"/>
+                <a:cs typeface="Times New Roman" panose="02020603050405020304" pitchFamily="18" charset="0"/>
+              </a:rPr>
+              <a:t> </a:t>
+            </a:r>
+            <a:r>
+              <a:rPr lang="en-US" sz="4100" dirty="0" err="1">
+                <a:latin typeface="Times New Roman" panose="02020603050405020304" pitchFamily="18" charset="0"/>
+                <a:cs typeface="Times New Roman" panose="02020603050405020304" pitchFamily="18" charset="0"/>
+              </a:rPr>
+              <a:t>số</a:t>
+            </a:r>
+            <a:r>
+              <a:rPr lang="en-US" sz="4100" dirty="0">
+                <a:latin typeface="Times New Roman" panose="02020603050405020304" pitchFamily="18" charset="0"/>
+                <a:cs typeface="Times New Roman" panose="02020603050405020304" pitchFamily="18" charset="0"/>
+              </a:rPr>
+              <a:t> fib(k)</a:t>
+            </a:r>
+          </a:p>
+        </p:txBody>
+      </p:sp>
+      <p:sp>
+        <p:nvSpPr>
+          <p:cNvPr id="12" name="TextBox 11">
+            <a:extLst>
+              <a:ext uri="{FF2B5EF4-FFF2-40B4-BE49-F238E27FC236}">
+                <a16:creationId xmlns:a16="http://schemas.microsoft.com/office/drawing/2014/main" id="{C32DCB2F-F913-4D6D-B7BE-CA0B95E5C00B}"/>
+              </a:ext>
+            </a:extLst>
+          </p:cNvPr>
+          <p:cNvSpPr txBox="1"/>
+          <p:nvPr/>
+        </p:nvSpPr>
+        <p:spPr>
+          <a:xfrm>
+            <a:off x="5302120" y="2425087"/>
+            <a:ext cx="6096000" cy="2606867"/>
+          </a:xfrm>
+          <a:prstGeom prst="rect">
+            <a:avLst/>
+          </a:prstGeom>
+        </p:spPr>
+        <p:style>
+          <a:lnRef idx="2">
+            <a:schemeClr val="dk1"/>
+          </a:lnRef>
+          <a:fillRef idx="1">
+            <a:schemeClr val="lt1"/>
+          </a:fillRef>
+          <a:effectRef idx="0">
+            <a:schemeClr val="dk1"/>
+          </a:effectRef>
+          <a:fontRef idx="minor">
+            <a:schemeClr val="dk1"/>
+          </a:fontRef>
+        </p:style>
+        <p:txBody>
+          <a:bodyPr wrap="square">
+            <a:spAutoFit/>
+          </a:bodyPr>
+          <a:lstStyle/>
+          <a:p>
+            <a:pPr>
+              <a:lnSpc>
+                <a:spcPct val="90000"/>
+              </a:lnSpc>
+              <a:spcBef>
+                <a:spcPts val="1000"/>
+              </a:spcBef>
+            </a:pPr>
+            <a:r>
+              <a:rPr lang="en-US" sz="1800" dirty="0">
+                <a:latin typeface="Times New Roman" panose="02020603050405020304" pitchFamily="18" charset="0"/>
+                <a:cs typeface="Times New Roman" panose="02020603050405020304" pitchFamily="18" charset="0"/>
+              </a:rPr>
+              <a:t>def help(n):</a:t>
+            </a:r>
+          </a:p>
+          <a:p>
+            <a:pPr>
+              <a:lnSpc>
+                <a:spcPct val="90000"/>
+              </a:lnSpc>
+              <a:spcBef>
+                <a:spcPts val="1000"/>
+              </a:spcBef>
+            </a:pPr>
+            <a:r>
+              <a:rPr lang="en-US" sz="1800" dirty="0">
+                <a:latin typeface="Times New Roman" panose="02020603050405020304" pitchFamily="18" charset="0"/>
+                <a:cs typeface="Times New Roman" panose="02020603050405020304" pitchFamily="18" charset="0"/>
+              </a:rPr>
+              <a:t>	mem={}</a:t>
+            </a:r>
+          </a:p>
+          <a:p>
+            <a:pPr>
+              <a:lnSpc>
+                <a:spcPct val="90000"/>
+              </a:lnSpc>
+              <a:spcBef>
+                <a:spcPts val="1000"/>
+              </a:spcBef>
+            </a:pPr>
+            <a:r>
+              <a:rPr lang="en-US" dirty="0">
+                <a:latin typeface="Times New Roman" panose="02020603050405020304" pitchFamily="18" charset="0"/>
+                <a:cs typeface="Times New Roman" panose="02020603050405020304" pitchFamily="18" charset="0"/>
+              </a:rPr>
+              <a:t>	mem[0]=0</a:t>
+            </a:r>
+          </a:p>
+          <a:p>
+            <a:pPr>
+              <a:lnSpc>
+                <a:spcPct val="90000"/>
+              </a:lnSpc>
+              <a:spcBef>
+                <a:spcPts val="1000"/>
+              </a:spcBef>
+            </a:pPr>
+            <a:r>
+              <a:rPr lang="en-US" sz="1800" dirty="0">
+                <a:latin typeface="Times New Roman" panose="02020603050405020304" pitchFamily="18" charset="0"/>
+                <a:cs typeface="Times New Roman" panose="02020603050405020304" pitchFamily="18" charset="0"/>
+              </a:rPr>
+              <a:t>	mem[1]=1</a:t>
+            </a:r>
+          </a:p>
+          <a:p>
+            <a:pPr>
+              <a:lnSpc>
+                <a:spcPct val="90000"/>
+              </a:lnSpc>
+              <a:spcBef>
+                <a:spcPts val="1000"/>
+              </a:spcBef>
+            </a:pPr>
+            <a:r>
+              <a:rPr lang="en-US" dirty="0">
+                <a:latin typeface="Times New Roman" panose="02020603050405020304" pitchFamily="18" charset="0"/>
+                <a:cs typeface="Times New Roman" panose="02020603050405020304" pitchFamily="18" charset="0"/>
+              </a:rPr>
+              <a:t>	for i in range (2,n+1):</a:t>
+            </a:r>
+          </a:p>
+          <a:p>
+            <a:pPr>
+              <a:lnSpc>
+                <a:spcPct val="90000"/>
+              </a:lnSpc>
+              <a:spcBef>
+                <a:spcPts val="1000"/>
+              </a:spcBef>
+            </a:pPr>
+            <a:r>
+              <a:rPr lang="en-US" sz="1800" dirty="0">
+                <a:latin typeface="Times New Roman" panose="02020603050405020304" pitchFamily="18" charset="0"/>
+                <a:cs typeface="Times New Roman" panose="02020603050405020304" pitchFamily="18" charset="0"/>
+              </a:rPr>
+              <a:t>		mem[</a:t>
+            </a:r>
+            <a:r>
+              <a:rPr lang="en-US" sz="1800" dirty="0" err="1">
+                <a:latin typeface="Times New Roman" panose="02020603050405020304" pitchFamily="18" charset="0"/>
+                <a:cs typeface="Times New Roman" panose="02020603050405020304" pitchFamily="18" charset="0"/>
+              </a:rPr>
+              <a:t>i</a:t>
+            </a:r>
+            <a:r>
+              <a:rPr lang="en-US" sz="1800" dirty="0">
+                <a:latin typeface="Times New Roman" panose="02020603050405020304" pitchFamily="18" charset="0"/>
+                <a:cs typeface="Times New Roman" panose="02020603050405020304" pitchFamily="18" charset="0"/>
+              </a:rPr>
+              <a:t>]=mem[i-1]+mem[i-2]</a:t>
+            </a:r>
+          </a:p>
+          <a:p>
+            <a:pPr>
+              <a:lnSpc>
+                <a:spcPct val="90000"/>
+              </a:lnSpc>
+              <a:spcBef>
+                <a:spcPts val="1000"/>
+              </a:spcBef>
+            </a:pPr>
+            <a:r>
+              <a:rPr lang="en-US" dirty="0">
+                <a:latin typeface="Times New Roman" panose="02020603050405020304" pitchFamily="18" charset="0"/>
+                <a:cs typeface="Times New Roman" panose="02020603050405020304" pitchFamily="18" charset="0"/>
+              </a:rPr>
+              <a:t>	return mem[n]</a:t>
+            </a:r>
+            <a:endParaRPr lang="en-US" sz="1800" dirty="0">
+              <a:latin typeface="Times New Roman" panose="02020603050405020304" pitchFamily="18" charset="0"/>
+              <a:cs typeface="Times New Roman" panose="02020603050405020304" pitchFamily="18" charset="0"/>
+            </a:endParaRPr>
+          </a:p>
+        </p:txBody>
+      </p:sp>
+    </p:spTree>
+    <p:extLst>
+      <p:ext uri="{BB962C8B-B14F-4D97-AF65-F5344CB8AC3E}">
+        <p14:creationId xmlns:p14="http://schemas.microsoft.com/office/powerpoint/2010/main" val="1272611407"/>
+      </p:ext>
+    </p:extLst>
+  </p:cSld>
+  <p:clrMapOvr>
+    <a:masterClrMapping/>
+  </p:clrMapOvr>
+</p:sld>
+</file>
+
+<file path=ppt/slides/slide11.xml><?xml version="1.0" encoding="utf-8"?>
+<p:sld xmlns:a="http://schemas.openxmlformats.org/drawingml/2006/main" xmlns:r="http://schemas.openxmlformats.org/officeDocument/2006/relationships" xmlns:p="http://schemas.openxmlformats.org/presentationml/2006/main">
+  <p:cSld>
+    <p:bg>
+      <p:bgPr>
+        <a:solidFill>
+          <a:schemeClr val="bg1"/>
+        </a:solidFill>
+        <a:effectLst/>
+      </p:bgPr>
+    </p:bg>
+    <p:spTree>
+      <p:nvGrpSpPr>
+        <p:cNvPr id="1" name=""/>
+        <p:cNvGrpSpPr/>
+        <p:nvPr/>
+      </p:nvGrpSpPr>
+      <p:grpSpPr>
+        <a:xfrm>
+          <a:off x="0" y="0"/>
+          <a:ext cx="0" cy="0"/>
+          <a:chOff x="0" y="0"/>
+          <a:chExt cx="0" cy="0"/>
+        </a:xfrm>
+      </p:grpSpPr>
+      <p:sp useBgFill="1">
+        <p:nvSpPr>
+          <p:cNvPr id="71" name="Rectangle 70">
+            <a:extLst>
+              <a:ext uri="{FF2B5EF4-FFF2-40B4-BE49-F238E27FC236}">
+                <a16:creationId xmlns:a16="http://schemas.microsoft.com/office/drawing/2014/main" id="{16F9E488-0718-4E1E-9D12-26779F606252}"/>
+              </a:ext>
+              <a:ext uri="{C183D7F6-B498-43B3-948B-1728B52AA6E4}">
+                <adec:decorative xmlns:adec="http://schemas.microsoft.com/office/drawing/2017/decorative" val="1"/>
+              </a:ext>
+            </a:extLst>
+          </p:cNvPr>
+          <p:cNvSpPr>
+            <a:spLocks noGrp="1" noRot="1" noChangeAspect="1" noMove="1" noResize="1" noEditPoints="1" noAdjustHandles="1" noChangeArrowheads="1" noChangeShapeType="1" noTextEdit="1"/>
+          </p:cNvSpPr>
+          <p:nvPr>
+            <p:extLst>
+              <p:ext uri="{386F3935-93C4-4BCD-93E2-E3B085C9AB24}">
+                <p16:designElem xmlns:p16="http://schemas.microsoft.com/office/powerpoint/2015/main" val="1"/>
+              </p:ext>
+            </p:extLst>
+          </p:nvPr>
+        </p:nvSpPr>
+        <p:spPr>
+          <a:xfrm>
+            <a:off x="0" y="0"/>
+            <a:ext cx="12192000" cy="6858000"/>
+          </a:xfrm>
+          <a:prstGeom prst="rect">
+            <a:avLst/>
+          </a:prstGeom>
+          <a:ln>
+            <a:noFill/>
+          </a:ln>
+        </p:spPr>
+        <p:style>
+          <a:lnRef idx="2">
+            <a:schemeClr val="accent1">
+              <a:shade val="50000"/>
+            </a:schemeClr>
+          </a:lnRef>
+          <a:fillRef idx="1">
+            <a:schemeClr val="accent1"/>
+          </a:fillRef>
+          <a:effectRef idx="0">
+            <a:schemeClr val="accent1"/>
+          </a:effectRef>
+          <a:fontRef idx="minor">
+            <a:schemeClr val="lt1"/>
+          </a:fontRef>
+        </p:style>
+        <p:txBody>
+          <a:bodyPr rtlCol="0" anchor="ctr"/>
+          <a:lstStyle/>
+          <a:p>
+            <a:pPr marL="0" marR="0" lvl="0" indent="0" algn="ctr" defTabSz="914400" rtl="0" eaLnBrk="1" fontAlgn="auto" latinLnBrk="0" hangingPunct="1">
+              <a:lnSpc>
+                <a:spcPct val="100000"/>
+              </a:lnSpc>
+              <a:spcBef>
+                <a:spcPts val="0"/>
+              </a:spcBef>
+              <a:spcAft>
+                <a:spcPts val="0"/>
+              </a:spcAft>
+              <a:buClrTx/>
+              <a:buSzTx/>
+              <a:buFontTx/>
+              <a:buNone/>
+              <a:tabLst/>
+              <a:defRPr/>
+            </a:pPr>
+            <a:endParaRPr kumimoji="0" lang="en-US" sz="1800" b="0" i="0" u="none" strike="noStrike" kern="1200" cap="none" spc="0" normalizeH="0" baseline="0" noProof="0">
+              <a:ln>
+                <a:noFill/>
+              </a:ln>
+              <a:solidFill>
+                <a:prstClr val="white"/>
+              </a:solidFill>
+              <a:effectLst/>
+              <a:uLnTx/>
+              <a:uFillTx/>
+              <a:latin typeface="Calibri" panose="020F0502020204030204"/>
+              <a:ea typeface="+mn-ea"/>
+              <a:cs typeface="+mn-cs"/>
+            </a:endParaRPr>
+          </a:p>
+        </p:txBody>
+      </p:sp>
+      <p:sp>
+        <p:nvSpPr>
+          <p:cNvPr id="73" name="Rectangle 72">
+            <a:extLst>
+              <a:ext uri="{FF2B5EF4-FFF2-40B4-BE49-F238E27FC236}">
+                <a16:creationId xmlns:a16="http://schemas.microsoft.com/office/drawing/2014/main" id="{CE708407-D01D-4E57-8998-FF799DBC3788}"/>
+              </a:ext>
+              <a:ext uri="{C183D7F6-B498-43B3-948B-1728B52AA6E4}">
+                <adec:decorative xmlns:adec="http://schemas.microsoft.com/office/drawing/2017/decorative" val="1"/>
+              </a:ext>
+            </a:extLst>
+          </p:cNvPr>
+          <p:cNvSpPr>
+            <a:spLocks noGrp="1" noRot="1" noChangeAspect="1" noMove="1" noResize="1" noEditPoints="1" noAdjustHandles="1" noChangeArrowheads="1" noChangeShapeType="1" noTextEdit="1"/>
+          </p:cNvSpPr>
+          <p:nvPr>
+            <p:extLst>
+              <p:ext uri="{386F3935-93C4-4BCD-93E2-E3B085C9AB24}">
+                <p16:designElem xmlns:p16="http://schemas.microsoft.com/office/powerpoint/2015/main" val="1"/>
+              </p:ext>
+            </p:extLst>
+          </p:nvPr>
+        </p:nvSpPr>
+        <p:spPr>
+          <a:xfrm>
+            <a:off x="0" y="0"/>
+            <a:ext cx="4694548" cy="6858000"/>
+          </a:xfrm>
+          <a:prstGeom prst="rect">
+            <a:avLst/>
+          </a:prstGeom>
+          <a:solidFill>
+            <a:schemeClr val="tx1"/>
+          </a:solidFill>
+          <a:ln>
+            <a:noFill/>
+          </a:ln>
+        </p:spPr>
+        <p:style>
+          <a:lnRef idx="2">
+            <a:schemeClr val="accent1">
+              <a:shade val="50000"/>
+            </a:schemeClr>
+          </a:lnRef>
+          <a:fillRef idx="1">
+            <a:schemeClr val="accent1"/>
+          </a:fillRef>
+          <a:effectRef idx="0">
+            <a:schemeClr val="accent1"/>
+          </a:effectRef>
+          <a:fontRef idx="minor">
+            <a:schemeClr val="lt1"/>
+          </a:fontRef>
+        </p:style>
+        <p:txBody>
+          <a:bodyPr rtlCol="0" anchor="ctr"/>
+          <a:lstStyle/>
+          <a:p>
+            <a:pPr marL="0" marR="0" lvl="0" indent="0" algn="ctr" defTabSz="914400" rtl="0" eaLnBrk="1" fontAlgn="auto" latinLnBrk="0" hangingPunct="1">
+              <a:lnSpc>
+                <a:spcPct val="100000"/>
+              </a:lnSpc>
+              <a:spcBef>
+                <a:spcPts val="0"/>
+              </a:spcBef>
+              <a:spcAft>
+                <a:spcPts val="0"/>
+              </a:spcAft>
+              <a:buClrTx/>
+              <a:buSzTx/>
+              <a:buFontTx/>
+              <a:buNone/>
+              <a:tabLst/>
+              <a:defRPr/>
+            </a:pPr>
+            <a:endParaRPr kumimoji="0" lang="en-US" sz="1800" b="0" i="0" u="none" strike="noStrike" kern="1200" cap="none" spc="0" normalizeH="0" baseline="0" noProof="0">
+              <a:ln>
+                <a:noFill/>
+              </a:ln>
+              <a:solidFill>
+                <a:prstClr val="white"/>
+              </a:solidFill>
+              <a:effectLst/>
+              <a:uLnTx/>
+              <a:uFillTx/>
+              <a:latin typeface="Calibri" panose="020F0502020204030204"/>
+              <a:ea typeface="+mn-ea"/>
+              <a:cs typeface="+mn-cs"/>
+            </a:endParaRPr>
+          </a:p>
+        </p:txBody>
+      </p:sp>
+      <p:sp>
+        <p:nvSpPr>
+          <p:cNvPr id="2" name="Title 1">
+            <a:extLst>
+              <a:ext uri="{FF2B5EF4-FFF2-40B4-BE49-F238E27FC236}">
+                <a16:creationId xmlns:a16="http://schemas.microsoft.com/office/drawing/2014/main" id="{B445B4DD-8FB2-448B-940E-7E6EE0B67BF6}"/>
+              </a:ext>
+            </a:extLst>
+          </p:cNvPr>
+          <p:cNvSpPr>
+            <a:spLocks noGrp="1"/>
+          </p:cNvSpPr>
+          <p:nvPr>
+            <p:ph type="title"/>
+          </p:nvPr>
+        </p:nvSpPr>
+        <p:spPr>
+          <a:xfrm>
+            <a:off x="1140322" y="1418760"/>
+            <a:ext cx="3554226" cy="2663688"/>
+          </a:xfrm>
+        </p:spPr>
+        <p:txBody>
+          <a:bodyPr vert="horz" lIns="91440" tIns="45720" rIns="91440" bIns="45720" rtlCol="0" anchor="b">
+            <a:normAutofit/>
+          </a:bodyPr>
+          <a:lstStyle/>
+          <a:p>
+            <a:r>
+              <a:rPr lang="en-US" kern="1200" dirty="0" err="1">
+                <a:solidFill>
+                  <a:schemeClr val="bg1"/>
+                </a:solidFill>
+                <a:latin typeface="Times New Roman" panose="02020603050405020304" pitchFamily="18" charset="0"/>
+                <a:cs typeface="Times New Roman" panose="02020603050405020304" pitchFamily="18" charset="0"/>
+              </a:rPr>
+              <a:t>Số</a:t>
+            </a:r>
+            <a:r>
+              <a:rPr lang="en-US" kern="1200" dirty="0">
+                <a:solidFill>
+                  <a:schemeClr val="bg1"/>
+                </a:solidFill>
+                <a:latin typeface="Times New Roman" panose="02020603050405020304" pitchFamily="18" charset="0"/>
+                <a:cs typeface="Times New Roman" panose="02020603050405020304" pitchFamily="18" charset="0"/>
+              </a:rPr>
+              <a:t> fib(k)</a:t>
+            </a:r>
+          </a:p>
+        </p:txBody>
+      </p:sp>
+      <p:grpSp>
+        <p:nvGrpSpPr>
+          <p:cNvPr id="75" name="Group 74">
+            <a:extLst>
+              <a:ext uri="{FF2B5EF4-FFF2-40B4-BE49-F238E27FC236}">
+                <a16:creationId xmlns:a16="http://schemas.microsoft.com/office/drawing/2014/main" id="{7F963B07-5C9E-478C-A53E-B6F5B4A78933}"/>
+              </a:ext>
+              <a:ext uri="{C183D7F6-B498-43B3-948B-1728B52AA6E4}">
+                <adec:decorative xmlns:adec="http://schemas.microsoft.com/office/drawing/2017/decorative" val="1"/>
+              </a:ext>
+            </a:extLst>
+          </p:cNvPr>
+          <p:cNvGrpSpPr>
+            <a:grpSpLocks noGrp="1" noUngrp="1" noRot="1" noChangeAspect="1" noMove="1" noResize="1"/>
+          </p:cNvGrpSpPr>
+          <p:nvPr>
+            <p:extLst>
+              <p:ext uri="{386F3935-93C4-4BCD-93E2-E3B085C9AB24}">
+                <p16:designElem xmlns:p16="http://schemas.microsoft.com/office/powerpoint/2015/main" val="1"/>
+              </p:ext>
+            </p:extLst>
+          </p:nvPr>
+        </p:nvGrpSpPr>
+        <p:grpSpPr>
+          <a:xfrm>
+            <a:off x="767290" y="681628"/>
+            <a:ext cx="1128382" cy="847206"/>
+            <a:chOff x="668003" y="1684057"/>
+            <a:chExt cx="1128382" cy="847206"/>
+          </a:xfrm>
+        </p:grpSpPr>
+        <p:sp>
+          <p:nvSpPr>
+            <p:cNvPr id="76" name="Freeform 5">
+              <a:extLst>
+                <a:ext uri="{FF2B5EF4-FFF2-40B4-BE49-F238E27FC236}">
+                  <a16:creationId xmlns:a16="http://schemas.microsoft.com/office/drawing/2014/main" id="{A152F29E-C625-4313-96BF-5675B357C03A}"/>
+                </a:ext>
+                <a:ext uri="{C183D7F6-B498-43B3-948B-1728B52AA6E4}">
+                  <adec:decorative xmlns:adec="http://schemas.microsoft.com/office/drawing/2017/decorative" val="1"/>
+                </a:ext>
+              </a:extLst>
+            </p:cNvPr>
+            <p:cNvSpPr>
+              <a:spLocks/>
+            </p:cNvSpPr>
+            <p:nvPr>
+              <p:extLst>
+                <p:ext uri="{386F3935-93C4-4BCD-93E2-E3B085C9AB24}">
+                  <p16:designElem xmlns:p16="http://schemas.microsoft.com/office/powerpoint/2015/main" val="1"/>
+                </p:ext>
+              </p:extLst>
+            </p:nvPr>
+          </p:nvSpPr>
+          <p:spPr bwMode="auto">
+            <a:xfrm>
+              <a:off x="668003" y="1935883"/>
+              <a:ext cx="675351" cy="595380"/>
+            </a:xfrm>
+            <a:custGeom>
+              <a:avLst/>
+              <a:gdLst>
+                <a:gd name="T0" fmla="*/ 225 w 785"/>
+                <a:gd name="T1" fmla="*/ 692 h 692"/>
+                <a:gd name="T2" fmla="*/ 177 w 785"/>
+                <a:gd name="T3" fmla="*/ 665 h 692"/>
+                <a:gd name="T4" fmla="*/ 9 w 785"/>
+                <a:gd name="T5" fmla="*/ 374 h 692"/>
+                <a:gd name="T6" fmla="*/ 9 w 785"/>
+                <a:gd name="T7" fmla="*/ 318 h 692"/>
+                <a:gd name="T8" fmla="*/ 177 w 785"/>
+                <a:gd name="T9" fmla="*/ 27 h 692"/>
+                <a:gd name="T10" fmla="*/ 225 w 785"/>
+                <a:gd name="T11" fmla="*/ 0 h 692"/>
+                <a:gd name="T12" fmla="*/ 561 w 785"/>
+                <a:gd name="T13" fmla="*/ 0 h 692"/>
+                <a:gd name="T14" fmla="*/ 609 w 785"/>
+                <a:gd name="T15" fmla="*/ 27 h 692"/>
+                <a:gd name="T16" fmla="*/ 777 w 785"/>
+                <a:gd name="T17" fmla="*/ 318 h 692"/>
+                <a:gd name="T18" fmla="*/ 777 w 785"/>
+                <a:gd name="T19" fmla="*/ 374 h 692"/>
+                <a:gd name="T20" fmla="*/ 609 w 785"/>
+                <a:gd name="T21" fmla="*/ 665 h 692"/>
+                <a:gd name="T22" fmla="*/ 561 w 785"/>
+                <a:gd name="T23" fmla="*/ 692 h 692"/>
+                <a:gd name="T24" fmla="*/ 225 w 785"/>
+                <a:gd name="T25" fmla="*/ 692 h 692"/>
+              </a:gdLst>
+              <a:ahLst/>
+              <a:cxnLst>
+                <a:cxn ang="0">
+                  <a:pos x="T0" y="T1"/>
+                </a:cxn>
+                <a:cxn ang="0">
+                  <a:pos x="T2" y="T3"/>
+                </a:cxn>
+                <a:cxn ang="0">
+                  <a:pos x="T4" y="T5"/>
+                </a:cxn>
+                <a:cxn ang="0">
+                  <a:pos x="T6" y="T7"/>
+                </a:cxn>
+                <a:cxn ang="0">
+                  <a:pos x="T8" y="T9"/>
+                </a:cxn>
+                <a:cxn ang="0">
+                  <a:pos x="T10" y="T11"/>
+                </a:cxn>
+                <a:cxn ang="0">
+                  <a:pos x="T12" y="T13"/>
+                </a:cxn>
+                <a:cxn ang="0">
+                  <a:pos x="T14" y="T15"/>
+                </a:cxn>
+                <a:cxn ang="0">
+                  <a:pos x="T16" y="T17"/>
+                </a:cxn>
+                <a:cxn ang="0">
+                  <a:pos x="T18" y="T19"/>
+                </a:cxn>
+                <a:cxn ang="0">
+                  <a:pos x="T20" y="T21"/>
+                </a:cxn>
+                <a:cxn ang="0">
+                  <a:pos x="T22" y="T23"/>
+                </a:cxn>
+                <a:cxn ang="0">
+                  <a:pos x="T24" y="T25"/>
+                </a:cxn>
+              </a:cxnLst>
+              <a:rect l="0" t="0" r="r" b="b"/>
+              <a:pathLst>
+                <a:path w="785" h="692">
+                  <a:moveTo>
+                    <a:pt x="225" y="692"/>
+                  </a:moveTo>
+                  <a:cubicBezTo>
+                    <a:pt x="207" y="692"/>
+                    <a:pt x="185" y="680"/>
+                    <a:pt x="177" y="665"/>
+                  </a:cubicBezTo>
+                  <a:cubicBezTo>
+                    <a:pt x="9" y="374"/>
+                    <a:pt x="9" y="374"/>
+                    <a:pt x="9" y="374"/>
+                  </a:cubicBezTo>
+                  <a:cubicBezTo>
+                    <a:pt x="0" y="358"/>
+                    <a:pt x="0" y="334"/>
+                    <a:pt x="9" y="318"/>
+                  </a:cubicBezTo>
+                  <a:cubicBezTo>
+                    <a:pt x="177" y="27"/>
+                    <a:pt x="177" y="27"/>
+                    <a:pt x="177" y="27"/>
+                  </a:cubicBezTo>
+                  <a:cubicBezTo>
+                    <a:pt x="185" y="12"/>
+                    <a:pt x="207" y="0"/>
+                    <a:pt x="225" y="0"/>
+                  </a:cubicBezTo>
+                  <a:cubicBezTo>
+                    <a:pt x="561" y="0"/>
+                    <a:pt x="561" y="0"/>
+                    <a:pt x="561" y="0"/>
+                  </a:cubicBezTo>
+                  <a:cubicBezTo>
+                    <a:pt x="578" y="0"/>
+                    <a:pt x="600" y="12"/>
+                    <a:pt x="609" y="27"/>
+                  </a:cubicBezTo>
+                  <a:cubicBezTo>
+                    <a:pt x="777" y="318"/>
+                    <a:pt x="777" y="318"/>
+                    <a:pt x="777" y="318"/>
+                  </a:cubicBezTo>
+                  <a:cubicBezTo>
+                    <a:pt x="785" y="334"/>
+                    <a:pt x="785" y="358"/>
+                    <a:pt x="777" y="374"/>
+                  </a:cubicBezTo>
+                  <a:cubicBezTo>
+                    <a:pt x="609" y="665"/>
+                    <a:pt x="609" y="665"/>
+                    <a:pt x="609" y="665"/>
+                  </a:cubicBezTo>
+                  <a:cubicBezTo>
+                    <a:pt x="600" y="680"/>
+                    <a:pt x="578" y="692"/>
+                    <a:pt x="561" y="692"/>
+                  </a:cubicBezTo>
+                  <a:lnTo>
+                    <a:pt x="225" y="692"/>
+                  </a:lnTo>
+                  <a:close/>
+                </a:path>
+              </a:pathLst>
+            </a:custGeom>
+            <a:noFill/>
+            <a:ln w="28575" cmpd="sng">
+              <a:solidFill>
+                <a:schemeClr val="bg1"/>
+              </a:solidFill>
+            </a:ln>
+          </p:spPr>
+          <p:txBody>
+            <a:bodyPr vert="horz" wrap="square" lIns="91440" tIns="45720" rIns="91440" bIns="45720" numCol="1" anchor="t" anchorCtr="0" compatLnSpc="1">
+              <a:prstTxWarp prst="textNoShape">
+                <a:avLst/>
+              </a:prstTxWarp>
+            </a:bodyPr>
+            <a:lstStyle/>
+            <a:p>
+              <a:pPr marL="0" marR="0" lvl="0" indent="0" algn="l" defTabSz="914400" rtl="0" eaLnBrk="1" fontAlgn="auto" latinLnBrk="0" hangingPunct="1">
+                <a:lnSpc>
+                  <a:spcPct val="100000"/>
+                </a:lnSpc>
+                <a:spcBef>
+                  <a:spcPts val="0"/>
+                </a:spcBef>
+                <a:spcAft>
+                  <a:spcPts val="0"/>
+                </a:spcAft>
+                <a:buClrTx/>
+                <a:buSzTx/>
+                <a:buFontTx/>
+                <a:buNone/>
+                <a:tabLst/>
+                <a:defRPr/>
+              </a:pPr>
+              <a:endParaRPr kumimoji="0" lang="en-US" sz="1800" b="0" i="0" u="none" strike="noStrike" kern="1200" cap="none" spc="0" normalizeH="0" baseline="0" noProof="0">
+                <a:ln>
+                  <a:noFill/>
+                </a:ln>
+                <a:solidFill>
+                  <a:prstClr val="black"/>
+                </a:solidFill>
+                <a:effectLst/>
+                <a:uLnTx/>
+                <a:uFillTx/>
+                <a:latin typeface="Calibri" panose="020F0502020204030204"/>
+                <a:ea typeface="+mn-ea"/>
+                <a:cs typeface="+mn-cs"/>
+              </a:endParaRPr>
+            </a:p>
+          </p:txBody>
+        </p:sp>
+        <p:sp>
+          <p:nvSpPr>
+            <p:cNvPr id="77" name="Freeform 5">
+              <a:extLst>
+                <a:ext uri="{FF2B5EF4-FFF2-40B4-BE49-F238E27FC236}">
+                  <a16:creationId xmlns:a16="http://schemas.microsoft.com/office/drawing/2014/main" id="{C2A5CB78-6497-4151-83B6-568BD27EC573}"/>
+                </a:ext>
+                <a:ext uri="{C183D7F6-B498-43B3-948B-1728B52AA6E4}">
+                  <adec:decorative xmlns:adec="http://schemas.microsoft.com/office/drawing/2017/decorative" val="1"/>
+                </a:ext>
+              </a:extLst>
+            </p:cNvPr>
+            <p:cNvSpPr>
+              <a:spLocks/>
+            </p:cNvSpPr>
+            <p:nvPr>
+              <p:extLst>
+                <p:ext uri="{386F3935-93C4-4BCD-93E2-E3B085C9AB24}">
+                  <p16:designElem xmlns:p16="http://schemas.microsoft.com/office/powerpoint/2015/main" val="1"/>
+                </p:ext>
+              </p:extLst>
+            </p:nvPr>
+          </p:nvSpPr>
+          <p:spPr bwMode="auto">
+            <a:xfrm>
+              <a:off x="1245893" y="1684057"/>
+              <a:ext cx="550492" cy="485306"/>
+            </a:xfrm>
+            <a:custGeom>
+              <a:avLst/>
+              <a:gdLst>
+                <a:gd name="T0" fmla="*/ 225 w 785"/>
+                <a:gd name="T1" fmla="*/ 692 h 692"/>
+                <a:gd name="T2" fmla="*/ 177 w 785"/>
+                <a:gd name="T3" fmla="*/ 665 h 692"/>
+                <a:gd name="T4" fmla="*/ 9 w 785"/>
+                <a:gd name="T5" fmla="*/ 374 h 692"/>
+                <a:gd name="T6" fmla="*/ 9 w 785"/>
+                <a:gd name="T7" fmla="*/ 318 h 692"/>
+                <a:gd name="T8" fmla="*/ 177 w 785"/>
+                <a:gd name="T9" fmla="*/ 27 h 692"/>
+                <a:gd name="T10" fmla="*/ 225 w 785"/>
+                <a:gd name="T11" fmla="*/ 0 h 692"/>
+                <a:gd name="T12" fmla="*/ 561 w 785"/>
+                <a:gd name="T13" fmla="*/ 0 h 692"/>
+                <a:gd name="T14" fmla="*/ 609 w 785"/>
+                <a:gd name="T15" fmla="*/ 27 h 692"/>
+                <a:gd name="T16" fmla="*/ 777 w 785"/>
+                <a:gd name="T17" fmla="*/ 318 h 692"/>
+                <a:gd name="T18" fmla="*/ 777 w 785"/>
+                <a:gd name="T19" fmla="*/ 374 h 692"/>
+                <a:gd name="T20" fmla="*/ 609 w 785"/>
+                <a:gd name="T21" fmla="*/ 665 h 692"/>
+                <a:gd name="T22" fmla="*/ 561 w 785"/>
+                <a:gd name="T23" fmla="*/ 692 h 692"/>
+                <a:gd name="T24" fmla="*/ 225 w 785"/>
+                <a:gd name="T25" fmla="*/ 692 h 692"/>
+              </a:gdLst>
+              <a:ahLst/>
+              <a:cxnLst>
+                <a:cxn ang="0">
+                  <a:pos x="T0" y="T1"/>
+                </a:cxn>
+                <a:cxn ang="0">
+                  <a:pos x="T2" y="T3"/>
+                </a:cxn>
+                <a:cxn ang="0">
+                  <a:pos x="T4" y="T5"/>
+                </a:cxn>
+                <a:cxn ang="0">
+                  <a:pos x="T6" y="T7"/>
+                </a:cxn>
+                <a:cxn ang="0">
+                  <a:pos x="T8" y="T9"/>
+                </a:cxn>
+                <a:cxn ang="0">
+                  <a:pos x="T10" y="T11"/>
+                </a:cxn>
+                <a:cxn ang="0">
+                  <a:pos x="T12" y="T13"/>
+                </a:cxn>
+                <a:cxn ang="0">
+                  <a:pos x="T14" y="T15"/>
+                </a:cxn>
+                <a:cxn ang="0">
+                  <a:pos x="T16" y="T17"/>
+                </a:cxn>
+                <a:cxn ang="0">
+                  <a:pos x="T18" y="T19"/>
+                </a:cxn>
+                <a:cxn ang="0">
+                  <a:pos x="T20" y="T21"/>
+                </a:cxn>
+                <a:cxn ang="0">
+                  <a:pos x="T22" y="T23"/>
+                </a:cxn>
+                <a:cxn ang="0">
+                  <a:pos x="T24" y="T25"/>
+                </a:cxn>
+              </a:cxnLst>
+              <a:rect l="0" t="0" r="r" b="b"/>
+              <a:pathLst>
+                <a:path w="785" h="692">
+                  <a:moveTo>
+                    <a:pt x="225" y="692"/>
+                  </a:moveTo>
+                  <a:cubicBezTo>
+                    <a:pt x="207" y="692"/>
+                    <a:pt x="185" y="680"/>
+                    <a:pt x="177" y="665"/>
+                  </a:cubicBezTo>
+                  <a:cubicBezTo>
+                    <a:pt x="9" y="374"/>
+                    <a:pt x="9" y="374"/>
+                    <a:pt x="9" y="374"/>
+                  </a:cubicBezTo>
+                  <a:cubicBezTo>
+                    <a:pt x="0" y="358"/>
+                    <a:pt x="0" y="334"/>
+                    <a:pt x="9" y="318"/>
+                  </a:cubicBezTo>
+                  <a:cubicBezTo>
+                    <a:pt x="177" y="27"/>
+                    <a:pt x="177" y="27"/>
+                    <a:pt x="177" y="27"/>
+                  </a:cubicBezTo>
+                  <a:cubicBezTo>
+                    <a:pt x="185" y="12"/>
+                    <a:pt x="207" y="0"/>
+                    <a:pt x="225" y="0"/>
+                  </a:cubicBezTo>
+                  <a:cubicBezTo>
+                    <a:pt x="561" y="0"/>
+                    <a:pt x="561" y="0"/>
+                    <a:pt x="561" y="0"/>
+                  </a:cubicBezTo>
+                  <a:cubicBezTo>
+                    <a:pt x="578" y="0"/>
+                    <a:pt x="600" y="12"/>
+                    <a:pt x="609" y="27"/>
+                  </a:cubicBezTo>
+                  <a:cubicBezTo>
+                    <a:pt x="777" y="318"/>
+                    <a:pt x="777" y="318"/>
+                    <a:pt x="777" y="318"/>
+                  </a:cubicBezTo>
+                  <a:cubicBezTo>
+                    <a:pt x="785" y="334"/>
+                    <a:pt x="785" y="358"/>
+                    <a:pt x="777" y="374"/>
+                  </a:cubicBezTo>
+                  <a:cubicBezTo>
+                    <a:pt x="609" y="665"/>
+                    <a:pt x="609" y="665"/>
+                    <a:pt x="609" y="665"/>
+                  </a:cubicBezTo>
+                  <a:cubicBezTo>
+                    <a:pt x="600" y="680"/>
+                    <a:pt x="578" y="692"/>
+                    <a:pt x="561" y="692"/>
+                  </a:cubicBezTo>
+                  <a:lnTo>
+                    <a:pt x="225" y="692"/>
+                  </a:lnTo>
+                  <a:close/>
+                </a:path>
+              </a:pathLst>
+            </a:custGeom>
+            <a:noFill/>
+            <a:ln w="28575" cmpd="sng">
+              <a:solidFill>
+                <a:schemeClr val="bg1"/>
+              </a:solidFill>
+            </a:ln>
+          </p:spPr>
+          <p:txBody>
+            <a:bodyPr vert="horz" wrap="square" lIns="91440" tIns="45720" rIns="91440" bIns="45720" numCol="1" anchor="t" anchorCtr="0" compatLnSpc="1">
+              <a:prstTxWarp prst="textNoShape">
+                <a:avLst/>
+              </a:prstTxWarp>
+            </a:bodyPr>
+            <a:lstStyle/>
+            <a:p>
+              <a:pPr marL="0" marR="0" lvl="0" indent="0" algn="l" defTabSz="914400" rtl="0" eaLnBrk="1" fontAlgn="auto" latinLnBrk="0" hangingPunct="1">
+                <a:lnSpc>
+                  <a:spcPct val="100000"/>
+                </a:lnSpc>
+                <a:spcBef>
+                  <a:spcPts val="0"/>
+                </a:spcBef>
+                <a:spcAft>
+                  <a:spcPts val="0"/>
+                </a:spcAft>
+                <a:buClrTx/>
+                <a:buSzTx/>
+                <a:buFontTx/>
+                <a:buNone/>
+                <a:tabLst/>
+                <a:defRPr/>
+              </a:pPr>
+              <a:endParaRPr kumimoji="0" lang="en-US" sz="1800" b="0" i="0" u="none" strike="noStrike" kern="1200" cap="none" spc="0" normalizeH="0" baseline="0" noProof="0">
+                <a:ln>
+                  <a:noFill/>
+                </a:ln>
+                <a:solidFill>
+                  <a:prstClr val="black"/>
+                </a:solidFill>
+                <a:effectLst/>
+                <a:uLnTx/>
+                <a:uFillTx/>
+                <a:latin typeface="Calibri" panose="020F0502020204030204"/>
+                <a:ea typeface="+mn-ea"/>
+                <a:cs typeface="+mn-cs"/>
+              </a:endParaRPr>
+            </a:p>
+          </p:txBody>
+        </p:sp>
+      </p:grpSp>
+      <p:pic>
+        <p:nvPicPr>
+          <p:cNvPr id="1026" name="Picture 2" descr="Graphical user interface, application, background pattern&#10;&#10;Description automatically generated">
+            <a:extLst>
+              <a:ext uri="{FF2B5EF4-FFF2-40B4-BE49-F238E27FC236}">
+                <a16:creationId xmlns:a16="http://schemas.microsoft.com/office/drawing/2014/main" id="{892D1F2D-787C-473F-A757-595F95D67FB5}"/>
+              </a:ext>
+            </a:extLst>
+          </p:cNvPr>
+          <p:cNvPicPr>
+            <a:picLocks noChangeAspect="1" noChangeArrowheads="1"/>
+          </p:cNvPicPr>
+          <p:nvPr/>
+        </p:nvPicPr>
+        <p:blipFill>
+          <a:blip r:embed="rId3">
+            <a:extLst>
+              <a:ext uri="{28A0092B-C50C-407E-A947-70E740481C1C}">
+                <a14:useLocalDpi xmlns:a14="http://schemas.microsoft.com/office/drawing/2010/main" val="0"/>
+              </a:ext>
+            </a:extLst>
+          </a:blip>
+          <a:stretch>
+            <a:fillRect/>
+          </a:stretch>
+        </p:blipFill>
+        <p:spPr bwMode="auto">
+          <a:xfrm>
+            <a:off x="4910216" y="681628"/>
+            <a:ext cx="6926988" cy="4883527"/>
+          </a:xfrm>
+          <a:prstGeom prst="rect">
+            <a:avLst/>
+          </a:prstGeom>
+          <a:noFill/>
+          <a:extLst>
+            <a:ext uri="{909E8E84-426E-40DD-AFC4-6F175D3DCCD1}">
+              <a14:hiddenFill xmlns:a14="http://schemas.microsoft.com/office/drawing/2010/main">
+                <a:solidFill>
+                  <a:srgbClr val="FFFFFF"/>
+                </a:solidFill>
+              </a14:hiddenFill>
+            </a:ext>
+          </a:extLst>
+        </p:spPr>
+      </p:pic>
+      <mc:AlternateContent xmlns:mc="http://schemas.openxmlformats.org/markup-compatibility/2006" xmlns:a14="http://schemas.microsoft.com/office/drawing/2010/main">
+        <mc:Choice Requires="a14">
+          <p:sp>
+            <p:nvSpPr>
+              <p:cNvPr id="23" name="Title 1">
+                <a:extLst>
+                  <a:ext uri="{FF2B5EF4-FFF2-40B4-BE49-F238E27FC236}">
+                    <a16:creationId xmlns:a16="http://schemas.microsoft.com/office/drawing/2014/main" id="{3545D5E8-066E-475F-9F75-78E2A015A706}"/>
+                  </a:ext>
+                </a:extLst>
+              </p:cNvPr>
+              <p:cNvSpPr txBox="1">
+                <a:spLocks/>
+              </p:cNvSpPr>
+              <p:nvPr/>
+            </p:nvSpPr>
+            <p:spPr>
+              <a:xfrm>
+                <a:off x="6009544" y="5599267"/>
+                <a:ext cx="4867460" cy="767559"/>
+              </a:xfrm>
+              <a:prstGeom prst="rect">
+                <a:avLst/>
+              </a:prstGeom>
+            </p:spPr>
+            <p:txBody>
+              <a:bodyPr vert="horz" lIns="91440" tIns="45720" rIns="91440" bIns="45720" rtlCol="0" anchor="b">
+                <a:normAutofit fontScale="77500" lnSpcReduction="20000"/>
+              </a:bodyPr>
+              <a:lstStyle>
+                <a:lvl1pPr algn="l" defTabSz="914400" rtl="0" eaLnBrk="1" latinLnBrk="0" hangingPunct="1">
+                  <a:lnSpc>
+                    <a:spcPct val="90000"/>
+                  </a:lnSpc>
+                  <a:spcBef>
+                    <a:spcPct val="0"/>
+                  </a:spcBef>
+                  <a:buNone/>
+                  <a:defRPr sz="4400" kern="1200">
+                    <a:solidFill>
+                      <a:schemeClr val="tx1"/>
+                    </a:solidFill>
+                    <a:latin typeface="+mj-lt"/>
+                    <a:ea typeface="+mj-ea"/>
+                    <a:cs typeface="+mj-cs"/>
+                  </a:defRPr>
+                </a:lvl1pPr>
+              </a:lstStyle>
+              <a:p>
+                <a:pPr marL="0" marR="0" lvl="0" indent="0" algn="l" defTabSz="914400" rtl="0" eaLnBrk="1" fontAlgn="auto" latinLnBrk="0" hangingPunct="1">
+                  <a:lnSpc>
+                    <a:spcPct val="90000"/>
+                  </a:lnSpc>
+                  <a:spcBef>
+                    <a:spcPct val="0"/>
+                  </a:spcBef>
+                  <a:spcAft>
+                    <a:spcPts val="0"/>
+                  </a:spcAft>
+                  <a:buClrTx/>
+                  <a:buSzTx/>
+                  <a:buFontTx/>
+                  <a:buNone/>
+                  <a:tabLst/>
+                  <a:defRPr/>
+                </a:pPr>
+                <a:r>
+                  <a:rPr kumimoji="0" lang="en-US" sz="4400" b="0" i="0" u="none" strike="noStrike" kern="1200" cap="none" spc="0" normalizeH="0" baseline="0" noProof="0" dirty="0">
+                    <a:ln>
+                      <a:noFill/>
+                    </a:ln>
+                    <a:solidFill>
+                      <a:prstClr val="black"/>
+                    </a:solidFill>
+                    <a:effectLst/>
+                    <a:uLnTx/>
+                    <a:uFillTx/>
+                    <a:latin typeface="Times New Roman" panose="02020603050405020304" pitchFamily="18" charset="0"/>
+                    <a:cs typeface="Times New Roman" panose="02020603050405020304" pitchFamily="18" charset="0"/>
+                  </a:rPr>
+                  <a:t>T(n)=T(n-1)+T(n-2)+</a:t>
+                </a:r>
+                <a14:m>
+                  <m:oMath xmlns:m="http://schemas.openxmlformats.org/officeDocument/2006/math">
+                    <m:r>
+                      <a:rPr kumimoji="0" lang="en-US" sz="4400" b="0" i="1" u="none" strike="noStrike" kern="1200" cap="none" spc="0" normalizeH="0" baseline="0" noProof="0" dirty="0" smtClean="0">
+                        <a:ln>
+                          <a:noFill/>
+                        </a:ln>
+                        <a:solidFill>
+                          <a:prstClr val="black"/>
+                        </a:solidFill>
+                        <a:effectLst/>
+                        <a:uLnTx/>
+                        <a:uFillTx/>
+                        <a:latin typeface="Cambria Math" panose="02040503050406030204" pitchFamily="18" charset="0"/>
+                      </a:rPr>
+                      <m:t>𝜃</m:t>
+                    </m:r>
+                    <m:r>
+                      <a:rPr kumimoji="0" lang="en-US" sz="4400" b="0" i="1" u="none" strike="noStrike" kern="1200" cap="none" spc="0" normalizeH="0" baseline="0" noProof="0" dirty="0" smtClean="0">
+                        <a:ln>
+                          <a:noFill/>
+                        </a:ln>
+                        <a:solidFill>
+                          <a:prstClr val="black"/>
+                        </a:solidFill>
+                        <a:effectLst/>
+                        <a:uLnTx/>
+                        <a:uFillTx/>
+                        <a:latin typeface="Cambria Math" panose="02040503050406030204" pitchFamily="18" charset="0"/>
+                      </a:rPr>
+                      <m:t>(1)</m:t>
+                    </m:r>
+                  </m:oMath>
+                </a14:m>
+                <a:endParaRPr kumimoji="0" lang="en-US" sz="4400" b="0" i="0" u="none" strike="noStrike" kern="1200" cap="none" spc="0" normalizeH="0" baseline="0" noProof="0" dirty="0">
+                  <a:ln>
+                    <a:noFill/>
+                  </a:ln>
+                  <a:solidFill>
+                    <a:prstClr val="black"/>
+                  </a:solidFill>
+                  <a:effectLst/>
+                  <a:uLnTx/>
+                  <a:uFillTx/>
+                  <a:latin typeface="Times New Roman" panose="02020603050405020304" pitchFamily="18" charset="0"/>
+                  <a:cs typeface="Times New Roman" panose="02020603050405020304" pitchFamily="18" charset="0"/>
+                </a:endParaRPr>
+              </a:p>
+            </p:txBody>
+          </p:sp>
+        </mc:Choice>
+        <mc:Fallback xmlns="">
+          <p:sp>
+            <p:nvSpPr>
+              <p:cNvPr id="23" name="Title 1">
+                <a:extLst>
+                  <a:ext uri="{FF2B5EF4-FFF2-40B4-BE49-F238E27FC236}">
+                    <a16:creationId xmlns:a16="http://schemas.microsoft.com/office/drawing/2014/main" id="{3545D5E8-066E-475F-9F75-78E2A015A706}"/>
+                  </a:ext>
+                </a:extLst>
+              </p:cNvPr>
+              <p:cNvSpPr txBox="1">
+                <a:spLocks noRot="1" noChangeAspect="1" noMove="1" noResize="1" noEditPoints="1" noAdjustHandles="1" noChangeArrowheads="1" noChangeShapeType="1" noTextEdit="1"/>
+              </p:cNvSpPr>
+              <p:nvPr/>
+            </p:nvSpPr>
+            <p:spPr>
+              <a:xfrm>
+                <a:off x="6009544" y="5599267"/>
+                <a:ext cx="4867460" cy="767559"/>
+              </a:xfrm>
+              <a:prstGeom prst="rect">
+                <a:avLst/>
+              </a:prstGeom>
+              <a:blipFill>
+                <a:blip r:embed="rId4"/>
+                <a:stretch>
+                  <a:fillRect l="-3509" b="-28800"/>
+                </a:stretch>
+              </a:blipFill>
+            </p:spPr>
+            <p:txBody>
+              <a:bodyPr/>
+              <a:lstStyle/>
+              <a:p>
+                <a:r>
+                  <a:rPr lang="en-US">
+                    <a:noFill/>
+                  </a:rPr>
+                  <a:t> </a:t>
+                </a:r>
+              </a:p>
+            </p:txBody>
+          </p:sp>
+        </mc:Fallback>
+      </mc:AlternateContent>
+    </p:spTree>
+    <p:extLst>
+      <p:ext uri="{BB962C8B-B14F-4D97-AF65-F5344CB8AC3E}">
+        <p14:creationId xmlns:p14="http://schemas.microsoft.com/office/powerpoint/2010/main" val="2706700906"/>
+      </p:ext>
+    </p:extLst>
+  </p:cSld>
+  <p:clrMapOvr>
+    <a:masterClrMapping/>
+  </p:clrMapOvr>
+</p:sld>
+</file>
+
+<file path=ppt/slides/slide12.xml><?xml version="1.0" encoding="utf-8"?>
+<p:sld xmlns:a="http://schemas.openxmlformats.org/drawingml/2006/main" xmlns:r="http://schemas.openxmlformats.org/officeDocument/2006/relationships" xmlns:p="http://schemas.openxmlformats.org/presentationml/2006/main">
+  <p:cSld>
+    <p:bg>
+      <p:bgPr>
+        <a:solidFill>
+          <a:schemeClr val="bg1"/>
+        </a:solidFill>
+        <a:effectLst/>
+      </p:bgPr>
+    </p:bg>
+    <p:spTree>
+      <p:nvGrpSpPr>
+        <p:cNvPr id="1" name=""/>
+        <p:cNvGrpSpPr/>
+        <p:nvPr/>
+      </p:nvGrpSpPr>
+      <p:grpSpPr>
+        <a:xfrm>
+          <a:off x="0" y="0"/>
+          <a:ext cx="0" cy="0"/>
+          <a:chOff x="0" y="0"/>
+          <a:chExt cx="0" cy="0"/>
+        </a:xfrm>
+      </p:grpSpPr>
       <p:sp>
         <p:nvSpPr>
           <p:cNvPr id="82" name="Rectangle 81">
@@ -11050,1971 +13411,6 @@
 </p:sld>
 </file>
 
-<file path=ppt/slides/slide11.xml><?xml version="1.0" encoding="utf-8"?>
-<p:sld xmlns:a="http://schemas.openxmlformats.org/drawingml/2006/main" xmlns:r="http://schemas.openxmlformats.org/officeDocument/2006/relationships" xmlns:p="http://schemas.openxmlformats.org/presentationml/2006/main">
-  <p:cSld>
-    <p:bg>
-      <p:bgPr>
-        <a:solidFill>
-          <a:schemeClr val="bg1"/>
-        </a:solidFill>
-        <a:effectLst/>
-      </p:bgPr>
-    </p:bg>
-    <p:spTree>
-      <p:nvGrpSpPr>
-        <p:cNvPr id="1" name=""/>
-        <p:cNvGrpSpPr/>
-        <p:nvPr/>
-      </p:nvGrpSpPr>
-      <p:grpSpPr>
-        <a:xfrm>
-          <a:off x="0" y="0"/>
-          <a:ext cx="0" cy="0"/>
-          <a:chOff x="0" y="0"/>
-          <a:chExt cx="0" cy="0"/>
-        </a:xfrm>
-      </p:grpSpPr>
-      <p:sp useBgFill="1">
-        <p:nvSpPr>
-          <p:cNvPr id="30" name="Rectangle 29">
-            <a:extLst>
-              <a:ext uri="{FF2B5EF4-FFF2-40B4-BE49-F238E27FC236}">
-                <a16:creationId xmlns:a16="http://schemas.microsoft.com/office/drawing/2014/main" id="{33CD251C-A887-4D2F-925B-FC097198538B}"/>
-              </a:ext>
-              <a:ext uri="{C183D7F6-B498-43B3-948B-1728B52AA6E4}">
-                <adec:decorative xmlns:adec="http://schemas.microsoft.com/office/drawing/2017/decorative" val="1"/>
-              </a:ext>
-            </a:extLst>
-          </p:cNvPr>
-          <p:cNvSpPr>
-            <a:spLocks noGrp="1" noRot="1" noChangeAspect="1" noMove="1" noResize="1" noEditPoints="1" noAdjustHandles="1" noChangeArrowheads="1" noChangeShapeType="1" noTextEdit="1"/>
-          </p:cNvSpPr>
-          <p:nvPr>
-            <p:extLst>
-              <p:ext uri="{386F3935-93C4-4BCD-93E2-E3B085C9AB24}">
-                <p16:designElem xmlns:p16="http://schemas.microsoft.com/office/powerpoint/2015/main" val="1"/>
-              </p:ext>
-            </p:extLst>
-          </p:nvPr>
-        </p:nvSpPr>
-        <p:spPr>
-          <a:xfrm>
-            <a:off x="0" y="0"/>
-            <a:ext cx="12192000" cy="6858000"/>
-          </a:xfrm>
-          <a:prstGeom prst="rect">
-            <a:avLst/>
-          </a:prstGeom>
-          <a:ln>
-            <a:noFill/>
-          </a:ln>
-        </p:spPr>
-        <p:style>
-          <a:lnRef idx="2">
-            <a:schemeClr val="accent1">
-              <a:shade val="50000"/>
-            </a:schemeClr>
-          </a:lnRef>
-          <a:fillRef idx="1">
-            <a:schemeClr val="accent1"/>
-          </a:fillRef>
-          <a:effectRef idx="0">
-            <a:schemeClr val="accent1"/>
-          </a:effectRef>
-          <a:fontRef idx="minor">
-            <a:schemeClr val="lt1"/>
-          </a:fontRef>
-        </p:style>
-        <p:txBody>
-          <a:bodyPr rtlCol="0" anchor="ctr"/>
-          <a:lstStyle/>
-          <a:p>
-            <a:pPr algn="ctr"/>
-            <a:endParaRPr lang="en-US"/>
-          </a:p>
-        </p:txBody>
-      </p:sp>
-      <p:sp>
-        <p:nvSpPr>
-          <p:cNvPr id="32" name="Rectangle 31">
-            <a:extLst>
-              <a:ext uri="{FF2B5EF4-FFF2-40B4-BE49-F238E27FC236}">
-                <a16:creationId xmlns:a16="http://schemas.microsoft.com/office/drawing/2014/main" id="{B19D093C-27FB-4032-B282-42C4563F257C}"/>
-              </a:ext>
-              <a:ext uri="{C183D7F6-B498-43B3-948B-1728B52AA6E4}">
-                <adec:decorative xmlns:adec="http://schemas.microsoft.com/office/drawing/2017/decorative" val="1"/>
-              </a:ext>
-            </a:extLst>
-          </p:cNvPr>
-          <p:cNvSpPr>
-            <a:spLocks noGrp="1" noRot="1" noChangeAspect="1" noMove="1" noResize="1" noEditPoints="1" noAdjustHandles="1" noChangeArrowheads="1" noChangeShapeType="1" noTextEdit="1"/>
-          </p:cNvSpPr>
-          <p:nvPr>
-            <p:extLst>
-              <p:ext uri="{386F3935-93C4-4BCD-93E2-E3B085C9AB24}">
-                <p16:designElem xmlns:p16="http://schemas.microsoft.com/office/powerpoint/2015/main" val="1"/>
-              </p:ext>
-            </p:extLst>
-          </p:nvPr>
-        </p:nvSpPr>
-        <p:spPr>
-          <a:xfrm>
-            <a:off x="0" y="0"/>
-            <a:ext cx="4694548" cy="6858000"/>
-          </a:xfrm>
-          <a:prstGeom prst="rect">
-            <a:avLst/>
-          </a:prstGeom>
-          <a:solidFill>
-            <a:schemeClr val="tx1"/>
-          </a:solidFill>
-          <a:ln>
-            <a:noFill/>
-          </a:ln>
-        </p:spPr>
-        <p:style>
-          <a:lnRef idx="2">
-            <a:schemeClr val="accent1">
-              <a:shade val="50000"/>
-            </a:schemeClr>
-          </a:lnRef>
-          <a:fillRef idx="1">
-            <a:schemeClr val="accent1"/>
-          </a:fillRef>
-          <a:effectRef idx="0">
-            <a:schemeClr val="accent1"/>
-          </a:effectRef>
-          <a:fontRef idx="minor">
-            <a:schemeClr val="lt1"/>
-          </a:fontRef>
-        </p:style>
-        <p:txBody>
-          <a:bodyPr rtlCol="0" anchor="ctr"/>
-          <a:lstStyle/>
-          <a:p>
-            <a:pPr algn="ctr"/>
-            <a:endParaRPr lang="en-US"/>
-          </a:p>
-        </p:txBody>
-      </p:sp>
-      <p:sp>
-        <p:nvSpPr>
-          <p:cNvPr id="2" name="Title 1">
-            <a:extLst>
-              <a:ext uri="{FF2B5EF4-FFF2-40B4-BE49-F238E27FC236}">
-                <a16:creationId xmlns:a16="http://schemas.microsoft.com/office/drawing/2014/main" id="{8F4DB5A8-54EB-4CB1-920B-27358FF145BA}"/>
-              </a:ext>
-            </a:extLst>
-          </p:cNvPr>
-          <p:cNvSpPr>
-            <a:spLocks noGrp="1"/>
-          </p:cNvSpPr>
-          <p:nvPr>
-            <p:ph type="title"/>
-          </p:nvPr>
-        </p:nvSpPr>
-        <p:spPr>
-          <a:xfrm>
-            <a:off x="767289" y="1780660"/>
-            <a:ext cx="3582073" cy="1463472"/>
-          </a:xfrm>
-        </p:spPr>
-        <p:txBody>
-          <a:bodyPr anchor="t">
-            <a:normAutofit/>
-          </a:bodyPr>
-          <a:lstStyle/>
-          <a:p>
-            <a:br>
-              <a:rPr lang="en-US" sz="4800" dirty="0">
-                <a:solidFill>
-                  <a:schemeClr val="bg1"/>
-                </a:solidFill>
-                <a:latin typeface="Times New Roman" panose="02020603050405020304" pitchFamily="18" charset="0"/>
-                <a:cs typeface="Times New Roman" panose="02020603050405020304" pitchFamily="18" charset="0"/>
-              </a:rPr>
-            </a:br>
-            <a:r>
-              <a:rPr lang="en-US" sz="4800" dirty="0" err="1">
-                <a:solidFill>
-                  <a:schemeClr val="bg1"/>
-                </a:solidFill>
-                <a:latin typeface="Times New Roman" panose="02020603050405020304" pitchFamily="18" charset="0"/>
-                <a:cs typeface="Times New Roman" panose="02020603050405020304" pitchFamily="18" charset="0"/>
-              </a:rPr>
-              <a:t>Memoization</a:t>
-            </a:r>
-            <a:endParaRPr lang="en-US" sz="4800" dirty="0">
-              <a:solidFill>
-                <a:schemeClr val="bg1"/>
-              </a:solidFill>
-              <a:latin typeface="Times New Roman" panose="02020603050405020304" pitchFamily="18" charset="0"/>
-              <a:cs typeface="Times New Roman" panose="02020603050405020304" pitchFamily="18" charset="0"/>
-            </a:endParaRPr>
-          </a:p>
-        </p:txBody>
-      </p:sp>
-      <p:grpSp>
-        <p:nvGrpSpPr>
-          <p:cNvPr id="34" name="Group 33">
-            <a:extLst>
-              <a:ext uri="{FF2B5EF4-FFF2-40B4-BE49-F238E27FC236}">
-                <a16:creationId xmlns:a16="http://schemas.microsoft.com/office/drawing/2014/main" id="{35EE815E-1BD3-4777-B652-6D98825BF66B}"/>
-              </a:ext>
-              <a:ext uri="{C183D7F6-B498-43B3-948B-1728B52AA6E4}">
-                <adec:decorative xmlns:adec="http://schemas.microsoft.com/office/drawing/2017/decorative" val="1"/>
-              </a:ext>
-            </a:extLst>
-          </p:cNvPr>
-          <p:cNvGrpSpPr>
-            <a:grpSpLocks noGrp="1" noUngrp="1" noRot="1" noChangeAspect="1" noMove="1" noResize="1"/>
-          </p:cNvGrpSpPr>
-          <p:nvPr>
-            <p:extLst>
-              <p:ext uri="{386F3935-93C4-4BCD-93E2-E3B085C9AB24}">
-                <p16:designElem xmlns:p16="http://schemas.microsoft.com/office/powerpoint/2015/main" val="1"/>
-              </p:ext>
-            </p:extLst>
-          </p:nvPr>
-        </p:nvGrpSpPr>
-        <p:grpSpPr>
-          <a:xfrm>
-            <a:off x="767290" y="681628"/>
-            <a:ext cx="1128382" cy="847206"/>
-            <a:chOff x="668003" y="1684057"/>
-            <a:chExt cx="1128382" cy="847206"/>
-          </a:xfrm>
-        </p:grpSpPr>
-        <p:sp>
-          <p:nvSpPr>
-            <p:cNvPr id="35" name="Freeform 5">
-              <a:extLst>
-                <a:ext uri="{FF2B5EF4-FFF2-40B4-BE49-F238E27FC236}">
-                  <a16:creationId xmlns:a16="http://schemas.microsoft.com/office/drawing/2014/main" id="{E6692982-4A7D-4392-87CD-F0CD4B027DDE}"/>
-                </a:ext>
-                <a:ext uri="{C183D7F6-B498-43B3-948B-1728B52AA6E4}">
-                  <adec:decorative xmlns:adec="http://schemas.microsoft.com/office/drawing/2017/decorative" val="1"/>
-                </a:ext>
-              </a:extLst>
-            </p:cNvPr>
-            <p:cNvSpPr>
-              <a:spLocks/>
-            </p:cNvSpPr>
-            <p:nvPr>
-              <p:extLst>
-                <p:ext uri="{386F3935-93C4-4BCD-93E2-E3B085C9AB24}">
-                  <p16:designElem xmlns:p16="http://schemas.microsoft.com/office/powerpoint/2015/main" val="1"/>
-                </p:ext>
-              </p:extLst>
-            </p:nvPr>
-          </p:nvSpPr>
-          <p:spPr bwMode="auto">
-            <a:xfrm>
-              <a:off x="668003" y="1935883"/>
-              <a:ext cx="675351" cy="595380"/>
-            </a:xfrm>
-            <a:custGeom>
-              <a:avLst/>
-              <a:gdLst>
-                <a:gd name="T0" fmla="*/ 225 w 785"/>
-                <a:gd name="T1" fmla="*/ 692 h 692"/>
-                <a:gd name="T2" fmla="*/ 177 w 785"/>
-                <a:gd name="T3" fmla="*/ 665 h 692"/>
-                <a:gd name="T4" fmla="*/ 9 w 785"/>
-                <a:gd name="T5" fmla="*/ 374 h 692"/>
-                <a:gd name="T6" fmla="*/ 9 w 785"/>
-                <a:gd name="T7" fmla="*/ 318 h 692"/>
-                <a:gd name="T8" fmla="*/ 177 w 785"/>
-                <a:gd name="T9" fmla="*/ 27 h 692"/>
-                <a:gd name="T10" fmla="*/ 225 w 785"/>
-                <a:gd name="T11" fmla="*/ 0 h 692"/>
-                <a:gd name="T12" fmla="*/ 561 w 785"/>
-                <a:gd name="T13" fmla="*/ 0 h 692"/>
-                <a:gd name="T14" fmla="*/ 609 w 785"/>
-                <a:gd name="T15" fmla="*/ 27 h 692"/>
-                <a:gd name="T16" fmla="*/ 777 w 785"/>
-                <a:gd name="T17" fmla="*/ 318 h 692"/>
-                <a:gd name="T18" fmla="*/ 777 w 785"/>
-                <a:gd name="T19" fmla="*/ 374 h 692"/>
-                <a:gd name="T20" fmla="*/ 609 w 785"/>
-                <a:gd name="T21" fmla="*/ 665 h 692"/>
-                <a:gd name="T22" fmla="*/ 561 w 785"/>
-                <a:gd name="T23" fmla="*/ 692 h 692"/>
-                <a:gd name="T24" fmla="*/ 225 w 785"/>
-                <a:gd name="T25" fmla="*/ 692 h 692"/>
-              </a:gdLst>
-              <a:ahLst/>
-              <a:cxnLst>
-                <a:cxn ang="0">
-                  <a:pos x="T0" y="T1"/>
-                </a:cxn>
-                <a:cxn ang="0">
-                  <a:pos x="T2" y="T3"/>
-                </a:cxn>
-                <a:cxn ang="0">
-                  <a:pos x="T4" y="T5"/>
-                </a:cxn>
-                <a:cxn ang="0">
-                  <a:pos x="T6" y="T7"/>
-                </a:cxn>
-                <a:cxn ang="0">
-                  <a:pos x="T8" y="T9"/>
-                </a:cxn>
-                <a:cxn ang="0">
-                  <a:pos x="T10" y="T11"/>
-                </a:cxn>
-                <a:cxn ang="0">
-                  <a:pos x="T12" y="T13"/>
-                </a:cxn>
-                <a:cxn ang="0">
-                  <a:pos x="T14" y="T15"/>
-                </a:cxn>
-                <a:cxn ang="0">
-                  <a:pos x="T16" y="T17"/>
-                </a:cxn>
-                <a:cxn ang="0">
-                  <a:pos x="T18" y="T19"/>
-                </a:cxn>
-                <a:cxn ang="0">
-                  <a:pos x="T20" y="T21"/>
-                </a:cxn>
-                <a:cxn ang="0">
-                  <a:pos x="T22" y="T23"/>
-                </a:cxn>
-                <a:cxn ang="0">
-                  <a:pos x="T24" y="T25"/>
-                </a:cxn>
-              </a:cxnLst>
-              <a:rect l="0" t="0" r="r" b="b"/>
-              <a:pathLst>
-                <a:path w="785" h="692">
-                  <a:moveTo>
-                    <a:pt x="225" y="692"/>
-                  </a:moveTo>
-                  <a:cubicBezTo>
-                    <a:pt x="207" y="692"/>
-                    <a:pt x="185" y="680"/>
-                    <a:pt x="177" y="665"/>
-                  </a:cubicBezTo>
-                  <a:cubicBezTo>
-                    <a:pt x="9" y="374"/>
-                    <a:pt x="9" y="374"/>
-                    <a:pt x="9" y="374"/>
-                  </a:cubicBezTo>
-                  <a:cubicBezTo>
-                    <a:pt x="0" y="358"/>
-                    <a:pt x="0" y="334"/>
-                    <a:pt x="9" y="318"/>
-                  </a:cubicBezTo>
-                  <a:cubicBezTo>
-                    <a:pt x="177" y="27"/>
-                    <a:pt x="177" y="27"/>
-                    <a:pt x="177" y="27"/>
-                  </a:cubicBezTo>
-                  <a:cubicBezTo>
-                    <a:pt x="185" y="12"/>
-                    <a:pt x="207" y="0"/>
-                    <a:pt x="225" y="0"/>
-                  </a:cubicBezTo>
-                  <a:cubicBezTo>
-                    <a:pt x="561" y="0"/>
-                    <a:pt x="561" y="0"/>
-                    <a:pt x="561" y="0"/>
-                  </a:cubicBezTo>
-                  <a:cubicBezTo>
-                    <a:pt x="578" y="0"/>
-                    <a:pt x="600" y="12"/>
-                    <a:pt x="609" y="27"/>
-                  </a:cubicBezTo>
-                  <a:cubicBezTo>
-                    <a:pt x="777" y="318"/>
-                    <a:pt x="777" y="318"/>
-                    <a:pt x="777" y="318"/>
-                  </a:cubicBezTo>
-                  <a:cubicBezTo>
-                    <a:pt x="785" y="334"/>
-                    <a:pt x="785" y="358"/>
-                    <a:pt x="777" y="374"/>
-                  </a:cubicBezTo>
-                  <a:cubicBezTo>
-                    <a:pt x="609" y="665"/>
-                    <a:pt x="609" y="665"/>
-                    <a:pt x="609" y="665"/>
-                  </a:cubicBezTo>
-                  <a:cubicBezTo>
-                    <a:pt x="600" y="680"/>
-                    <a:pt x="578" y="692"/>
-                    <a:pt x="561" y="692"/>
-                  </a:cubicBezTo>
-                  <a:lnTo>
-                    <a:pt x="225" y="692"/>
-                  </a:lnTo>
-                  <a:close/>
-                </a:path>
-              </a:pathLst>
-            </a:custGeom>
-            <a:noFill/>
-            <a:ln w="28575" cmpd="sng">
-              <a:solidFill>
-                <a:schemeClr val="bg1"/>
-              </a:solidFill>
-            </a:ln>
-          </p:spPr>
-          <p:txBody>
-            <a:bodyPr vert="horz" wrap="square" lIns="91440" tIns="45720" rIns="91440" bIns="45720" numCol="1" anchor="t" anchorCtr="0" compatLnSpc="1">
-              <a:prstTxWarp prst="textNoShape">
-                <a:avLst/>
-              </a:prstTxWarp>
-            </a:bodyPr>
-            <a:lstStyle/>
-            <a:p>
-              <a:endParaRPr lang="en-US"/>
-            </a:p>
-          </p:txBody>
-        </p:sp>
-        <p:sp>
-          <p:nvSpPr>
-            <p:cNvPr id="36" name="Freeform 5">
-              <a:extLst>
-                <a:ext uri="{FF2B5EF4-FFF2-40B4-BE49-F238E27FC236}">
-                  <a16:creationId xmlns:a16="http://schemas.microsoft.com/office/drawing/2014/main" id="{196485F7-F277-4123-AC53-98EA4C858774}"/>
-                </a:ext>
-                <a:ext uri="{C183D7F6-B498-43B3-948B-1728B52AA6E4}">
-                  <adec:decorative xmlns:adec="http://schemas.microsoft.com/office/drawing/2017/decorative" val="1"/>
-                </a:ext>
-              </a:extLst>
-            </p:cNvPr>
-            <p:cNvSpPr>
-              <a:spLocks/>
-            </p:cNvSpPr>
-            <p:nvPr>
-              <p:extLst>
-                <p:ext uri="{386F3935-93C4-4BCD-93E2-E3B085C9AB24}">
-                  <p16:designElem xmlns:p16="http://schemas.microsoft.com/office/powerpoint/2015/main" val="1"/>
-                </p:ext>
-              </p:extLst>
-            </p:nvPr>
-          </p:nvSpPr>
-          <p:spPr bwMode="auto">
-            <a:xfrm>
-              <a:off x="1245893" y="1684057"/>
-              <a:ext cx="550492" cy="485306"/>
-            </a:xfrm>
-            <a:custGeom>
-              <a:avLst/>
-              <a:gdLst>
-                <a:gd name="T0" fmla="*/ 225 w 785"/>
-                <a:gd name="T1" fmla="*/ 692 h 692"/>
-                <a:gd name="T2" fmla="*/ 177 w 785"/>
-                <a:gd name="T3" fmla="*/ 665 h 692"/>
-                <a:gd name="T4" fmla="*/ 9 w 785"/>
-                <a:gd name="T5" fmla="*/ 374 h 692"/>
-                <a:gd name="T6" fmla="*/ 9 w 785"/>
-                <a:gd name="T7" fmla="*/ 318 h 692"/>
-                <a:gd name="T8" fmla="*/ 177 w 785"/>
-                <a:gd name="T9" fmla="*/ 27 h 692"/>
-                <a:gd name="T10" fmla="*/ 225 w 785"/>
-                <a:gd name="T11" fmla="*/ 0 h 692"/>
-                <a:gd name="T12" fmla="*/ 561 w 785"/>
-                <a:gd name="T13" fmla="*/ 0 h 692"/>
-                <a:gd name="T14" fmla="*/ 609 w 785"/>
-                <a:gd name="T15" fmla="*/ 27 h 692"/>
-                <a:gd name="T16" fmla="*/ 777 w 785"/>
-                <a:gd name="T17" fmla="*/ 318 h 692"/>
-                <a:gd name="T18" fmla="*/ 777 w 785"/>
-                <a:gd name="T19" fmla="*/ 374 h 692"/>
-                <a:gd name="T20" fmla="*/ 609 w 785"/>
-                <a:gd name="T21" fmla="*/ 665 h 692"/>
-                <a:gd name="T22" fmla="*/ 561 w 785"/>
-                <a:gd name="T23" fmla="*/ 692 h 692"/>
-                <a:gd name="T24" fmla="*/ 225 w 785"/>
-                <a:gd name="T25" fmla="*/ 692 h 692"/>
-              </a:gdLst>
-              <a:ahLst/>
-              <a:cxnLst>
-                <a:cxn ang="0">
-                  <a:pos x="T0" y="T1"/>
-                </a:cxn>
-                <a:cxn ang="0">
-                  <a:pos x="T2" y="T3"/>
-                </a:cxn>
-                <a:cxn ang="0">
-                  <a:pos x="T4" y="T5"/>
-                </a:cxn>
-                <a:cxn ang="0">
-                  <a:pos x="T6" y="T7"/>
-                </a:cxn>
-                <a:cxn ang="0">
-                  <a:pos x="T8" y="T9"/>
-                </a:cxn>
-                <a:cxn ang="0">
-                  <a:pos x="T10" y="T11"/>
-                </a:cxn>
-                <a:cxn ang="0">
-                  <a:pos x="T12" y="T13"/>
-                </a:cxn>
-                <a:cxn ang="0">
-                  <a:pos x="T14" y="T15"/>
-                </a:cxn>
-                <a:cxn ang="0">
-                  <a:pos x="T16" y="T17"/>
-                </a:cxn>
-                <a:cxn ang="0">
-                  <a:pos x="T18" y="T19"/>
-                </a:cxn>
-                <a:cxn ang="0">
-                  <a:pos x="T20" y="T21"/>
-                </a:cxn>
-                <a:cxn ang="0">
-                  <a:pos x="T22" y="T23"/>
-                </a:cxn>
-                <a:cxn ang="0">
-                  <a:pos x="T24" y="T25"/>
-                </a:cxn>
-              </a:cxnLst>
-              <a:rect l="0" t="0" r="r" b="b"/>
-              <a:pathLst>
-                <a:path w="785" h="692">
-                  <a:moveTo>
-                    <a:pt x="225" y="692"/>
-                  </a:moveTo>
-                  <a:cubicBezTo>
-                    <a:pt x="207" y="692"/>
-                    <a:pt x="185" y="680"/>
-                    <a:pt x="177" y="665"/>
-                  </a:cubicBezTo>
-                  <a:cubicBezTo>
-                    <a:pt x="9" y="374"/>
-                    <a:pt x="9" y="374"/>
-                    <a:pt x="9" y="374"/>
-                  </a:cubicBezTo>
-                  <a:cubicBezTo>
-                    <a:pt x="0" y="358"/>
-                    <a:pt x="0" y="334"/>
-                    <a:pt x="9" y="318"/>
-                  </a:cubicBezTo>
-                  <a:cubicBezTo>
-                    <a:pt x="177" y="27"/>
-                    <a:pt x="177" y="27"/>
-                    <a:pt x="177" y="27"/>
-                  </a:cubicBezTo>
-                  <a:cubicBezTo>
-                    <a:pt x="185" y="12"/>
-                    <a:pt x="207" y="0"/>
-                    <a:pt x="225" y="0"/>
-                  </a:cubicBezTo>
-                  <a:cubicBezTo>
-                    <a:pt x="561" y="0"/>
-                    <a:pt x="561" y="0"/>
-                    <a:pt x="561" y="0"/>
-                  </a:cubicBezTo>
-                  <a:cubicBezTo>
-                    <a:pt x="578" y="0"/>
-                    <a:pt x="600" y="12"/>
-                    <a:pt x="609" y="27"/>
-                  </a:cubicBezTo>
-                  <a:cubicBezTo>
-                    <a:pt x="777" y="318"/>
-                    <a:pt x="777" y="318"/>
-                    <a:pt x="777" y="318"/>
-                  </a:cubicBezTo>
-                  <a:cubicBezTo>
-                    <a:pt x="785" y="334"/>
-                    <a:pt x="785" y="358"/>
-                    <a:pt x="777" y="374"/>
-                  </a:cubicBezTo>
-                  <a:cubicBezTo>
-                    <a:pt x="609" y="665"/>
-                    <a:pt x="609" y="665"/>
-                    <a:pt x="609" y="665"/>
-                  </a:cubicBezTo>
-                  <a:cubicBezTo>
-                    <a:pt x="600" y="680"/>
-                    <a:pt x="578" y="692"/>
-                    <a:pt x="561" y="692"/>
-                  </a:cubicBezTo>
-                  <a:lnTo>
-                    <a:pt x="225" y="692"/>
-                  </a:lnTo>
-                  <a:close/>
-                </a:path>
-              </a:pathLst>
-            </a:custGeom>
-            <a:noFill/>
-            <a:ln w="28575" cmpd="sng">
-              <a:solidFill>
-                <a:schemeClr val="bg1"/>
-              </a:solidFill>
-            </a:ln>
-          </p:spPr>
-          <p:txBody>
-            <a:bodyPr vert="horz" wrap="square" lIns="91440" tIns="45720" rIns="91440" bIns="45720" numCol="1" anchor="t" anchorCtr="0" compatLnSpc="1">
-              <a:prstTxWarp prst="textNoShape">
-                <a:avLst/>
-              </a:prstTxWarp>
-            </a:bodyPr>
-            <a:lstStyle/>
-            <a:p>
-              <a:endParaRPr lang="en-US"/>
-            </a:p>
-          </p:txBody>
-        </p:sp>
-      </p:grpSp>
-      <p:sp>
-        <p:nvSpPr>
-          <p:cNvPr id="3" name="Content Placeholder 2">
-            <a:extLst>
-              <a:ext uri="{FF2B5EF4-FFF2-40B4-BE49-F238E27FC236}">
-                <a16:creationId xmlns:a16="http://schemas.microsoft.com/office/drawing/2014/main" id="{E8A4BD70-8BEE-4A30-994C-1B8A7940503C}"/>
-              </a:ext>
-            </a:extLst>
-          </p:cNvPr>
-          <p:cNvSpPr>
-            <a:spLocks noGrp="1"/>
-          </p:cNvSpPr>
-          <p:nvPr>
-            <p:ph idx="1"/>
-          </p:nvPr>
-        </p:nvSpPr>
-        <p:spPr>
-          <a:xfrm>
-            <a:off x="767290" y="3309495"/>
-            <a:ext cx="3582072" cy="2793251"/>
-          </a:xfrm>
-        </p:spPr>
-        <p:txBody>
-          <a:bodyPr anchor="t">
-            <a:normAutofit/>
-          </a:bodyPr>
-          <a:lstStyle/>
-          <a:p>
-            <a:pPr marL="0" indent="0">
-              <a:buNone/>
-            </a:pPr>
-            <a:r>
-              <a:rPr lang="vi-VN" sz="2000" dirty="0">
-                <a:solidFill>
-                  <a:schemeClr val="bg1"/>
-                </a:solidFill>
-                <a:latin typeface="+mj-lt"/>
-              </a:rPr>
-              <a:t>lưu trữ kết quả của các câu gọi function và trả về các kết quả này khi function được gọi với cùng input đã gọi.</a:t>
-            </a:r>
-            <a:endParaRPr lang="en-US" sz="2000" dirty="0">
-              <a:solidFill>
-                <a:schemeClr val="bg1"/>
-              </a:solidFill>
-              <a:latin typeface="+mj-lt"/>
-            </a:endParaRPr>
-          </a:p>
-        </p:txBody>
-      </p:sp>
-      <p:sp>
-        <p:nvSpPr>
-          <p:cNvPr id="4" name="Title 1">
-            <a:extLst>
-              <a:ext uri="{FF2B5EF4-FFF2-40B4-BE49-F238E27FC236}">
-                <a16:creationId xmlns:a16="http://schemas.microsoft.com/office/drawing/2014/main" id="{0E7551FF-D55B-4F0A-B35E-1F3B4F27D4BB}"/>
-              </a:ext>
-            </a:extLst>
-          </p:cNvPr>
-          <p:cNvSpPr txBox="1">
-            <a:spLocks/>
-          </p:cNvSpPr>
-          <p:nvPr/>
-        </p:nvSpPr>
-        <p:spPr>
-          <a:xfrm>
-            <a:off x="5272438" y="870525"/>
-            <a:ext cx="5596812" cy="592818"/>
-          </a:xfrm>
-          <a:prstGeom prst="rect">
-            <a:avLst/>
-          </a:prstGeom>
-        </p:spPr>
-        <p:txBody>
-          <a:bodyPr vert="horz" lIns="91440" tIns="45720" rIns="91440" bIns="45720" rtlCol="0" anchor="ctr">
-            <a:normAutofit/>
-          </a:bodyPr>
-          <a:lstStyle>
-            <a:lvl1pPr algn="l" defTabSz="914400" rtl="0" eaLnBrk="1" latinLnBrk="0" hangingPunct="1">
-              <a:lnSpc>
-                <a:spcPct val="90000"/>
-              </a:lnSpc>
-              <a:spcBef>
-                <a:spcPct val="0"/>
-              </a:spcBef>
-              <a:buNone/>
-              <a:defRPr sz="4400" kern="1200">
-                <a:solidFill>
-                  <a:schemeClr val="tx1"/>
-                </a:solidFill>
-                <a:latin typeface="+mj-lt"/>
-                <a:ea typeface="+mj-ea"/>
-                <a:cs typeface="+mj-cs"/>
-              </a:defRPr>
-            </a:lvl1pPr>
-          </a:lstStyle>
-          <a:p>
-            <a:pPr>
-              <a:spcAft>
-                <a:spcPts val="600"/>
-              </a:spcAft>
-            </a:pPr>
-            <a:r>
-              <a:rPr lang="en-US" sz="3500" dirty="0" err="1">
-                <a:latin typeface="Times New Roman" panose="02020603050405020304" pitchFamily="18" charset="0"/>
-                <a:cs typeface="Times New Roman" panose="02020603050405020304" pitchFamily="18" charset="0"/>
-              </a:rPr>
-              <a:t>Ví</a:t>
-            </a:r>
-            <a:r>
-              <a:rPr lang="en-US" sz="3500" dirty="0">
-                <a:latin typeface="Times New Roman" panose="02020603050405020304" pitchFamily="18" charset="0"/>
-                <a:cs typeface="Times New Roman" panose="02020603050405020304" pitchFamily="18" charset="0"/>
-              </a:rPr>
-              <a:t> </a:t>
-            </a:r>
-            <a:r>
-              <a:rPr lang="en-US" sz="3500" dirty="0" err="1">
-                <a:latin typeface="Times New Roman" panose="02020603050405020304" pitchFamily="18" charset="0"/>
-                <a:cs typeface="Times New Roman" panose="02020603050405020304" pitchFamily="18" charset="0"/>
-              </a:rPr>
-              <a:t>dụ:Tính</a:t>
-            </a:r>
-            <a:r>
-              <a:rPr lang="en-US" sz="3500" dirty="0">
-                <a:latin typeface="Times New Roman" panose="02020603050405020304" pitchFamily="18" charset="0"/>
-                <a:cs typeface="Times New Roman" panose="02020603050405020304" pitchFamily="18" charset="0"/>
-              </a:rPr>
-              <a:t> </a:t>
-            </a:r>
-            <a:r>
-              <a:rPr lang="en-US" sz="3500" dirty="0" err="1">
-                <a:latin typeface="Times New Roman" panose="02020603050405020304" pitchFamily="18" charset="0"/>
-                <a:cs typeface="Times New Roman" panose="02020603050405020304" pitchFamily="18" charset="0"/>
-              </a:rPr>
-              <a:t>toán</a:t>
-            </a:r>
-            <a:r>
-              <a:rPr lang="en-US" sz="3500" dirty="0">
-                <a:latin typeface="Times New Roman" panose="02020603050405020304" pitchFamily="18" charset="0"/>
-                <a:cs typeface="Times New Roman" panose="02020603050405020304" pitchFamily="18" charset="0"/>
-              </a:rPr>
-              <a:t> </a:t>
-            </a:r>
-            <a:r>
-              <a:rPr lang="en-US" sz="3500" dirty="0" err="1">
-                <a:latin typeface="Times New Roman" panose="02020603050405020304" pitchFamily="18" charset="0"/>
-                <a:cs typeface="Times New Roman" panose="02020603050405020304" pitchFamily="18" charset="0"/>
-              </a:rPr>
-              <a:t>số</a:t>
-            </a:r>
-            <a:r>
-              <a:rPr lang="en-US" sz="3500" dirty="0">
-                <a:latin typeface="Times New Roman" panose="02020603050405020304" pitchFamily="18" charset="0"/>
-                <a:cs typeface="Times New Roman" panose="02020603050405020304" pitchFamily="18" charset="0"/>
-              </a:rPr>
-              <a:t> fib(k)</a:t>
-            </a:r>
-          </a:p>
-        </p:txBody>
-      </p:sp>
-      <p:sp>
-        <p:nvSpPr>
-          <p:cNvPr id="11" name="TextBox 10">
-            <a:extLst>
-              <a:ext uri="{FF2B5EF4-FFF2-40B4-BE49-F238E27FC236}">
-                <a16:creationId xmlns:a16="http://schemas.microsoft.com/office/drawing/2014/main" id="{62532D2E-3632-45C5-9E57-6E8586888895}"/>
-              </a:ext>
-            </a:extLst>
-          </p:cNvPr>
-          <p:cNvSpPr txBox="1"/>
-          <p:nvPr/>
-        </p:nvSpPr>
-        <p:spPr>
-          <a:xfrm>
-            <a:off x="5272438" y="2042693"/>
-            <a:ext cx="6096000" cy="3361946"/>
-          </a:xfrm>
-          <a:prstGeom prst="rect">
-            <a:avLst/>
-          </a:prstGeom>
-        </p:spPr>
-        <p:style>
-          <a:lnRef idx="2">
-            <a:schemeClr val="dk1"/>
-          </a:lnRef>
-          <a:fillRef idx="1">
-            <a:schemeClr val="lt1"/>
-          </a:fillRef>
-          <a:effectRef idx="0">
-            <a:schemeClr val="dk1"/>
-          </a:effectRef>
-          <a:fontRef idx="minor">
-            <a:schemeClr val="dk1"/>
-          </a:fontRef>
-        </p:style>
-        <p:txBody>
-          <a:bodyPr wrap="square">
-            <a:spAutoFit/>
-          </a:bodyPr>
-          <a:lstStyle/>
-          <a:p>
-            <a:pPr>
-              <a:lnSpc>
-                <a:spcPct val="90000"/>
-              </a:lnSpc>
-              <a:spcBef>
-                <a:spcPts val="1000"/>
-              </a:spcBef>
-            </a:pPr>
-            <a:r>
-              <a:rPr lang="en-US" dirty="0">
-                <a:latin typeface="Times New Roman" panose="02020603050405020304" pitchFamily="18" charset="0"/>
-                <a:cs typeface="Times New Roman" panose="02020603050405020304" pitchFamily="18" charset="0"/>
-              </a:rPr>
-              <a:t>m</a:t>
-            </a:r>
-            <a:r>
-              <a:rPr lang="en-US" sz="1800" dirty="0">
-                <a:latin typeface="Times New Roman" panose="02020603050405020304" pitchFamily="18" charset="0"/>
-                <a:cs typeface="Times New Roman" panose="02020603050405020304" pitchFamily="18" charset="0"/>
-              </a:rPr>
-              <a:t>emo={}</a:t>
-            </a:r>
-          </a:p>
-          <a:p>
-            <a:pPr>
-              <a:lnSpc>
-                <a:spcPct val="90000"/>
-              </a:lnSpc>
-              <a:spcBef>
-                <a:spcPts val="1000"/>
-              </a:spcBef>
-            </a:pPr>
-            <a:r>
-              <a:rPr lang="en-US" sz="1800" dirty="0">
-                <a:latin typeface="Times New Roman" panose="02020603050405020304" pitchFamily="18" charset="0"/>
-                <a:cs typeface="Times New Roman" panose="02020603050405020304" pitchFamily="18" charset="0"/>
-              </a:rPr>
-              <a:t>def help(n):</a:t>
-            </a:r>
-          </a:p>
-          <a:p>
-            <a:pPr>
-              <a:lnSpc>
-                <a:spcPct val="90000"/>
-              </a:lnSpc>
-              <a:spcBef>
-                <a:spcPts val="1000"/>
-              </a:spcBef>
-            </a:pPr>
-            <a:r>
-              <a:rPr lang="en-US" sz="1800" dirty="0">
-                <a:latin typeface="Times New Roman" panose="02020603050405020304" pitchFamily="18" charset="0"/>
-                <a:cs typeface="Times New Roman" panose="02020603050405020304" pitchFamily="18" charset="0"/>
-              </a:rPr>
-              <a:t>        if n in memo:</a:t>
-            </a:r>
-          </a:p>
-          <a:p>
-            <a:pPr>
-              <a:lnSpc>
-                <a:spcPct val="90000"/>
-              </a:lnSpc>
-              <a:spcBef>
-                <a:spcPts val="1000"/>
-              </a:spcBef>
-            </a:pPr>
-            <a:r>
-              <a:rPr lang="en-US" dirty="0">
-                <a:latin typeface="Times New Roman" panose="02020603050405020304" pitchFamily="18" charset="0"/>
-                <a:cs typeface="Times New Roman" panose="02020603050405020304" pitchFamily="18" charset="0"/>
-              </a:rPr>
-              <a:t>               return memo[n]</a:t>
-            </a:r>
-            <a:endParaRPr lang="en-US" sz="1800" dirty="0">
-              <a:latin typeface="Times New Roman" panose="02020603050405020304" pitchFamily="18" charset="0"/>
-              <a:cs typeface="Times New Roman" panose="02020603050405020304" pitchFamily="18" charset="0"/>
-            </a:endParaRPr>
-          </a:p>
-          <a:p>
-            <a:pPr lvl="1">
-              <a:lnSpc>
-                <a:spcPct val="90000"/>
-              </a:lnSpc>
-              <a:spcBef>
-                <a:spcPts val="1000"/>
-              </a:spcBef>
-            </a:pPr>
-            <a:r>
-              <a:rPr lang="en-US" dirty="0">
-                <a:latin typeface="Times New Roman" panose="02020603050405020304" pitchFamily="18" charset="0"/>
-                <a:cs typeface="Times New Roman" panose="02020603050405020304" pitchFamily="18" charset="0"/>
-              </a:rPr>
-              <a:t>if n&lt;=2:</a:t>
-            </a:r>
-          </a:p>
-          <a:p>
-            <a:pPr lvl="1">
-              <a:lnSpc>
-                <a:spcPct val="90000"/>
-              </a:lnSpc>
-              <a:spcBef>
-                <a:spcPts val="1000"/>
-              </a:spcBef>
-            </a:pPr>
-            <a:r>
-              <a:rPr lang="en-US" dirty="0">
-                <a:latin typeface="Times New Roman" panose="02020603050405020304" pitchFamily="18" charset="0"/>
-                <a:cs typeface="Times New Roman" panose="02020603050405020304" pitchFamily="18" charset="0"/>
-              </a:rPr>
-              <a:t>       return 1</a:t>
-            </a:r>
-          </a:p>
-          <a:p>
-            <a:pPr lvl="1">
-              <a:lnSpc>
-                <a:spcPct val="90000"/>
-              </a:lnSpc>
-              <a:spcBef>
-                <a:spcPts val="1000"/>
-              </a:spcBef>
-            </a:pPr>
-            <a:r>
-              <a:rPr lang="en-US" dirty="0">
-                <a:latin typeface="Times New Roman" panose="02020603050405020304" pitchFamily="18" charset="0"/>
-                <a:cs typeface="Times New Roman" panose="02020603050405020304" pitchFamily="18" charset="0"/>
-              </a:rPr>
-              <a:t>result=help(n-1) + help(n-2)</a:t>
-            </a:r>
-          </a:p>
-          <a:p>
-            <a:pPr lvl="1">
-              <a:lnSpc>
-                <a:spcPct val="90000"/>
-              </a:lnSpc>
-              <a:spcBef>
-                <a:spcPts val="1000"/>
-              </a:spcBef>
-            </a:pPr>
-            <a:r>
-              <a:rPr lang="en-US" dirty="0">
-                <a:latin typeface="Times New Roman" panose="02020603050405020304" pitchFamily="18" charset="0"/>
-                <a:cs typeface="Times New Roman" panose="02020603050405020304" pitchFamily="18" charset="0"/>
-              </a:rPr>
-              <a:t>memo[n]=result</a:t>
-            </a:r>
-          </a:p>
-          <a:p>
-            <a:pPr lvl="1">
-              <a:lnSpc>
-                <a:spcPct val="90000"/>
-              </a:lnSpc>
-              <a:spcBef>
-                <a:spcPts val="1000"/>
-              </a:spcBef>
-            </a:pPr>
-            <a:r>
-              <a:rPr lang="en-US" dirty="0">
-                <a:latin typeface="Times New Roman" panose="02020603050405020304" pitchFamily="18" charset="0"/>
-                <a:cs typeface="Times New Roman" panose="02020603050405020304" pitchFamily="18" charset="0"/>
-              </a:rPr>
-              <a:t>return result</a:t>
-            </a:r>
-          </a:p>
-        </p:txBody>
-      </p:sp>
-    </p:spTree>
-    <p:extLst>
-      <p:ext uri="{BB962C8B-B14F-4D97-AF65-F5344CB8AC3E}">
-        <p14:creationId xmlns:p14="http://schemas.microsoft.com/office/powerpoint/2010/main" val="468889556"/>
-      </p:ext>
-    </p:extLst>
-  </p:cSld>
-  <p:clrMapOvr>
-    <a:masterClrMapping/>
-  </p:clrMapOvr>
-</p:sld>
-</file>
-
-<file path=ppt/slides/slide12.xml><?xml version="1.0" encoding="utf-8"?>
-<p:sld xmlns:a="http://schemas.openxmlformats.org/drawingml/2006/main" xmlns:r="http://schemas.openxmlformats.org/officeDocument/2006/relationships" xmlns:p="http://schemas.openxmlformats.org/presentationml/2006/main">
-  <p:cSld>
-    <p:bg>
-      <p:bgPr>
-        <a:solidFill>
-          <a:schemeClr val="bg1"/>
-        </a:solidFill>
-        <a:effectLst/>
-      </p:bgPr>
-    </p:bg>
-    <p:spTree>
-      <p:nvGrpSpPr>
-        <p:cNvPr id="1" name=""/>
-        <p:cNvGrpSpPr/>
-        <p:nvPr/>
-      </p:nvGrpSpPr>
-      <p:grpSpPr>
-        <a:xfrm>
-          <a:off x="0" y="0"/>
-          <a:ext cx="0" cy="0"/>
-          <a:chOff x="0" y="0"/>
-          <a:chExt cx="0" cy="0"/>
-        </a:xfrm>
-      </p:grpSpPr>
-      <p:sp useBgFill="1">
-        <p:nvSpPr>
-          <p:cNvPr id="15" name="Rectangle 14">
-            <a:extLst>
-              <a:ext uri="{FF2B5EF4-FFF2-40B4-BE49-F238E27FC236}">
-                <a16:creationId xmlns:a16="http://schemas.microsoft.com/office/drawing/2014/main" id="{33CD251C-A887-4D2F-925B-FC097198538B}"/>
-              </a:ext>
-              <a:ext uri="{C183D7F6-B498-43B3-948B-1728B52AA6E4}">
-                <adec:decorative xmlns:adec="http://schemas.microsoft.com/office/drawing/2017/decorative" val="1"/>
-              </a:ext>
-            </a:extLst>
-          </p:cNvPr>
-          <p:cNvSpPr>
-            <a:spLocks noGrp="1" noRot="1" noChangeAspect="1" noMove="1" noResize="1" noEditPoints="1" noAdjustHandles="1" noChangeArrowheads="1" noChangeShapeType="1" noTextEdit="1"/>
-          </p:cNvSpPr>
-          <p:nvPr>
-            <p:extLst>
-              <p:ext uri="{386F3935-93C4-4BCD-93E2-E3B085C9AB24}">
-                <p16:designElem xmlns:p16="http://schemas.microsoft.com/office/powerpoint/2015/main" val="1"/>
-              </p:ext>
-            </p:extLst>
-          </p:nvPr>
-        </p:nvSpPr>
-        <p:spPr>
-          <a:xfrm>
-            <a:off x="0" y="0"/>
-            <a:ext cx="12192000" cy="6858000"/>
-          </a:xfrm>
-          <a:prstGeom prst="rect">
-            <a:avLst/>
-          </a:prstGeom>
-          <a:ln>
-            <a:noFill/>
-          </a:ln>
-        </p:spPr>
-        <p:style>
-          <a:lnRef idx="2">
-            <a:schemeClr val="accent1">
-              <a:shade val="50000"/>
-            </a:schemeClr>
-          </a:lnRef>
-          <a:fillRef idx="1">
-            <a:schemeClr val="accent1"/>
-          </a:fillRef>
-          <a:effectRef idx="0">
-            <a:schemeClr val="accent1"/>
-          </a:effectRef>
-          <a:fontRef idx="minor">
-            <a:schemeClr val="lt1"/>
-          </a:fontRef>
-        </p:style>
-        <p:txBody>
-          <a:bodyPr rtlCol="0" anchor="ctr"/>
-          <a:lstStyle/>
-          <a:p>
-            <a:pPr algn="ctr"/>
-            <a:endParaRPr lang="en-US"/>
-          </a:p>
-        </p:txBody>
-      </p:sp>
-      <p:sp>
-        <p:nvSpPr>
-          <p:cNvPr id="17" name="Rectangle 16">
-            <a:extLst>
-              <a:ext uri="{FF2B5EF4-FFF2-40B4-BE49-F238E27FC236}">
-                <a16:creationId xmlns:a16="http://schemas.microsoft.com/office/drawing/2014/main" id="{B19D093C-27FB-4032-B282-42C4563F257C}"/>
-              </a:ext>
-              <a:ext uri="{C183D7F6-B498-43B3-948B-1728B52AA6E4}">
-                <adec:decorative xmlns:adec="http://schemas.microsoft.com/office/drawing/2017/decorative" val="1"/>
-              </a:ext>
-            </a:extLst>
-          </p:cNvPr>
-          <p:cNvSpPr>
-            <a:spLocks noGrp="1" noRot="1" noChangeAspect="1" noMove="1" noResize="1" noEditPoints="1" noAdjustHandles="1" noChangeArrowheads="1" noChangeShapeType="1" noTextEdit="1"/>
-          </p:cNvSpPr>
-          <p:nvPr>
-            <p:extLst>
-              <p:ext uri="{386F3935-93C4-4BCD-93E2-E3B085C9AB24}">
-                <p16:designElem xmlns:p16="http://schemas.microsoft.com/office/powerpoint/2015/main" val="1"/>
-              </p:ext>
-            </p:extLst>
-          </p:nvPr>
-        </p:nvSpPr>
-        <p:spPr>
-          <a:xfrm>
-            <a:off x="0" y="0"/>
-            <a:ext cx="4694548" cy="6858000"/>
-          </a:xfrm>
-          <a:prstGeom prst="rect">
-            <a:avLst/>
-          </a:prstGeom>
-          <a:solidFill>
-            <a:schemeClr val="tx1"/>
-          </a:solidFill>
-          <a:ln>
-            <a:noFill/>
-          </a:ln>
-        </p:spPr>
-        <p:style>
-          <a:lnRef idx="2">
-            <a:schemeClr val="accent1">
-              <a:shade val="50000"/>
-            </a:schemeClr>
-          </a:lnRef>
-          <a:fillRef idx="1">
-            <a:schemeClr val="accent1"/>
-          </a:fillRef>
-          <a:effectRef idx="0">
-            <a:schemeClr val="accent1"/>
-          </a:effectRef>
-          <a:fontRef idx="minor">
-            <a:schemeClr val="lt1"/>
-          </a:fontRef>
-        </p:style>
-        <p:txBody>
-          <a:bodyPr rtlCol="0" anchor="ctr"/>
-          <a:lstStyle/>
-          <a:p>
-            <a:pPr algn="ctr"/>
-            <a:endParaRPr lang="en-US"/>
-          </a:p>
-        </p:txBody>
-      </p:sp>
-      <p:sp>
-        <p:nvSpPr>
-          <p:cNvPr id="2" name="Title 1">
-            <a:extLst>
-              <a:ext uri="{FF2B5EF4-FFF2-40B4-BE49-F238E27FC236}">
-                <a16:creationId xmlns:a16="http://schemas.microsoft.com/office/drawing/2014/main" id="{8447F05B-A5B7-46CA-BE92-E579748ADCF0}"/>
-              </a:ext>
-            </a:extLst>
-          </p:cNvPr>
-          <p:cNvSpPr>
-            <a:spLocks noGrp="1"/>
-          </p:cNvSpPr>
-          <p:nvPr>
-            <p:ph type="title"/>
-          </p:nvPr>
-        </p:nvSpPr>
-        <p:spPr>
-          <a:xfrm>
-            <a:off x="926167" y="1780660"/>
-            <a:ext cx="3582073" cy="1463472"/>
-          </a:xfrm>
-        </p:spPr>
-        <p:txBody>
-          <a:bodyPr anchor="t">
-            <a:normAutofit/>
-          </a:bodyPr>
-          <a:lstStyle/>
-          <a:p>
-            <a:r>
-              <a:rPr lang="en-US" sz="4800" dirty="0">
-                <a:solidFill>
-                  <a:schemeClr val="bg1"/>
-                </a:solidFill>
-                <a:latin typeface="Times New Roman" panose="02020603050405020304" pitchFamily="18" charset="0"/>
-                <a:cs typeface="Times New Roman" panose="02020603050405020304" pitchFamily="18" charset="0"/>
-              </a:rPr>
-              <a:t>Tabulation</a:t>
-            </a:r>
-          </a:p>
-        </p:txBody>
-      </p:sp>
-      <p:grpSp>
-        <p:nvGrpSpPr>
-          <p:cNvPr id="19" name="Group 18">
-            <a:extLst>
-              <a:ext uri="{FF2B5EF4-FFF2-40B4-BE49-F238E27FC236}">
-                <a16:creationId xmlns:a16="http://schemas.microsoft.com/office/drawing/2014/main" id="{35EE815E-1BD3-4777-B652-6D98825BF66B}"/>
-              </a:ext>
-              <a:ext uri="{C183D7F6-B498-43B3-948B-1728B52AA6E4}">
-                <adec:decorative xmlns:adec="http://schemas.microsoft.com/office/drawing/2017/decorative" val="1"/>
-              </a:ext>
-            </a:extLst>
-          </p:cNvPr>
-          <p:cNvGrpSpPr>
-            <a:grpSpLocks noGrp="1" noUngrp="1" noRot="1" noChangeAspect="1" noMove="1" noResize="1"/>
-          </p:cNvGrpSpPr>
-          <p:nvPr>
-            <p:extLst>
-              <p:ext uri="{386F3935-93C4-4BCD-93E2-E3B085C9AB24}">
-                <p16:designElem xmlns:p16="http://schemas.microsoft.com/office/powerpoint/2015/main" val="1"/>
-              </p:ext>
-            </p:extLst>
-          </p:nvPr>
-        </p:nvGrpSpPr>
-        <p:grpSpPr>
-          <a:xfrm>
-            <a:off x="767290" y="681628"/>
-            <a:ext cx="1128382" cy="847206"/>
-            <a:chOff x="668003" y="1684057"/>
-            <a:chExt cx="1128382" cy="847206"/>
-          </a:xfrm>
-        </p:grpSpPr>
-        <p:sp>
-          <p:nvSpPr>
-            <p:cNvPr id="20" name="Freeform 5">
-              <a:extLst>
-                <a:ext uri="{FF2B5EF4-FFF2-40B4-BE49-F238E27FC236}">
-                  <a16:creationId xmlns:a16="http://schemas.microsoft.com/office/drawing/2014/main" id="{E6692982-4A7D-4392-87CD-F0CD4B027DDE}"/>
-                </a:ext>
-                <a:ext uri="{C183D7F6-B498-43B3-948B-1728B52AA6E4}">
-                  <adec:decorative xmlns:adec="http://schemas.microsoft.com/office/drawing/2017/decorative" val="1"/>
-                </a:ext>
-              </a:extLst>
-            </p:cNvPr>
-            <p:cNvSpPr>
-              <a:spLocks/>
-            </p:cNvSpPr>
-            <p:nvPr>
-              <p:extLst>
-                <p:ext uri="{386F3935-93C4-4BCD-93E2-E3B085C9AB24}">
-                  <p16:designElem xmlns:p16="http://schemas.microsoft.com/office/powerpoint/2015/main" val="1"/>
-                </p:ext>
-              </p:extLst>
-            </p:nvPr>
-          </p:nvSpPr>
-          <p:spPr bwMode="auto">
-            <a:xfrm>
-              <a:off x="668003" y="1935883"/>
-              <a:ext cx="675351" cy="595380"/>
-            </a:xfrm>
-            <a:custGeom>
-              <a:avLst/>
-              <a:gdLst>
-                <a:gd name="T0" fmla="*/ 225 w 785"/>
-                <a:gd name="T1" fmla="*/ 692 h 692"/>
-                <a:gd name="T2" fmla="*/ 177 w 785"/>
-                <a:gd name="T3" fmla="*/ 665 h 692"/>
-                <a:gd name="T4" fmla="*/ 9 w 785"/>
-                <a:gd name="T5" fmla="*/ 374 h 692"/>
-                <a:gd name="T6" fmla="*/ 9 w 785"/>
-                <a:gd name="T7" fmla="*/ 318 h 692"/>
-                <a:gd name="T8" fmla="*/ 177 w 785"/>
-                <a:gd name="T9" fmla="*/ 27 h 692"/>
-                <a:gd name="T10" fmla="*/ 225 w 785"/>
-                <a:gd name="T11" fmla="*/ 0 h 692"/>
-                <a:gd name="T12" fmla="*/ 561 w 785"/>
-                <a:gd name="T13" fmla="*/ 0 h 692"/>
-                <a:gd name="T14" fmla="*/ 609 w 785"/>
-                <a:gd name="T15" fmla="*/ 27 h 692"/>
-                <a:gd name="T16" fmla="*/ 777 w 785"/>
-                <a:gd name="T17" fmla="*/ 318 h 692"/>
-                <a:gd name="T18" fmla="*/ 777 w 785"/>
-                <a:gd name="T19" fmla="*/ 374 h 692"/>
-                <a:gd name="T20" fmla="*/ 609 w 785"/>
-                <a:gd name="T21" fmla="*/ 665 h 692"/>
-                <a:gd name="T22" fmla="*/ 561 w 785"/>
-                <a:gd name="T23" fmla="*/ 692 h 692"/>
-                <a:gd name="T24" fmla="*/ 225 w 785"/>
-                <a:gd name="T25" fmla="*/ 692 h 692"/>
-              </a:gdLst>
-              <a:ahLst/>
-              <a:cxnLst>
-                <a:cxn ang="0">
-                  <a:pos x="T0" y="T1"/>
-                </a:cxn>
-                <a:cxn ang="0">
-                  <a:pos x="T2" y="T3"/>
-                </a:cxn>
-                <a:cxn ang="0">
-                  <a:pos x="T4" y="T5"/>
-                </a:cxn>
-                <a:cxn ang="0">
-                  <a:pos x="T6" y="T7"/>
-                </a:cxn>
-                <a:cxn ang="0">
-                  <a:pos x="T8" y="T9"/>
-                </a:cxn>
-                <a:cxn ang="0">
-                  <a:pos x="T10" y="T11"/>
-                </a:cxn>
-                <a:cxn ang="0">
-                  <a:pos x="T12" y="T13"/>
-                </a:cxn>
-                <a:cxn ang="0">
-                  <a:pos x="T14" y="T15"/>
-                </a:cxn>
-                <a:cxn ang="0">
-                  <a:pos x="T16" y="T17"/>
-                </a:cxn>
-                <a:cxn ang="0">
-                  <a:pos x="T18" y="T19"/>
-                </a:cxn>
-                <a:cxn ang="0">
-                  <a:pos x="T20" y="T21"/>
-                </a:cxn>
-                <a:cxn ang="0">
-                  <a:pos x="T22" y="T23"/>
-                </a:cxn>
-                <a:cxn ang="0">
-                  <a:pos x="T24" y="T25"/>
-                </a:cxn>
-              </a:cxnLst>
-              <a:rect l="0" t="0" r="r" b="b"/>
-              <a:pathLst>
-                <a:path w="785" h="692">
-                  <a:moveTo>
-                    <a:pt x="225" y="692"/>
-                  </a:moveTo>
-                  <a:cubicBezTo>
-                    <a:pt x="207" y="692"/>
-                    <a:pt x="185" y="680"/>
-                    <a:pt x="177" y="665"/>
-                  </a:cubicBezTo>
-                  <a:cubicBezTo>
-                    <a:pt x="9" y="374"/>
-                    <a:pt x="9" y="374"/>
-                    <a:pt x="9" y="374"/>
-                  </a:cubicBezTo>
-                  <a:cubicBezTo>
-                    <a:pt x="0" y="358"/>
-                    <a:pt x="0" y="334"/>
-                    <a:pt x="9" y="318"/>
-                  </a:cubicBezTo>
-                  <a:cubicBezTo>
-                    <a:pt x="177" y="27"/>
-                    <a:pt x="177" y="27"/>
-                    <a:pt x="177" y="27"/>
-                  </a:cubicBezTo>
-                  <a:cubicBezTo>
-                    <a:pt x="185" y="12"/>
-                    <a:pt x="207" y="0"/>
-                    <a:pt x="225" y="0"/>
-                  </a:cubicBezTo>
-                  <a:cubicBezTo>
-                    <a:pt x="561" y="0"/>
-                    <a:pt x="561" y="0"/>
-                    <a:pt x="561" y="0"/>
-                  </a:cubicBezTo>
-                  <a:cubicBezTo>
-                    <a:pt x="578" y="0"/>
-                    <a:pt x="600" y="12"/>
-                    <a:pt x="609" y="27"/>
-                  </a:cubicBezTo>
-                  <a:cubicBezTo>
-                    <a:pt x="777" y="318"/>
-                    <a:pt x="777" y="318"/>
-                    <a:pt x="777" y="318"/>
-                  </a:cubicBezTo>
-                  <a:cubicBezTo>
-                    <a:pt x="785" y="334"/>
-                    <a:pt x="785" y="358"/>
-                    <a:pt x="777" y="374"/>
-                  </a:cubicBezTo>
-                  <a:cubicBezTo>
-                    <a:pt x="609" y="665"/>
-                    <a:pt x="609" y="665"/>
-                    <a:pt x="609" y="665"/>
-                  </a:cubicBezTo>
-                  <a:cubicBezTo>
-                    <a:pt x="600" y="680"/>
-                    <a:pt x="578" y="692"/>
-                    <a:pt x="561" y="692"/>
-                  </a:cubicBezTo>
-                  <a:lnTo>
-                    <a:pt x="225" y="692"/>
-                  </a:lnTo>
-                  <a:close/>
-                </a:path>
-              </a:pathLst>
-            </a:custGeom>
-            <a:noFill/>
-            <a:ln w="28575" cmpd="sng">
-              <a:solidFill>
-                <a:schemeClr val="bg1"/>
-              </a:solidFill>
-            </a:ln>
-          </p:spPr>
-          <p:txBody>
-            <a:bodyPr vert="horz" wrap="square" lIns="91440" tIns="45720" rIns="91440" bIns="45720" numCol="1" anchor="t" anchorCtr="0" compatLnSpc="1">
-              <a:prstTxWarp prst="textNoShape">
-                <a:avLst/>
-              </a:prstTxWarp>
-            </a:bodyPr>
-            <a:lstStyle/>
-            <a:p>
-              <a:endParaRPr lang="en-US"/>
-            </a:p>
-          </p:txBody>
-        </p:sp>
-        <p:sp>
-          <p:nvSpPr>
-            <p:cNvPr id="21" name="Freeform 5">
-              <a:extLst>
-                <a:ext uri="{FF2B5EF4-FFF2-40B4-BE49-F238E27FC236}">
-                  <a16:creationId xmlns:a16="http://schemas.microsoft.com/office/drawing/2014/main" id="{196485F7-F277-4123-AC53-98EA4C858774}"/>
-                </a:ext>
-                <a:ext uri="{C183D7F6-B498-43B3-948B-1728B52AA6E4}">
-                  <adec:decorative xmlns:adec="http://schemas.microsoft.com/office/drawing/2017/decorative" val="1"/>
-                </a:ext>
-              </a:extLst>
-            </p:cNvPr>
-            <p:cNvSpPr>
-              <a:spLocks/>
-            </p:cNvSpPr>
-            <p:nvPr>
-              <p:extLst>
-                <p:ext uri="{386F3935-93C4-4BCD-93E2-E3B085C9AB24}">
-                  <p16:designElem xmlns:p16="http://schemas.microsoft.com/office/powerpoint/2015/main" val="1"/>
-                </p:ext>
-              </p:extLst>
-            </p:nvPr>
-          </p:nvSpPr>
-          <p:spPr bwMode="auto">
-            <a:xfrm>
-              <a:off x="1245893" y="1684057"/>
-              <a:ext cx="550492" cy="485306"/>
-            </a:xfrm>
-            <a:custGeom>
-              <a:avLst/>
-              <a:gdLst>
-                <a:gd name="T0" fmla="*/ 225 w 785"/>
-                <a:gd name="T1" fmla="*/ 692 h 692"/>
-                <a:gd name="T2" fmla="*/ 177 w 785"/>
-                <a:gd name="T3" fmla="*/ 665 h 692"/>
-                <a:gd name="T4" fmla="*/ 9 w 785"/>
-                <a:gd name="T5" fmla="*/ 374 h 692"/>
-                <a:gd name="T6" fmla="*/ 9 w 785"/>
-                <a:gd name="T7" fmla="*/ 318 h 692"/>
-                <a:gd name="T8" fmla="*/ 177 w 785"/>
-                <a:gd name="T9" fmla="*/ 27 h 692"/>
-                <a:gd name="T10" fmla="*/ 225 w 785"/>
-                <a:gd name="T11" fmla="*/ 0 h 692"/>
-                <a:gd name="T12" fmla="*/ 561 w 785"/>
-                <a:gd name="T13" fmla="*/ 0 h 692"/>
-                <a:gd name="T14" fmla="*/ 609 w 785"/>
-                <a:gd name="T15" fmla="*/ 27 h 692"/>
-                <a:gd name="T16" fmla="*/ 777 w 785"/>
-                <a:gd name="T17" fmla="*/ 318 h 692"/>
-                <a:gd name="T18" fmla="*/ 777 w 785"/>
-                <a:gd name="T19" fmla="*/ 374 h 692"/>
-                <a:gd name="T20" fmla="*/ 609 w 785"/>
-                <a:gd name="T21" fmla="*/ 665 h 692"/>
-                <a:gd name="T22" fmla="*/ 561 w 785"/>
-                <a:gd name="T23" fmla="*/ 692 h 692"/>
-                <a:gd name="T24" fmla="*/ 225 w 785"/>
-                <a:gd name="T25" fmla="*/ 692 h 692"/>
-              </a:gdLst>
-              <a:ahLst/>
-              <a:cxnLst>
-                <a:cxn ang="0">
-                  <a:pos x="T0" y="T1"/>
-                </a:cxn>
-                <a:cxn ang="0">
-                  <a:pos x="T2" y="T3"/>
-                </a:cxn>
-                <a:cxn ang="0">
-                  <a:pos x="T4" y="T5"/>
-                </a:cxn>
-                <a:cxn ang="0">
-                  <a:pos x="T6" y="T7"/>
-                </a:cxn>
-                <a:cxn ang="0">
-                  <a:pos x="T8" y="T9"/>
-                </a:cxn>
-                <a:cxn ang="0">
-                  <a:pos x="T10" y="T11"/>
-                </a:cxn>
-                <a:cxn ang="0">
-                  <a:pos x="T12" y="T13"/>
-                </a:cxn>
-                <a:cxn ang="0">
-                  <a:pos x="T14" y="T15"/>
-                </a:cxn>
-                <a:cxn ang="0">
-                  <a:pos x="T16" y="T17"/>
-                </a:cxn>
-                <a:cxn ang="0">
-                  <a:pos x="T18" y="T19"/>
-                </a:cxn>
-                <a:cxn ang="0">
-                  <a:pos x="T20" y="T21"/>
-                </a:cxn>
-                <a:cxn ang="0">
-                  <a:pos x="T22" y="T23"/>
-                </a:cxn>
-                <a:cxn ang="0">
-                  <a:pos x="T24" y="T25"/>
-                </a:cxn>
-              </a:cxnLst>
-              <a:rect l="0" t="0" r="r" b="b"/>
-              <a:pathLst>
-                <a:path w="785" h="692">
-                  <a:moveTo>
-                    <a:pt x="225" y="692"/>
-                  </a:moveTo>
-                  <a:cubicBezTo>
-                    <a:pt x="207" y="692"/>
-                    <a:pt x="185" y="680"/>
-                    <a:pt x="177" y="665"/>
-                  </a:cubicBezTo>
-                  <a:cubicBezTo>
-                    <a:pt x="9" y="374"/>
-                    <a:pt x="9" y="374"/>
-                    <a:pt x="9" y="374"/>
-                  </a:cubicBezTo>
-                  <a:cubicBezTo>
-                    <a:pt x="0" y="358"/>
-                    <a:pt x="0" y="334"/>
-                    <a:pt x="9" y="318"/>
-                  </a:cubicBezTo>
-                  <a:cubicBezTo>
-                    <a:pt x="177" y="27"/>
-                    <a:pt x="177" y="27"/>
-                    <a:pt x="177" y="27"/>
-                  </a:cubicBezTo>
-                  <a:cubicBezTo>
-                    <a:pt x="185" y="12"/>
-                    <a:pt x="207" y="0"/>
-                    <a:pt x="225" y="0"/>
-                  </a:cubicBezTo>
-                  <a:cubicBezTo>
-                    <a:pt x="561" y="0"/>
-                    <a:pt x="561" y="0"/>
-                    <a:pt x="561" y="0"/>
-                  </a:cubicBezTo>
-                  <a:cubicBezTo>
-                    <a:pt x="578" y="0"/>
-                    <a:pt x="600" y="12"/>
-                    <a:pt x="609" y="27"/>
-                  </a:cubicBezTo>
-                  <a:cubicBezTo>
-                    <a:pt x="777" y="318"/>
-                    <a:pt x="777" y="318"/>
-                    <a:pt x="777" y="318"/>
-                  </a:cubicBezTo>
-                  <a:cubicBezTo>
-                    <a:pt x="785" y="334"/>
-                    <a:pt x="785" y="358"/>
-                    <a:pt x="777" y="374"/>
-                  </a:cubicBezTo>
-                  <a:cubicBezTo>
-                    <a:pt x="609" y="665"/>
-                    <a:pt x="609" y="665"/>
-                    <a:pt x="609" y="665"/>
-                  </a:cubicBezTo>
-                  <a:cubicBezTo>
-                    <a:pt x="600" y="680"/>
-                    <a:pt x="578" y="692"/>
-                    <a:pt x="561" y="692"/>
-                  </a:cubicBezTo>
-                  <a:lnTo>
-                    <a:pt x="225" y="692"/>
-                  </a:lnTo>
-                  <a:close/>
-                </a:path>
-              </a:pathLst>
-            </a:custGeom>
-            <a:noFill/>
-            <a:ln w="28575" cmpd="sng">
-              <a:solidFill>
-                <a:schemeClr val="bg1"/>
-              </a:solidFill>
-            </a:ln>
-          </p:spPr>
-          <p:txBody>
-            <a:bodyPr vert="horz" wrap="square" lIns="91440" tIns="45720" rIns="91440" bIns="45720" numCol="1" anchor="t" anchorCtr="0" compatLnSpc="1">
-              <a:prstTxWarp prst="textNoShape">
-                <a:avLst/>
-              </a:prstTxWarp>
-            </a:bodyPr>
-            <a:lstStyle/>
-            <a:p>
-              <a:endParaRPr lang="en-US"/>
-            </a:p>
-          </p:txBody>
-        </p:sp>
-      </p:grpSp>
-      <p:sp>
-        <p:nvSpPr>
-          <p:cNvPr id="3" name="Content Placeholder 2">
-            <a:extLst>
-              <a:ext uri="{FF2B5EF4-FFF2-40B4-BE49-F238E27FC236}">
-                <a16:creationId xmlns:a16="http://schemas.microsoft.com/office/drawing/2014/main" id="{D80EF20B-59D0-45D0-8779-E7269CD2097C}"/>
-              </a:ext>
-            </a:extLst>
-          </p:cNvPr>
-          <p:cNvSpPr>
-            <a:spLocks noGrp="1"/>
-          </p:cNvSpPr>
-          <p:nvPr>
-            <p:ph idx="1"/>
-          </p:nvPr>
-        </p:nvSpPr>
-        <p:spPr>
-          <a:xfrm>
-            <a:off x="556237" y="3006379"/>
-            <a:ext cx="3793125" cy="1931381"/>
-          </a:xfrm>
-        </p:spPr>
-        <p:txBody>
-          <a:bodyPr anchor="t">
-            <a:noAutofit/>
-          </a:bodyPr>
-          <a:lstStyle/>
-          <a:p>
-            <a:pPr marL="0" indent="0">
-              <a:buNone/>
-            </a:pPr>
-            <a:r>
-              <a:rPr lang="vi-VN" sz="2000" dirty="0">
-                <a:solidFill>
-                  <a:schemeClr val="bg1"/>
-                </a:solidFill>
-                <a:latin typeface="+mj-lt"/>
-                <a:cs typeface="Calibri" panose="020F0502020204030204" pitchFamily="34" charset="0"/>
-              </a:rPr>
-              <a:t>Tương tự như memoization. </a:t>
-            </a:r>
-            <a:r>
-              <a:rPr lang="vi-VN" sz="2000" b="0" i="0" dirty="0">
-                <a:solidFill>
-                  <a:schemeClr val="bg1"/>
-                </a:solidFill>
-                <a:effectLst/>
-                <a:latin typeface="+mj-lt"/>
-                <a:cs typeface="Calibri" panose="020F0502020204030204" pitchFamily="34" charset="0"/>
-              </a:rPr>
-              <a:t>nhưng với mỗi bài toán con, chúng ta sẽ nhìn về phía trước để xem phải giải bài toán tiếp theo như thế này từ bài toán hiện tại.</a:t>
-            </a:r>
-            <a:endParaRPr lang="en-US" sz="2000" b="0" i="0" dirty="0">
-              <a:solidFill>
-                <a:schemeClr val="bg1"/>
-              </a:solidFill>
-              <a:effectLst/>
-              <a:latin typeface="+mj-lt"/>
-              <a:cs typeface="Calibri" panose="020F0502020204030204" pitchFamily="34" charset="0"/>
-            </a:endParaRPr>
-          </a:p>
-        </p:txBody>
-      </p:sp>
-      <p:sp>
-        <p:nvSpPr>
-          <p:cNvPr id="4" name="Title 1">
-            <a:extLst>
-              <a:ext uri="{FF2B5EF4-FFF2-40B4-BE49-F238E27FC236}">
-                <a16:creationId xmlns:a16="http://schemas.microsoft.com/office/drawing/2014/main" id="{4179D798-6112-424F-8D57-3BB3A79EA4F4}"/>
-              </a:ext>
-            </a:extLst>
-          </p:cNvPr>
-          <p:cNvSpPr txBox="1">
-            <a:spLocks/>
-          </p:cNvSpPr>
-          <p:nvPr/>
-        </p:nvSpPr>
-        <p:spPr>
-          <a:xfrm>
-            <a:off x="5531497" y="938998"/>
-            <a:ext cx="5637246" cy="887049"/>
-          </a:xfrm>
-          <a:prstGeom prst="rect">
-            <a:avLst/>
-          </a:prstGeom>
-        </p:spPr>
-        <p:txBody>
-          <a:bodyPr vert="horz" lIns="91440" tIns="45720" rIns="91440" bIns="45720" rtlCol="0" anchor="ctr">
-            <a:normAutofit/>
-          </a:bodyPr>
-          <a:lstStyle>
-            <a:lvl1pPr algn="l" defTabSz="914400" rtl="0" eaLnBrk="1" latinLnBrk="0" hangingPunct="1">
-              <a:lnSpc>
-                <a:spcPct val="90000"/>
-              </a:lnSpc>
-              <a:spcBef>
-                <a:spcPct val="0"/>
-              </a:spcBef>
-              <a:buNone/>
-              <a:defRPr sz="4400" kern="1200">
-                <a:solidFill>
-                  <a:schemeClr val="tx1"/>
-                </a:solidFill>
-                <a:latin typeface="+mj-lt"/>
-                <a:ea typeface="+mj-ea"/>
-                <a:cs typeface="+mj-cs"/>
-              </a:defRPr>
-            </a:lvl1pPr>
-          </a:lstStyle>
-          <a:p>
-            <a:pPr>
-              <a:spcAft>
-                <a:spcPts val="600"/>
-              </a:spcAft>
-            </a:pPr>
-            <a:r>
-              <a:rPr lang="en-US" sz="4100" dirty="0" err="1">
-                <a:latin typeface="Times New Roman" panose="02020603050405020304" pitchFamily="18" charset="0"/>
-                <a:cs typeface="Times New Roman" panose="02020603050405020304" pitchFamily="18" charset="0"/>
-              </a:rPr>
-              <a:t>Ví</a:t>
-            </a:r>
-            <a:r>
-              <a:rPr lang="en-US" sz="4100" dirty="0">
-                <a:latin typeface="Times New Roman" panose="02020603050405020304" pitchFamily="18" charset="0"/>
-                <a:cs typeface="Times New Roman" panose="02020603050405020304" pitchFamily="18" charset="0"/>
-              </a:rPr>
-              <a:t> </a:t>
-            </a:r>
-            <a:r>
-              <a:rPr lang="en-US" sz="4100" dirty="0" err="1">
-                <a:latin typeface="Times New Roman" panose="02020603050405020304" pitchFamily="18" charset="0"/>
-                <a:cs typeface="Times New Roman" panose="02020603050405020304" pitchFamily="18" charset="0"/>
-              </a:rPr>
-              <a:t>dụ</a:t>
-            </a:r>
-            <a:r>
-              <a:rPr lang="en-US" sz="4100" dirty="0">
-                <a:latin typeface="Times New Roman" panose="02020603050405020304" pitchFamily="18" charset="0"/>
-                <a:cs typeface="Times New Roman" panose="02020603050405020304" pitchFamily="18" charset="0"/>
-              </a:rPr>
-              <a:t>: </a:t>
-            </a:r>
-            <a:r>
-              <a:rPr lang="en-US" sz="4100" dirty="0" err="1">
-                <a:latin typeface="Times New Roman" panose="02020603050405020304" pitchFamily="18" charset="0"/>
-                <a:cs typeface="Times New Roman" panose="02020603050405020304" pitchFamily="18" charset="0"/>
-              </a:rPr>
-              <a:t>Tính</a:t>
-            </a:r>
-            <a:r>
-              <a:rPr lang="en-US" sz="4100" dirty="0">
-                <a:latin typeface="Times New Roman" panose="02020603050405020304" pitchFamily="18" charset="0"/>
-                <a:cs typeface="Times New Roman" panose="02020603050405020304" pitchFamily="18" charset="0"/>
-              </a:rPr>
-              <a:t> </a:t>
-            </a:r>
-            <a:r>
-              <a:rPr lang="en-US" sz="4100" dirty="0" err="1">
-                <a:latin typeface="Times New Roman" panose="02020603050405020304" pitchFamily="18" charset="0"/>
-                <a:cs typeface="Times New Roman" panose="02020603050405020304" pitchFamily="18" charset="0"/>
-              </a:rPr>
-              <a:t>toán</a:t>
-            </a:r>
-            <a:r>
-              <a:rPr lang="en-US" sz="4100" dirty="0">
-                <a:latin typeface="Times New Roman" panose="02020603050405020304" pitchFamily="18" charset="0"/>
-                <a:cs typeface="Times New Roman" panose="02020603050405020304" pitchFamily="18" charset="0"/>
-              </a:rPr>
-              <a:t> </a:t>
-            </a:r>
-            <a:r>
-              <a:rPr lang="en-US" sz="4100" dirty="0" err="1">
-                <a:latin typeface="Times New Roman" panose="02020603050405020304" pitchFamily="18" charset="0"/>
-                <a:cs typeface="Times New Roman" panose="02020603050405020304" pitchFamily="18" charset="0"/>
-              </a:rPr>
-              <a:t>số</a:t>
-            </a:r>
-            <a:r>
-              <a:rPr lang="en-US" sz="4100" dirty="0">
-                <a:latin typeface="Times New Roman" panose="02020603050405020304" pitchFamily="18" charset="0"/>
-                <a:cs typeface="Times New Roman" panose="02020603050405020304" pitchFamily="18" charset="0"/>
-              </a:rPr>
-              <a:t> fib(k)</a:t>
-            </a:r>
-          </a:p>
-        </p:txBody>
-      </p:sp>
-      <p:sp>
-        <p:nvSpPr>
-          <p:cNvPr id="12" name="TextBox 11">
-            <a:extLst>
-              <a:ext uri="{FF2B5EF4-FFF2-40B4-BE49-F238E27FC236}">
-                <a16:creationId xmlns:a16="http://schemas.microsoft.com/office/drawing/2014/main" id="{C32DCB2F-F913-4D6D-B7BE-CA0B95E5C00B}"/>
-              </a:ext>
-            </a:extLst>
-          </p:cNvPr>
-          <p:cNvSpPr txBox="1"/>
-          <p:nvPr/>
-        </p:nvSpPr>
-        <p:spPr>
-          <a:xfrm>
-            <a:off x="5302120" y="2425087"/>
-            <a:ext cx="6096000" cy="2606867"/>
-          </a:xfrm>
-          <a:prstGeom prst="rect">
-            <a:avLst/>
-          </a:prstGeom>
-        </p:spPr>
-        <p:style>
-          <a:lnRef idx="2">
-            <a:schemeClr val="dk1"/>
-          </a:lnRef>
-          <a:fillRef idx="1">
-            <a:schemeClr val="lt1"/>
-          </a:fillRef>
-          <a:effectRef idx="0">
-            <a:schemeClr val="dk1"/>
-          </a:effectRef>
-          <a:fontRef idx="minor">
-            <a:schemeClr val="dk1"/>
-          </a:fontRef>
-        </p:style>
-        <p:txBody>
-          <a:bodyPr wrap="square">
-            <a:spAutoFit/>
-          </a:bodyPr>
-          <a:lstStyle/>
-          <a:p>
-            <a:pPr>
-              <a:lnSpc>
-                <a:spcPct val="90000"/>
-              </a:lnSpc>
-              <a:spcBef>
-                <a:spcPts val="1000"/>
-              </a:spcBef>
-            </a:pPr>
-            <a:r>
-              <a:rPr lang="en-US" sz="1800" dirty="0">
-                <a:latin typeface="Times New Roman" panose="02020603050405020304" pitchFamily="18" charset="0"/>
-                <a:cs typeface="Times New Roman" panose="02020603050405020304" pitchFamily="18" charset="0"/>
-              </a:rPr>
-              <a:t>def help(n):</a:t>
-            </a:r>
-          </a:p>
-          <a:p>
-            <a:pPr>
-              <a:lnSpc>
-                <a:spcPct val="90000"/>
-              </a:lnSpc>
-              <a:spcBef>
-                <a:spcPts val="1000"/>
-              </a:spcBef>
-            </a:pPr>
-            <a:r>
-              <a:rPr lang="en-US" sz="1800" dirty="0">
-                <a:latin typeface="Times New Roman" panose="02020603050405020304" pitchFamily="18" charset="0"/>
-                <a:cs typeface="Times New Roman" panose="02020603050405020304" pitchFamily="18" charset="0"/>
-              </a:rPr>
-              <a:t>	mem={}</a:t>
-            </a:r>
-          </a:p>
-          <a:p>
-            <a:pPr>
-              <a:lnSpc>
-                <a:spcPct val="90000"/>
-              </a:lnSpc>
-              <a:spcBef>
-                <a:spcPts val="1000"/>
-              </a:spcBef>
-            </a:pPr>
-            <a:r>
-              <a:rPr lang="en-US" dirty="0">
-                <a:latin typeface="Times New Roman" panose="02020603050405020304" pitchFamily="18" charset="0"/>
-                <a:cs typeface="Times New Roman" panose="02020603050405020304" pitchFamily="18" charset="0"/>
-              </a:rPr>
-              <a:t>	mem[0]=0</a:t>
-            </a:r>
-          </a:p>
-          <a:p>
-            <a:pPr>
-              <a:lnSpc>
-                <a:spcPct val="90000"/>
-              </a:lnSpc>
-              <a:spcBef>
-                <a:spcPts val="1000"/>
-              </a:spcBef>
-            </a:pPr>
-            <a:r>
-              <a:rPr lang="en-US" sz="1800" dirty="0">
-                <a:latin typeface="Times New Roman" panose="02020603050405020304" pitchFamily="18" charset="0"/>
-                <a:cs typeface="Times New Roman" panose="02020603050405020304" pitchFamily="18" charset="0"/>
-              </a:rPr>
-              <a:t>	mem[1]=1</a:t>
-            </a:r>
-          </a:p>
-          <a:p>
-            <a:pPr>
-              <a:lnSpc>
-                <a:spcPct val="90000"/>
-              </a:lnSpc>
-              <a:spcBef>
-                <a:spcPts val="1000"/>
-              </a:spcBef>
-            </a:pPr>
-            <a:r>
-              <a:rPr lang="en-US" dirty="0">
-                <a:latin typeface="Times New Roman" panose="02020603050405020304" pitchFamily="18" charset="0"/>
-                <a:cs typeface="Times New Roman" panose="02020603050405020304" pitchFamily="18" charset="0"/>
-              </a:rPr>
-              <a:t>	for i in range (2,n+1):</a:t>
-            </a:r>
-          </a:p>
-          <a:p>
-            <a:pPr>
-              <a:lnSpc>
-                <a:spcPct val="90000"/>
-              </a:lnSpc>
-              <a:spcBef>
-                <a:spcPts val="1000"/>
-              </a:spcBef>
-            </a:pPr>
-            <a:r>
-              <a:rPr lang="en-US" sz="1800" dirty="0">
-                <a:latin typeface="Times New Roman" panose="02020603050405020304" pitchFamily="18" charset="0"/>
-                <a:cs typeface="Times New Roman" panose="02020603050405020304" pitchFamily="18" charset="0"/>
-              </a:rPr>
-              <a:t>		mem[</a:t>
-            </a:r>
-            <a:r>
-              <a:rPr lang="en-US" sz="1800" dirty="0" err="1">
-                <a:latin typeface="Times New Roman" panose="02020603050405020304" pitchFamily="18" charset="0"/>
-                <a:cs typeface="Times New Roman" panose="02020603050405020304" pitchFamily="18" charset="0"/>
-              </a:rPr>
-              <a:t>i</a:t>
-            </a:r>
-            <a:r>
-              <a:rPr lang="en-US" sz="1800" dirty="0">
-                <a:latin typeface="Times New Roman" panose="02020603050405020304" pitchFamily="18" charset="0"/>
-                <a:cs typeface="Times New Roman" panose="02020603050405020304" pitchFamily="18" charset="0"/>
-              </a:rPr>
-              <a:t>]=mem[i-1]+mem[i-2]</a:t>
-            </a:r>
-          </a:p>
-          <a:p>
-            <a:pPr>
-              <a:lnSpc>
-                <a:spcPct val="90000"/>
-              </a:lnSpc>
-              <a:spcBef>
-                <a:spcPts val="1000"/>
-              </a:spcBef>
-            </a:pPr>
-            <a:r>
-              <a:rPr lang="en-US" dirty="0">
-                <a:latin typeface="Times New Roman" panose="02020603050405020304" pitchFamily="18" charset="0"/>
-                <a:cs typeface="Times New Roman" panose="02020603050405020304" pitchFamily="18" charset="0"/>
-              </a:rPr>
-              <a:t>	return mem[n]</a:t>
-            </a:r>
-            <a:endParaRPr lang="en-US" sz="1800" dirty="0">
-              <a:latin typeface="Times New Roman" panose="02020603050405020304" pitchFamily="18" charset="0"/>
-              <a:cs typeface="Times New Roman" panose="02020603050405020304" pitchFamily="18" charset="0"/>
-            </a:endParaRPr>
-          </a:p>
-        </p:txBody>
-      </p:sp>
-    </p:spTree>
-    <p:extLst>
-      <p:ext uri="{BB962C8B-B14F-4D97-AF65-F5344CB8AC3E}">
-        <p14:creationId xmlns:p14="http://schemas.microsoft.com/office/powerpoint/2010/main" val="1272611407"/>
-      </p:ext>
-    </p:extLst>
-  </p:cSld>
-  <p:clrMapOvr>
-    <a:masterClrMapping/>
-  </p:clrMapOvr>
-</p:sld>
-</file>
-
 <file path=ppt/slides/slide13.xml><?xml version="1.0" encoding="utf-8"?>
 <p:sld xmlns:a="http://schemas.openxmlformats.org/drawingml/2006/main" xmlns:r="http://schemas.openxmlformats.org/officeDocument/2006/relationships" xmlns:p="http://schemas.openxmlformats.org/presentationml/2006/main">
   <p:cSld>
@@ -13332,7 +13728,7 @@
           </a:bodyPr>
           <a:lstStyle/>
           <a:p>
-            <a:pPr marL="0" marR="0" lvl="0" indent="-228600" fontAlgn="auto">
+            <a:pPr marR="0" lvl="0" fontAlgn="auto">
               <a:lnSpc>
                 <a:spcPct val="90000"/>
               </a:lnSpc>
@@ -13344,13 +13740,11 @@
               </a:spcAft>
               <a:buClrTx/>
               <a:buSzTx/>
-              <a:buFont typeface="Arial" panose="020B0604020202020204" pitchFamily="34" charset="0"/>
-              <a:buChar char="•"/>
               <a:tabLst/>
               <a:defRPr/>
             </a:pPr>
             <a:r>
-              <a:rPr kumimoji="0" lang="en-US" sz="2000" b="0" i="0" u="none" strike="noStrike" cap="none" spc="0" normalizeH="0" baseline="0" noProof="0">
+              <a:rPr kumimoji="0" lang="en-US" sz="2000" b="0" i="0" u="none" strike="noStrike" cap="none" spc="0" normalizeH="0" baseline="0" noProof="0" dirty="0">
                 <a:ln>
                   <a:noFill/>
                 </a:ln>
@@ -30765,6 +31159,700 @@
       </p:grpSpPr>
       <p:sp useBgFill="1">
         <p:nvSpPr>
+          <p:cNvPr id="21" name="Rectangle 20">
+            <a:extLst>
+              <a:ext uri="{FF2B5EF4-FFF2-40B4-BE49-F238E27FC236}">
+                <a16:creationId xmlns:a16="http://schemas.microsoft.com/office/drawing/2014/main" id="{9AA72BD9-2C5A-4EDC-931F-5AA08EACA0F3}"/>
+              </a:ext>
+              <a:ext uri="{C183D7F6-B498-43B3-948B-1728B52AA6E4}">
+                <adec:decorative xmlns:adec="http://schemas.microsoft.com/office/drawing/2017/decorative" val="1"/>
+              </a:ext>
+            </a:extLst>
+          </p:cNvPr>
+          <p:cNvSpPr>
+            <a:spLocks noGrp="1" noRot="1" noChangeAspect="1" noMove="1" noResize="1" noEditPoints="1" noAdjustHandles="1" noChangeArrowheads="1" noChangeShapeType="1" noTextEdit="1"/>
+          </p:cNvSpPr>
+          <p:nvPr>
+            <p:extLst>
+              <p:ext uri="{386F3935-93C4-4BCD-93E2-E3B085C9AB24}">
+                <p16:designElem xmlns:p16="http://schemas.microsoft.com/office/powerpoint/2015/main" val="1"/>
+              </p:ext>
+            </p:extLst>
+          </p:nvPr>
+        </p:nvSpPr>
+        <p:spPr>
+          <a:xfrm>
+            <a:off x="0" y="0"/>
+            <a:ext cx="12192000" cy="6858000"/>
+          </a:xfrm>
+          <a:prstGeom prst="rect">
+            <a:avLst/>
+          </a:prstGeom>
+          <a:ln>
+            <a:noFill/>
+          </a:ln>
+        </p:spPr>
+        <p:style>
+          <a:lnRef idx="2">
+            <a:schemeClr val="accent1">
+              <a:shade val="50000"/>
+            </a:schemeClr>
+          </a:lnRef>
+          <a:fillRef idx="1">
+            <a:schemeClr val="accent1"/>
+          </a:fillRef>
+          <a:effectRef idx="0">
+            <a:schemeClr val="accent1"/>
+          </a:effectRef>
+          <a:fontRef idx="minor">
+            <a:schemeClr val="lt1"/>
+          </a:fontRef>
+        </p:style>
+        <p:txBody>
+          <a:bodyPr rtlCol="0" anchor="ctr"/>
+          <a:lstStyle/>
+          <a:p>
+            <a:pPr algn="ctr"/>
+            <a:endParaRPr lang="en-US"/>
+          </a:p>
+        </p:txBody>
+      </p:sp>
+      <p:pic>
+        <p:nvPicPr>
+          <p:cNvPr id="17" name="Picture 16" descr="Metal tic-tac-toe game pieces">
+            <a:extLst>
+              <a:ext uri="{FF2B5EF4-FFF2-40B4-BE49-F238E27FC236}">
+                <a16:creationId xmlns:a16="http://schemas.microsoft.com/office/drawing/2014/main" id="{B062E2F9-FE46-49DD-B7FF-62C381BF9CD5}"/>
+              </a:ext>
+            </a:extLst>
+          </p:cNvPr>
+          <p:cNvPicPr>
+            <a:picLocks noChangeAspect="1"/>
+          </p:cNvPicPr>
+          <p:nvPr/>
+        </p:nvPicPr>
+        <p:blipFill rotWithShape="1">
+          <a:blip r:embed="rId2"/>
+          <a:srcRect r="5189"/>
+          <a:stretch/>
+        </p:blipFill>
+        <p:spPr>
+          <a:xfrm>
+            <a:off x="3522468" y="10"/>
+            <a:ext cx="8669532" cy="6857990"/>
+          </a:xfrm>
+          <a:prstGeom prst="rect">
+            <a:avLst/>
+          </a:prstGeom>
+        </p:spPr>
+      </p:pic>
+      <p:sp>
+        <p:nvSpPr>
+          <p:cNvPr id="23" name="Rectangle 22">
+            <a:extLst>
+              <a:ext uri="{FF2B5EF4-FFF2-40B4-BE49-F238E27FC236}">
+                <a16:creationId xmlns:a16="http://schemas.microsoft.com/office/drawing/2014/main" id="{DD3981AC-7B61-4947-BCF3-F7AA7FA385B9}"/>
+              </a:ext>
+              <a:ext uri="{C183D7F6-B498-43B3-948B-1728B52AA6E4}">
+                <adec:decorative xmlns:adec="http://schemas.microsoft.com/office/drawing/2017/decorative" val="1"/>
+              </a:ext>
+            </a:extLst>
+          </p:cNvPr>
+          <p:cNvSpPr>
+            <a:spLocks noGrp="1" noRot="1" noChangeAspect="1" noMove="1" noResize="1" noEditPoints="1" noAdjustHandles="1" noChangeArrowheads="1" noChangeShapeType="1" noTextEdit="1"/>
+          </p:cNvSpPr>
+          <p:nvPr>
+            <p:extLst>
+              <p:ext uri="{386F3935-93C4-4BCD-93E2-E3B085C9AB24}">
+                <p16:designElem xmlns:p16="http://schemas.microsoft.com/office/powerpoint/2015/main" val="1"/>
+              </p:ext>
+            </p:extLst>
+          </p:nvPr>
+        </p:nvSpPr>
+        <p:spPr>
+          <a:xfrm>
+            <a:off x="2" y="0"/>
+            <a:ext cx="9756601" cy="6858000"/>
+          </a:xfrm>
+          <a:prstGeom prst="rect">
+            <a:avLst/>
+          </a:prstGeom>
+          <a:gradFill>
+            <a:gsLst>
+              <a:gs pos="58000">
+                <a:schemeClr val="bg1"/>
+              </a:gs>
+              <a:gs pos="35000">
+                <a:schemeClr val="bg1">
+                  <a:alpha val="78000"/>
+                </a:schemeClr>
+              </a:gs>
+              <a:gs pos="19000">
+                <a:schemeClr val="bg1">
+                  <a:alpha val="38000"/>
+                </a:schemeClr>
+              </a:gs>
+              <a:gs pos="0">
+                <a:schemeClr val="bg1">
+                  <a:alpha val="0"/>
+                </a:schemeClr>
+              </a:gs>
+              <a:gs pos="100000">
+                <a:schemeClr val="bg1"/>
+              </a:gs>
+            </a:gsLst>
+            <a:lin ang="10800000" scaled="0"/>
+          </a:gradFill>
+          <a:ln>
+            <a:noFill/>
+          </a:ln>
+        </p:spPr>
+        <p:style>
+          <a:lnRef idx="2">
+            <a:schemeClr val="accent1">
+              <a:shade val="50000"/>
+            </a:schemeClr>
+          </a:lnRef>
+          <a:fillRef idx="1">
+            <a:schemeClr val="accent1"/>
+          </a:fillRef>
+          <a:effectRef idx="0">
+            <a:schemeClr val="accent1"/>
+          </a:effectRef>
+          <a:fontRef idx="minor">
+            <a:schemeClr val="lt1"/>
+          </a:fontRef>
+        </p:style>
+        <p:txBody>
+          <a:bodyPr rtlCol="0" anchor="ctr"/>
+          <a:lstStyle/>
+          <a:p>
+            <a:pPr algn="ctr"/>
+            <a:endParaRPr lang="en-US" dirty="0"/>
+          </a:p>
+        </p:txBody>
+      </p:sp>
+      <p:sp>
+        <p:nvSpPr>
+          <p:cNvPr id="2" name="Title 1">
+            <a:extLst>
+              <a:ext uri="{FF2B5EF4-FFF2-40B4-BE49-F238E27FC236}">
+                <a16:creationId xmlns:a16="http://schemas.microsoft.com/office/drawing/2014/main" id="{5288E469-22C6-4495-BA3B-9DC8B46F3FCC}"/>
+              </a:ext>
+            </a:extLst>
+          </p:cNvPr>
+          <p:cNvSpPr>
+            <a:spLocks noGrp="1"/>
+          </p:cNvSpPr>
+          <p:nvPr>
+            <p:ph type="title"/>
+          </p:nvPr>
+        </p:nvSpPr>
+        <p:spPr>
+          <a:xfrm>
+            <a:off x="371094" y="1161288"/>
+            <a:ext cx="3438144" cy="1124712"/>
+          </a:xfrm>
+        </p:spPr>
+        <p:txBody>
+          <a:bodyPr anchor="b">
+            <a:normAutofit/>
+          </a:bodyPr>
+          <a:lstStyle/>
+          <a:p>
+            <a:r>
+              <a:rPr lang="en-US" sz="2800" dirty="0" err="1"/>
+              <a:t>Ứng</a:t>
+            </a:r>
+            <a:r>
+              <a:rPr lang="en-US" sz="2800" dirty="0"/>
+              <a:t> </a:t>
+            </a:r>
+            <a:r>
+              <a:rPr lang="en-US" sz="2800" dirty="0" err="1"/>
+              <a:t>dụng</a:t>
+            </a:r>
+            <a:endParaRPr lang="en-US" sz="2800" dirty="0"/>
+          </a:p>
+        </p:txBody>
+      </p:sp>
+      <p:sp>
+        <p:nvSpPr>
+          <p:cNvPr id="25" name="Rectangle 24">
+            <a:extLst>
+              <a:ext uri="{FF2B5EF4-FFF2-40B4-BE49-F238E27FC236}">
+                <a16:creationId xmlns:a16="http://schemas.microsoft.com/office/drawing/2014/main" id="{55D4142C-5077-457F-A6AD-3FECFDB39685}"/>
+              </a:ext>
+              <a:ext uri="{C183D7F6-B498-43B3-948B-1728B52AA6E4}">
+                <adec:decorative xmlns:adec="http://schemas.microsoft.com/office/drawing/2017/decorative" val="1"/>
+              </a:ext>
+            </a:extLst>
+          </p:cNvPr>
+          <p:cNvSpPr>
+            <a:spLocks noGrp="1" noRot="1" noChangeAspect="1" noMove="1" noResize="1" noEditPoints="1" noAdjustHandles="1" noChangeArrowheads="1" noChangeShapeType="1" noTextEdit="1"/>
+          </p:cNvSpPr>
+          <p:nvPr>
+            <p:extLst>
+              <p:ext uri="{386F3935-93C4-4BCD-93E2-E3B085C9AB24}">
+                <p16:designElem xmlns:p16="http://schemas.microsoft.com/office/powerpoint/2015/main" val="1"/>
+              </p:ext>
+            </p:extLst>
+          </p:nvPr>
+        </p:nvSpPr>
+        <p:spPr>
+          <a:xfrm rot="5400000">
+            <a:off x="662559" y="605790"/>
+            <a:ext cx="73152" cy="548640"/>
+          </a:xfrm>
+          <a:prstGeom prst="rect">
+            <a:avLst/>
+          </a:prstGeom>
+          <a:solidFill>
+            <a:schemeClr val="accent2"/>
+          </a:solidFill>
+          <a:ln>
+            <a:noFill/>
+          </a:ln>
+        </p:spPr>
+        <p:style>
+          <a:lnRef idx="2">
+            <a:schemeClr val="accent1">
+              <a:shade val="50000"/>
+            </a:schemeClr>
+          </a:lnRef>
+          <a:fillRef idx="1">
+            <a:schemeClr val="accent1"/>
+          </a:fillRef>
+          <a:effectRef idx="0">
+            <a:schemeClr val="accent1"/>
+          </a:effectRef>
+          <a:fontRef idx="minor">
+            <a:schemeClr val="lt1"/>
+          </a:fontRef>
+        </p:style>
+        <p:txBody>
+          <a:bodyPr rtlCol="0" anchor="ctr"/>
+          <a:lstStyle/>
+          <a:p>
+            <a:pPr algn="ctr"/>
+            <a:endParaRPr lang="en-US">
+              <a:solidFill>
+                <a:prstClr val="white"/>
+              </a:solidFill>
+              <a:latin typeface="Calibri" panose="020F0502020204030204"/>
+            </a:endParaRPr>
+          </a:p>
+        </p:txBody>
+      </p:sp>
+      <p:sp>
+        <p:nvSpPr>
+          <p:cNvPr id="27" name="Rectangle 26">
+            <a:extLst>
+              <a:ext uri="{FF2B5EF4-FFF2-40B4-BE49-F238E27FC236}">
+                <a16:creationId xmlns:a16="http://schemas.microsoft.com/office/drawing/2014/main" id="{7A5F0580-5EE9-419F-96EE-B6529EF6E7D0}"/>
+              </a:ext>
+              <a:ext uri="{C183D7F6-B498-43B3-948B-1728B52AA6E4}">
+                <adec:decorative xmlns:adec="http://schemas.microsoft.com/office/drawing/2017/decorative" val="1"/>
+              </a:ext>
+            </a:extLst>
+          </p:cNvPr>
+          <p:cNvSpPr>
+            <a:spLocks noGrp="1" noRot="1" noChangeAspect="1" noMove="1" noResize="1" noEditPoints="1" noAdjustHandles="1" noChangeArrowheads="1" noChangeShapeType="1" noTextEdit="1"/>
+          </p:cNvSpPr>
+          <p:nvPr>
+            <p:extLst>
+              <p:ext uri="{386F3935-93C4-4BCD-93E2-E3B085C9AB24}">
+                <p16:designElem xmlns:p16="http://schemas.microsoft.com/office/powerpoint/2015/main" val="1"/>
+              </p:ext>
+            </p:extLst>
+          </p:nvPr>
+        </p:nvSpPr>
+        <p:spPr>
+          <a:xfrm>
+            <a:off x="428244" y="2443480"/>
+            <a:ext cx="3300984" cy="18288"/>
+          </a:xfrm>
+          <a:prstGeom prst="rect">
+            <a:avLst/>
+          </a:prstGeom>
+          <a:solidFill>
+            <a:schemeClr val="tx1"/>
+          </a:solidFill>
+          <a:ln w="3175">
+            <a:noFill/>
+          </a:ln>
+          <a:effectLst/>
+        </p:spPr>
+        <p:style>
+          <a:lnRef idx="2">
+            <a:schemeClr val="accent1">
+              <a:shade val="50000"/>
+            </a:schemeClr>
+          </a:lnRef>
+          <a:fillRef idx="1">
+            <a:schemeClr val="accent1"/>
+          </a:fillRef>
+          <a:effectRef idx="0">
+            <a:schemeClr val="accent1"/>
+          </a:effectRef>
+          <a:fontRef idx="minor">
+            <a:schemeClr val="lt1"/>
+          </a:fontRef>
+        </p:style>
+        <p:txBody>
+          <a:bodyPr rtlCol="0" anchor="ctr"/>
+          <a:lstStyle/>
+          <a:p>
+            <a:pPr marL="0" marR="0" lvl="0" indent="0" algn="ctr" defTabSz="914400" rtl="0" eaLnBrk="1" fontAlgn="auto" latinLnBrk="0" hangingPunct="1">
+              <a:lnSpc>
+                <a:spcPct val="100000"/>
+              </a:lnSpc>
+              <a:spcBef>
+                <a:spcPts val="0"/>
+              </a:spcBef>
+              <a:spcAft>
+                <a:spcPts val="0"/>
+              </a:spcAft>
+              <a:buClrTx/>
+              <a:buSzTx/>
+              <a:buFontTx/>
+              <a:buNone/>
+              <a:tabLst/>
+              <a:defRPr/>
+            </a:pPr>
+            <a:endParaRPr kumimoji="0" lang="en-US" sz="1800" b="0" i="0" u="none" strike="noStrike" kern="1200" cap="none" spc="0" normalizeH="0" baseline="0" noProof="0">
+              <a:ln>
+                <a:noFill/>
+              </a:ln>
+              <a:solidFill>
+                <a:prstClr val="white"/>
+              </a:solidFill>
+              <a:effectLst/>
+              <a:uLnTx/>
+              <a:uFillTx/>
+              <a:latin typeface="Calibri" panose="020F0502020204030204"/>
+              <a:ea typeface="+mn-ea"/>
+              <a:cs typeface="+mn-cs"/>
+            </a:endParaRPr>
+          </a:p>
+        </p:txBody>
+      </p:sp>
+      <p:sp>
+        <p:nvSpPr>
+          <p:cNvPr id="3" name="Content Placeholder 2">
+            <a:extLst>
+              <a:ext uri="{FF2B5EF4-FFF2-40B4-BE49-F238E27FC236}">
+                <a16:creationId xmlns:a16="http://schemas.microsoft.com/office/drawing/2014/main" id="{D112C388-D236-48E0-A2D1-7B95660CD025}"/>
+              </a:ext>
+            </a:extLst>
+          </p:cNvPr>
+          <p:cNvSpPr>
+            <a:spLocks noGrp="1"/>
+          </p:cNvSpPr>
+          <p:nvPr>
+            <p:ph idx="1"/>
+          </p:nvPr>
+        </p:nvSpPr>
+        <p:spPr>
+          <a:xfrm>
+            <a:off x="371094" y="2718054"/>
+            <a:ext cx="3438906" cy="3207258"/>
+          </a:xfrm>
+        </p:spPr>
+        <p:txBody>
+          <a:bodyPr anchor="t">
+            <a:normAutofit/>
+          </a:bodyPr>
+          <a:lstStyle/>
+          <a:p>
+            <a:r>
+              <a:rPr lang="en-US" sz="2000" dirty="0" err="1"/>
+              <a:t>Được</a:t>
+            </a:r>
+            <a:r>
+              <a:rPr lang="en-US" sz="2000" dirty="0"/>
+              <a:t> </a:t>
+            </a:r>
+            <a:r>
+              <a:rPr lang="en-US" sz="2000" dirty="0" err="1"/>
+              <a:t>dùng</a:t>
+            </a:r>
+            <a:r>
+              <a:rPr lang="en-US" sz="2000" dirty="0"/>
+              <a:t> </a:t>
+            </a:r>
+            <a:r>
+              <a:rPr lang="en-US" sz="2000" dirty="0" err="1"/>
+              <a:t>rộng</a:t>
+            </a:r>
+            <a:r>
+              <a:rPr lang="en-US" sz="2000" dirty="0"/>
+              <a:t> </a:t>
+            </a:r>
+            <a:r>
+              <a:rPr lang="en-US" sz="2000" dirty="0" err="1"/>
+              <a:t>rãi</a:t>
+            </a:r>
+            <a:r>
+              <a:rPr lang="en-US" sz="2000" dirty="0"/>
+              <a:t> </a:t>
+            </a:r>
+            <a:r>
+              <a:rPr lang="en-US" sz="2000" dirty="0" err="1"/>
+              <a:t>trong</a:t>
+            </a:r>
+            <a:r>
+              <a:rPr lang="en-US" sz="2000" dirty="0"/>
+              <a:t> reinforcement learning(RF)</a:t>
+            </a:r>
+          </a:p>
+          <a:p>
+            <a:r>
+              <a:rPr lang="en-US" sz="2000" dirty="0" err="1"/>
+              <a:t>Liên</a:t>
+            </a:r>
+            <a:r>
+              <a:rPr lang="en-US" sz="2000" dirty="0"/>
+              <a:t> </a:t>
+            </a:r>
+            <a:r>
+              <a:rPr lang="en-US" sz="2000" dirty="0" err="1"/>
+              <a:t>hệ</a:t>
+            </a:r>
+            <a:r>
+              <a:rPr lang="en-US" sz="2000" dirty="0"/>
+              <a:t> </a:t>
+            </a:r>
+            <a:r>
+              <a:rPr lang="en-US" sz="2000" dirty="0" err="1"/>
+              <a:t>mật</a:t>
+            </a:r>
+            <a:r>
+              <a:rPr lang="en-US" sz="2000" dirty="0"/>
+              <a:t> </a:t>
+            </a:r>
+            <a:r>
+              <a:rPr lang="en-US" sz="2000" dirty="0" err="1"/>
+              <a:t>thiết</a:t>
+            </a:r>
+            <a:r>
+              <a:rPr lang="en-US" sz="2000" dirty="0"/>
+              <a:t> </a:t>
+            </a:r>
+            <a:r>
+              <a:rPr lang="en-US" sz="2000" dirty="0" err="1"/>
+              <a:t>đến</a:t>
+            </a:r>
+            <a:r>
+              <a:rPr lang="en-US" sz="2000" dirty="0"/>
+              <a:t> Q-learning do </a:t>
+            </a:r>
+            <a:r>
+              <a:rPr lang="en-US" sz="2000" dirty="0" err="1"/>
+              <a:t>cả</a:t>
+            </a:r>
+            <a:r>
+              <a:rPr lang="en-US" sz="2000" dirty="0"/>
+              <a:t> 2 </a:t>
+            </a:r>
+            <a:r>
+              <a:rPr lang="en-US" sz="2000" dirty="0" err="1"/>
+              <a:t>đều</a:t>
+            </a:r>
+            <a:r>
+              <a:rPr lang="en-US" sz="2000" dirty="0"/>
+              <a:t> </a:t>
+            </a:r>
+            <a:r>
+              <a:rPr lang="en-US" sz="2000" dirty="0" err="1"/>
+              <a:t>dựa</a:t>
+            </a:r>
+            <a:r>
+              <a:rPr lang="en-US" sz="2000" dirty="0"/>
+              <a:t> </a:t>
+            </a:r>
+            <a:r>
+              <a:rPr lang="en-US" sz="2000" dirty="0" err="1"/>
+              <a:t>trên</a:t>
+            </a:r>
+            <a:r>
+              <a:rPr lang="en-US" sz="2000" dirty="0"/>
+              <a:t> Bellman, </a:t>
+            </a:r>
+            <a:r>
+              <a:rPr lang="en-US" sz="2000" dirty="0" err="1"/>
+              <a:t>mà</a:t>
+            </a:r>
+            <a:r>
+              <a:rPr lang="en-US" sz="2000" dirty="0"/>
+              <a:t> </a:t>
+            </a:r>
+            <a:r>
+              <a:rPr lang="en-US" sz="2000" dirty="0" err="1"/>
+              <a:t>để</a:t>
+            </a:r>
+            <a:r>
+              <a:rPr lang="en-US" sz="2000" dirty="0"/>
+              <a:t> </a:t>
+            </a:r>
+            <a:r>
+              <a:rPr lang="en-US" sz="2000" dirty="0" err="1"/>
+              <a:t>dùng</a:t>
+            </a:r>
+            <a:r>
+              <a:rPr lang="en-US" sz="2000" dirty="0"/>
+              <a:t> </a:t>
+            </a:r>
+            <a:r>
+              <a:rPr lang="en-US" sz="2000" dirty="0" err="1"/>
+              <a:t>để</a:t>
+            </a:r>
+            <a:r>
+              <a:rPr lang="en-US" sz="2000" dirty="0"/>
+              <a:t> </a:t>
+            </a:r>
+            <a:r>
+              <a:rPr lang="en-US" sz="2000" dirty="0" err="1"/>
+              <a:t>tạo</a:t>
+            </a:r>
+            <a:r>
+              <a:rPr lang="en-US" sz="2000" dirty="0"/>
+              <a:t> ra </a:t>
+            </a:r>
+            <a:r>
+              <a:rPr lang="en-US" sz="2000" dirty="0" err="1"/>
+              <a:t>mạng</a:t>
+            </a:r>
+            <a:r>
+              <a:rPr lang="en-US" sz="2000" dirty="0"/>
+              <a:t> </a:t>
+            </a:r>
+            <a:r>
+              <a:rPr lang="en-US" sz="2000" dirty="0" err="1"/>
+              <a:t>lưới</a:t>
+            </a:r>
+            <a:r>
+              <a:rPr lang="en-US" sz="2000" dirty="0"/>
+              <a:t> </a:t>
+            </a:r>
+            <a:r>
+              <a:rPr lang="en-US" sz="2000" dirty="0" err="1"/>
+              <a:t>trí</a:t>
+            </a:r>
+            <a:r>
+              <a:rPr lang="en-US" sz="2000" dirty="0"/>
+              <a:t> </a:t>
+            </a:r>
+            <a:r>
+              <a:rPr lang="en-US" sz="2000" dirty="0" err="1"/>
+              <a:t>tuệ</a:t>
+            </a:r>
+            <a:r>
+              <a:rPr lang="en-US" sz="2000" dirty="0"/>
+              <a:t> </a:t>
+            </a:r>
+            <a:r>
+              <a:rPr lang="en-US" sz="2000" dirty="0" err="1"/>
+              <a:t>nhân</a:t>
+            </a:r>
+            <a:r>
+              <a:rPr lang="en-US" sz="2000" dirty="0"/>
+              <a:t> </a:t>
+            </a:r>
+            <a:r>
+              <a:rPr lang="en-US" sz="2000" dirty="0" err="1"/>
+              <a:t>tạo</a:t>
+            </a:r>
+            <a:endParaRPr lang="en-US" sz="2000" dirty="0"/>
+          </a:p>
+          <a:p>
+            <a:endParaRPr lang="en-US" sz="2000" dirty="0"/>
+          </a:p>
+        </p:txBody>
+      </p:sp>
+      <p:sp>
+        <p:nvSpPr>
+          <p:cNvPr id="4" name="Footer Placeholder 3">
+            <a:extLst>
+              <a:ext uri="{FF2B5EF4-FFF2-40B4-BE49-F238E27FC236}">
+                <a16:creationId xmlns:a16="http://schemas.microsoft.com/office/drawing/2014/main" id="{18489BDD-5DA6-48E8-AF98-5B98E0C76B89}"/>
+              </a:ext>
+            </a:extLst>
+          </p:cNvPr>
+          <p:cNvSpPr>
+            <a:spLocks noGrp="1"/>
+          </p:cNvSpPr>
+          <p:nvPr>
+            <p:ph type="ftr" sz="quarter" idx="11"/>
+          </p:nvPr>
+        </p:nvSpPr>
+        <p:spPr>
+          <a:xfrm>
+            <a:off x="4038600" y="6356350"/>
+            <a:ext cx="4114800" cy="365125"/>
+          </a:xfrm>
+        </p:spPr>
+        <p:txBody>
+          <a:bodyPr>
+            <a:normAutofit/>
+          </a:bodyPr>
+          <a:lstStyle/>
+          <a:p>
+            <a:pPr>
+              <a:lnSpc>
+                <a:spcPct val="90000"/>
+              </a:lnSpc>
+              <a:spcAft>
+                <a:spcPts val="600"/>
+              </a:spcAft>
+            </a:pPr>
+            <a:r>
+              <a:rPr lang="en-US" sz="900"/>
+              <a:t>https://www.geeksforgeeks.org/overlapping-subproblems-property-in-dynamic-programming-dp-1/</a:t>
+            </a:r>
+          </a:p>
+        </p:txBody>
+      </p:sp>
+    </p:spTree>
+    <p:extLst>
+      <p:ext uri="{BB962C8B-B14F-4D97-AF65-F5344CB8AC3E}">
+        <p14:creationId xmlns:p14="http://schemas.microsoft.com/office/powerpoint/2010/main" val="2956724743"/>
+      </p:ext>
+    </p:extLst>
+  </p:cSld>
+  <p:clrMapOvr>
+    <a:overrideClrMapping bg1="dk1" tx1="lt1" bg2="dk2" tx2="lt2" accent1="accent1" accent2="accent2" accent3="accent3" accent4="accent4" accent5="accent5" accent6="accent6" hlink="hlink" folHlink="folHlink"/>
+  </p:clrMapOvr>
+</p:sld>
+</file>
+
+<file path=ppt/slides/slide31.xml><?xml version="1.0" encoding="utf-8"?>
+<p:sld xmlns:a="http://schemas.openxmlformats.org/drawingml/2006/main" xmlns:r="http://schemas.openxmlformats.org/officeDocument/2006/relationships" xmlns:p="http://schemas.openxmlformats.org/presentationml/2006/main">
+  <p:cSld>
+    <p:bg>
+      <p:bgPr>
+        <a:solidFill>
+          <a:schemeClr val="bg1"/>
+        </a:solidFill>
+        <a:effectLst/>
+      </p:bgPr>
+    </p:bg>
+    <p:spTree>
+      <p:nvGrpSpPr>
+        <p:cNvPr id="1" name=""/>
+        <p:cNvGrpSpPr/>
+        <p:nvPr/>
+      </p:nvGrpSpPr>
+      <p:grpSpPr>
+        <a:xfrm>
+          <a:off x="0" y="0"/>
+          <a:ext cx="0" cy="0"/>
+          <a:chOff x="0" y="0"/>
+          <a:chExt cx="0" cy="0"/>
+        </a:xfrm>
+      </p:grpSpPr>
+      <p:sp useBgFill="1">
+        <p:nvSpPr>
           <p:cNvPr id="18" name="Rectangle 17">
             <a:extLst>
               <a:ext uri="{FF2B5EF4-FFF2-40B4-BE49-F238E27FC236}">
@@ -31170,6 +32258,12 @@
               <a:cs typeface="Times New Roman" panose="02020603050405020304" pitchFamily="18" charset="0"/>
             </a:endParaRPr>
           </a:p>
+          <a:p>
+            <a:endParaRPr lang="en-US" sz="2400" dirty="0">
+              <a:latin typeface="Times New Roman" panose="02020603050405020304" pitchFamily="18" charset="0"/>
+              <a:cs typeface="Times New Roman" panose="02020603050405020304" pitchFamily="18" charset="0"/>
+            </a:endParaRPr>
+          </a:p>
         </p:txBody>
       </p:sp>
       <p:sp>
@@ -31228,7 +32322,7 @@
 </p:sld>
 </file>
 
-<file path=ppt/slides/slide31.xml><?xml version="1.0" encoding="utf-8"?>
+<file path=ppt/slides/slide32.xml><?xml version="1.0" encoding="utf-8"?>
 <p:sld xmlns:a="http://schemas.openxmlformats.org/drawingml/2006/main" xmlns:r="http://schemas.openxmlformats.org/officeDocument/2006/relationships" xmlns:p="http://schemas.openxmlformats.org/presentationml/2006/main">
   <p:cSld>
     <p:bg>
@@ -34820,6 +35914,996 @@
       </p:grpSpPr>
       <p:sp useBgFill="1">
         <p:nvSpPr>
+          <p:cNvPr id="30" name="Rectangle 29">
+            <a:extLst>
+              <a:ext uri="{FF2B5EF4-FFF2-40B4-BE49-F238E27FC236}">
+                <a16:creationId xmlns:a16="http://schemas.microsoft.com/office/drawing/2014/main" id="{33CD251C-A887-4D2F-925B-FC097198538B}"/>
+              </a:ext>
+              <a:ext uri="{C183D7F6-B498-43B3-948B-1728B52AA6E4}">
+                <adec:decorative xmlns:adec="http://schemas.microsoft.com/office/drawing/2017/decorative" val="1"/>
+              </a:ext>
+            </a:extLst>
+          </p:cNvPr>
+          <p:cNvSpPr>
+            <a:spLocks noGrp="1" noRot="1" noChangeAspect="1" noMove="1" noResize="1" noEditPoints="1" noAdjustHandles="1" noChangeArrowheads="1" noChangeShapeType="1" noTextEdit="1"/>
+          </p:cNvSpPr>
+          <p:nvPr>
+            <p:extLst>
+              <p:ext uri="{386F3935-93C4-4BCD-93E2-E3B085C9AB24}">
+                <p16:designElem xmlns:p16="http://schemas.microsoft.com/office/powerpoint/2015/main" val="1"/>
+              </p:ext>
+            </p:extLst>
+          </p:nvPr>
+        </p:nvSpPr>
+        <p:spPr>
+          <a:xfrm>
+            <a:off x="0" y="0"/>
+            <a:ext cx="12192000" cy="6858000"/>
+          </a:xfrm>
+          <a:prstGeom prst="rect">
+            <a:avLst/>
+          </a:prstGeom>
+          <a:ln>
+            <a:noFill/>
+          </a:ln>
+        </p:spPr>
+        <p:style>
+          <a:lnRef idx="2">
+            <a:schemeClr val="accent1">
+              <a:shade val="50000"/>
+            </a:schemeClr>
+          </a:lnRef>
+          <a:fillRef idx="1">
+            <a:schemeClr val="accent1"/>
+          </a:fillRef>
+          <a:effectRef idx="0">
+            <a:schemeClr val="accent1"/>
+          </a:effectRef>
+          <a:fontRef idx="minor">
+            <a:schemeClr val="lt1"/>
+          </a:fontRef>
+        </p:style>
+        <p:txBody>
+          <a:bodyPr rtlCol="0" anchor="ctr"/>
+          <a:lstStyle/>
+          <a:p>
+            <a:pPr algn="ctr"/>
+            <a:endParaRPr lang="en-US"/>
+          </a:p>
+        </p:txBody>
+      </p:sp>
+      <p:sp>
+        <p:nvSpPr>
+          <p:cNvPr id="32" name="Rectangle 31">
+            <a:extLst>
+              <a:ext uri="{FF2B5EF4-FFF2-40B4-BE49-F238E27FC236}">
+                <a16:creationId xmlns:a16="http://schemas.microsoft.com/office/drawing/2014/main" id="{B19D093C-27FB-4032-B282-42C4563F257C}"/>
+              </a:ext>
+              <a:ext uri="{C183D7F6-B498-43B3-948B-1728B52AA6E4}">
+                <adec:decorative xmlns:adec="http://schemas.microsoft.com/office/drawing/2017/decorative" val="1"/>
+              </a:ext>
+            </a:extLst>
+          </p:cNvPr>
+          <p:cNvSpPr>
+            <a:spLocks noGrp="1" noRot="1" noChangeAspect="1" noMove="1" noResize="1" noEditPoints="1" noAdjustHandles="1" noChangeArrowheads="1" noChangeShapeType="1" noTextEdit="1"/>
+          </p:cNvSpPr>
+          <p:nvPr>
+            <p:extLst>
+              <p:ext uri="{386F3935-93C4-4BCD-93E2-E3B085C9AB24}">
+                <p16:designElem xmlns:p16="http://schemas.microsoft.com/office/powerpoint/2015/main" val="1"/>
+              </p:ext>
+            </p:extLst>
+          </p:nvPr>
+        </p:nvSpPr>
+        <p:spPr>
+          <a:xfrm>
+            <a:off x="0" y="0"/>
+            <a:ext cx="4694548" cy="6858000"/>
+          </a:xfrm>
+          <a:prstGeom prst="rect">
+            <a:avLst/>
+          </a:prstGeom>
+          <a:solidFill>
+            <a:schemeClr val="tx1"/>
+          </a:solidFill>
+          <a:ln>
+            <a:noFill/>
+          </a:ln>
+        </p:spPr>
+        <p:style>
+          <a:lnRef idx="2">
+            <a:schemeClr val="accent1">
+              <a:shade val="50000"/>
+            </a:schemeClr>
+          </a:lnRef>
+          <a:fillRef idx="1">
+            <a:schemeClr val="accent1"/>
+          </a:fillRef>
+          <a:effectRef idx="0">
+            <a:schemeClr val="accent1"/>
+          </a:effectRef>
+          <a:fontRef idx="minor">
+            <a:schemeClr val="lt1"/>
+          </a:fontRef>
+        </p:style>
+        <p:txBody>
+          <a:bodyPr rtlCol="0" anchor="ctr"/>
+          <a:lstStyle/>
+          <a:p>
+            <a:pPr algn="ctr"/>
+            <a:endParaRPr lang="en-US"/>
+          </a:p>
+        </p:txBody>
+      </p:sp>
+      <p:sp>
+        <p:nvSpPr>
+          <p:cNvPr id="2" name="Title 1">
+            <a:extLst>
+              <a:ext uri="{FF2B5EF4-FFF2-40B4-BE49-F238E27FC236}">
+                <a16:creationId xmlns:a16="http://schemas.microsoft.com/office/drawing/2014/main" id="{8F4DB5A8-54EB-4CB1-920B-27358FF145BA}"/>
+              </a:ext>
+            </a:extLst>
+          </p:cNvPr>
+          <p:cNvSpPr>
+            <a:spLocks noGrp="1"/>
+          </p:cNvSpPr>
+          <p:nvPr>
+            <p:ph type="title"/>
+          </p:nvPr>
+        </p:nvSpPr>
+        <p:spPr>
+          <a:xfrm>
+            <a:off x="767289" y="1780660"/>
+            <a:ext cx="3582073" cy="1463472"/>
+          </a:xfrm>
+        </p:spPr>
+        <p:txBody>
+          <a:bodyPr anchor="t">
+            <a:normAutofit/>
+          </a:bodyPr>
+          <a:lstStyle/>
+          <a:p>
+            <a:br>
+              <a:rPr lang="en-US" sz="4800" dirty="0">
+                <a:solidFill>
+                  <a:schemeClr val="bg1"/>
+                </a:solidFill>
+                <a:latin typeface="Times New Roman" panose="02020603050405020304" pitchFamily="18" charset="0"/>
+                <a:cs typeface="Times New Roman" panose="02020603050405020304" pitchFamily="18" charset="0"/>
+              </a:rPr>
+            </a:br>
+            <a:r>
+              <a:rPr lang="en-US" sz="4800" dirty="0" err="1">
+                <a:solidFill>
+                  <a:schemeClr val="bg1"/>
+                </a:solidFill>
+                <a:latin typeface="Times New Roman" panose="02020603050405020304" pitchFamily="18" charset="0"/>
+                <a:cs typeface="Times New Roman" panose="02020603050405020304" pitchFamily="18" charset="0"/>
+              </a:rPr>
+              <a:t>Memoization</a:t>
+            </a:r>
+            <a:endParaRPr lang="en-US" sz="4800" dirty="0">
+              <a:solidFill>
+                <a:schemeClr val="bg1"/>
+              </a:solidFill>
+              <a:latin typeface="Times New Roman" panose="02020603050405020304" pitchFamily="18" charset="0"/>
+              <a:cs typeface="Times New Roman" panose="02020603050405020304" pitchFamily="18" charset="0"/>
+            </a:endParaRPr>
+          </a:p>
+        </p:txBody>
+      </p:sp>
+      <p:grpSp>
+        <p:nvGrpSpPr>
+          <p:cNvPr id="34" name="Group 33">
+            <a:extLst>
+              <a:ext uri="{FF2B5EF4-FFF2-40B4-BE49-F238E27FC236}">
+                <a16:creationId xmlns:a16="http://schemas.microsoft.com/office/drawing/2014/main" id="{35EE815E-1BD3-4777-B652-6D98825BF66B}"/>
+              </a:ext>
+              <a:ext uri="{C183D7F6-B498-43B3-948B-1728B52AA6E4}">
+                <adec:decorative xmlns:adec="http://schemas.microsoft.com/office/drawing/2017/decorative" val="1"/>
+              </a:ext>
+            </a:extLst>
+          </p:cNvPr>
+          <p:cNvGrpSpPr>
+            <a:grpSpLocks noGrp="1" noUngrp="1" noRot="1" noChangeAspect="1" noMove="1" noResize="1"/>
+          </p:cNvGrpSpPr>
+          <p:nvPr>
+            <p:extLst>
+              <p:ext uri="{386F3935-93C4-4BCD-93E2-E3B085C9AB24}">
+                <p16:designElem xmlns:p16="http://schemas.microsoft.com/office/powerpoint/2015/main" val="1"/>
+              </p:ext>
+            </p:extLst>
+          </p:nvPr>
+        </p:nvGrpSpPr>
+        <p:grpSpPr>
+          <a:xfrm>
+            <a:off x="767290" y="681628"/>
+            <a:ext cx="1128382" cy="847206"/>
+            <a:chOff x="668003" y="1684057"/>
+            <a:chExt cx="1128382" cy="847206"/>
+          </a:xfrm>
+        </p:grpSpPr>
+        <p:sp>
+          <p:nvSpPr>
+            <p:cNvPr id="35" name="Freeform 5">
+              <a:extLst>
+                <a:ext uri="{FF2B5EF4-FFF2-40B4-BE49-F238E27FC236}">
+                  <a16:creationId xmlns:a16="http://schemas.microsoft.com/office/drawing/2014/main" id="{E6692982-4A7D-4392-87CD-F0CD4B027DDE}"/>
+                </a:ext>
+                <a:ext uri="{C183D7F6-B498-43B3-948B-1728B52AA6E4}">
+                  <adec:decorative xmlns:adec="http://schemas.microsoft.com/office/drawing/2017/decorative" val="1"/>
+                </a:ext>
+              </a:extLst>
+            </p:cNvPr>
+            <p:cNvSpPr>
+              <a:spLocks/>
+            </p:cNvSpPr>
+            <p:nvPr>
+              <p:extLst>
+                <p:ext uri="{386F3935-93C4-4BCD-93E2-E3B085C9AB24}">
+                  <p16:designElem xmlns:p16="http://schemas.microsoft.com/office/powerpoint/2015/main" val="1"/>
+                </p:ext>
+              </p:extLst>
+            </p:nvPr>
+          </p:nvSpPr>
+          <p:spPr bwMode="auto">
+            <a:xfrm>
+              <a:off x="668003" y="1935883"/>
+              <a:ext cx="675351" cy="595380"/>
+            </a:xfrm>
+            <a:custGeom>
+              <a:avLst/>
+              <a:gdLst>
+                <a:gd name="T0" fmla="*/ 225 w 785"/>
+                <a:gd name="T1" fmla="*/ 692 h 692"/>
+                <a:gd name="T2" fmla="*/ 177 w 785"/>
+                <a:gd name="T3" fmla="*/ 665 h 692"/>
+                <a:gd name="T4" fmla="*/ 9 w 785"/>
+                <a:gd name="T5" fmla="*/ 374 h 692"/>
+                <a:gd name="T6" fmla="*/ 9 w 785"/>
+                <a:gd name="T7" fmla="*/ 318 h 692"/>
+                <a:gd name="T8" fmla="*/ 177 w 785"/>
+                <a:gd name="T9" fmla="*/ 27 h 692"/>
+                <a:gd name="T10" fmla="*/ 225 w 785"/>
+                <a:gd name="T11" fmla="*/ 0 h 692"/>
+                <a:gd name="T12" fmla="*/ 561 w 785"/>
+                <a:gd name="T13" fmla="*/ 0 h 692"/>
+                <a:gd name="T14" fmla="*/ 609 w 785"/>
+                <a:gd name="T15" fmla="*/ 27 h 692"/>
+                <a:gd name="T16" fmla="*/ 777 w 785"/>
+                <a:gd name="T17" fmla="*/ 318 h 692"/>
+                <a:gd name="T18" fmla="*/ 777 w 785"/>
+                <a:gd name="T19" fmla="*/ 374 h 692"/>
+                <a:gd name="T20" fmla="*/ 609 w 785"/>
+                <a:gd name="T21" fmla="*/ 665 h 692"/>
+                <a:gd name="T22" fmla="*/ 561 w 785"/>
+                <a:gd name="T23" fmla="*/ 692 h 692"/>
+                <a:gd name="T24" fmla="*/ 225 w 785"/>
+                <a:gd name="T25" fmla="*/ 692 h 692"/>
+              </a:gdLst>
+              <a:ahLst/>
+              <a:cxnLst>
+                <a:cxn ang="0">
+                  <a:pos x="T0" y="T1"/>
+                </a:cxn>
+                <a:cxn ang="0">
+                  <a:pos x="T2" y="T3"/>
+                </a:cxn>
+                <a:cxn ang="0">
+                  <a:pos x="T4" y="T5"/>
+                </a:cxn>
+                <a:cxn ang="0">
+                  <a:pos x="T6" y="T7"/>
+                </a:cxn>
+                <a:cxn ang="0">
+                  <a:pos x="T8" y="T9"/>
+                </a:cxn>
+                <a:cxn ang="0">
+                  <a:pos x="T10" y="T11"/>
+                </a:cxn>
+                <a:cxn ang="0">
+                  <a:pos x="T12" y="T13"/>
+                </a:cxn>
+                <a:cxn ang="0">
+                  <a:pos x="T14" y="T15"/>
+                </a:cxn>
+                <a:cxn ang="0">
+                  <a:pos x="T16" y="T17"/>
+                </a:cxn>
+                <a:cxn ang="0">
+                  <a:pos x="T18" y="T19"/>
+                </a:cxn>
+                <a:cxn ang="0">
+                  <a:pos x="T20" y="T21"/>
+                </a:cxn>
+                <a:cxn ang="0">
+                  <a:pos x="T22" y="T23"/>
+                </a:cxn>
+                <a:cxn ang="0">
+                  <a:pos x="T24" y="T25"/>
+                </a:cxn>
+              </a:cxnLst>
+              <a:rect l="0" t="0" r="r" b="b"/>
+              <a:pathLst>
+                <a:path w="785" h="692">
+                  <a:moveTo>
+                    <a:pt x="225" y="692"/>
+                  </a:moveTo>
+                  <a:cubicBezTo>
+                    <a:pt x="207" y="692"/>
+                    <a:pt x="185" y="680"/>
+                    <a:pt x="177" y="665"/>
+                  </a:cubicBezTo>
+                  <a:cubicBezTo>
+                    <a:pt x="9" y="374"/>
+                    <a:pt x="9" y="374"/>
+                    <a:pt x="9" y="374"/>
+                  </a:cubicBezTo>
+                  <a:cubicBezTo>
+                    <a:pt x="0" y="358"/>
+                    <a:pt x="0" y="334"/>
+                    <a:pt x="9" y="318"/>
+                  </a:cubicBezTo>
+                  <a:cubicBezTo>
+                    <a:pt x="177" y="27"/>
+                    <a:pt x="177" y="27"/>
+                    <a:pt x="177" y="27"/>
+                  </a:cubicBezTo>
+                  <a:cubicBezTo>
+                    <a:pt x="185" y="12"/>
+                    <a:pt x="207" y="0"/>
+                    <a:pt x="225" y="0"/>
+                  </a:cubicBezTo>
+                  <a:cubicBezTo>
+                    <a:pt x="561" y="0"/>
+                    <a:pt x="561" y="0"/>
+                    <a:pt x="561" y="0"/>
+                  </a:cubicBezTo>
+                  <a:cubicBezTo>
+                    <a:pt x="578" y="0"/>
+                    <a:pt x="600" y="12"/>
+                    <a:pt x="609" y="27"/>
+                  </a:cubicBezTo>
+                  <a:cubicBezTo>
+                    <a:pt x="777" y="318"/>
+                    <a:pt x="777" y="318"/>
+                    <a:pt x="777" y="318"/>
+                  </a:cubicBezTo>
+                  <a:cubicBezTo>
+                    <a:pt x="785" y="334"/>
+                    <a:pt x="785" y="358"/>
+                    <a:pt x="777" y="374"/>
+                  </a:cubicBezTo>
+                  <a:cubicBezTo>
+                    <a:pt x="609" y="665"/>
+                    <a:pt x="609" y="665"/>
+                    <a:pt x="609" y="665"/>
+                  </a:cubicBezTo>
+                  <a:cubicBezTo>
+                    <a:pt x="600" y="680"/>
+                    <a:pt x="578" y="692"/>
+                    <a:pt x="561" y="692"/>
+                  </a:cubicBezTo>
+                  <a:lnTo>
+                    <a:pt x="225" y="692"/>
+                  </a:lnTo>
+                  <a:close/>
+                </a:path>
+              </a:pathLst>
+            </a:custGeom>
+            <a:noFill/>
+            <a:ln w="28575" cmpd="sng">
+              <a:solidFill>
+                <a:schemeClr val="bg1"/>
+              </a:solidFill>
+            </a:ln>
+          </p:spPr>
+          <p:txBody>
+            <a:bodyPr vert="horz" wrap="square" lIns="91440" tIns="45720" rIns="91440" bIns="45720" numCol="1" anchor="t" anchorCtr="0" compatLnSpc="1">
+              <a:prstTxWarp prst="textNoShape">
+                <a:avLst/>
+              </a:prstTxWarp>
+            </a:bodyPr>
+            <a:lstStyle/>
+            <a:p>
+              <a:endParaRPr lang="en-US"/>
+            </a:p>
+          </p:txBody>
+        </p:sp>
+        <p:sp>
+          <p:nvSpPr>
+            <p:cNvPr id="36" name="Freeform 5">
+              <a:extLst>
+                <a:ext uri="{FF2B5EF4-FFF2-40B4-BE49-F238E27FC236}">
+                  <a16:creationId xmlns:a16="http://schemas.microsoft.com/office/drawing/2014/main" id="{196485F7-F277-4123-AC53-98EA4C858774}"/>
+                </a:ext>
+                <a:ext uri="{C183D7F6-B498-43B3-948B-1728B52AA6E4}">
+                  <adec:decorative xmlns:adec="http://schemas.microsoft.com/office/drawing/2017/decorative" val="1"/>
+                </a:ext>
+              </a:extLst>
+            </p:cNvPr>
+            <p:cNvSpPr>
+              <a:spLocks/>
+            </p:cNvSpPr>
+            <p:nvPr>
+              <p:extLst>
+                <p:ext uri="{386F3935-93C4-4BCD-93E2-E3B085C9AB24}">
+                  <p16:designElem xmlns:p16="http://schemas.microsoft.com/office/powerpoint/2015/main" val="1"/>
+                </p:ext>
+              </p:extLst>
+            </p:nvPr>
+          </p:nvSpPr>
+          <p:spPr bwMode="auto">
+            <a:xfrm>
+              <a:off x="1245893" y="1684057"/>
+              <a:ext cx="550492" cy="485306"/>
+            </a:xfrm>
+            <a:custGeom>
+              <a:avLst/>
+              <a:gdLst>
+                <a:gd name="T0" fmla="*/ 225 w 785"/>
+                <a:gd name="T1" fmla="*/ 692 h 692"/>
+                <a:gd name="T2" fmla="*/ 177 w 785"/>
+                <a:gd name="T3" fmla="*/ 665 h 692"/>
+                <a:gd name="T4" fmla="*/ 9 w 785"/>
+                <a:gd name="T5" fmla="*/ 374 h 692"/>
+                <a:gd name="T6" fmla="*/ 9 w 785"/>
+                <a:gd name="T7" fmla="*/ 318 h 692"/>
+                <a:gd name="T8" fmla="*/ 177 w 785"/>
+                <a:gd name="T9" fmla="*/ 27 h 692"/>
+                <a:gd name="T10" fmla="*/ 225 w 785"/>
+                <a:gd name="T11" fmla="*/ 0 h 692"/>
+                <a:gd name="T12" fmla="*/ 561 w 785"/>
+                <a:gd name="T13" fmla="*/ 0 h 692"/>
+                <a:gd name="T14" fmla="*/ 609 w 785"/>
+                <a:gd name="T15" fmla="*/ 27 h 692"/>
+                <a:gd name="T16" fmla="*/ 777 w 785"/>
+                <a:gd name="T17" fmla="*/ 318 h 692"/>
+                <a:gd name="T18" fmla="*/ 777 w 785"/>
+                <a:gd name="T19" fmla="*/ 374 h 692"/>
+                <a:gd name="T20" fmla="*/ 609 w 785"/>
+                <a:gd name="T21" fmla="*/ 665 h 692"/>
+                <a:gd name="T22" fmla="*/ 561 w 785"/>
+                <a:gd name="T23" fmla="*/ 692 h 692"/>
+                <a:gd name="T24" fmla="*/ 225 w 785"/>
+                <a:gd name="T25" fmla="*/ 692 h 692"/>
+              </a:gdLst>
+              <a:ahLst/>
+              <a:cxnLst>
+                <a:cxn ang="0">
+                  <a:pos x="T0" y="T1"/>
+                </a:cxn>
+                <a:cxn ang="0">
+                  <a:pos x="T2" y="T3"/>
+                </a:cxn>
+                <a:cxn ang="0">
+                  <a:pos x="T4" y="T5"/>
+                </a:cxn>
+                <a:cxn ang="0">
+                  <a:pos x="T6" y="T7"/>
+                </a:cxn>
+                <a:cxn ang="0">
+                  <a:pos x="T8" y="T9"/>
+                </a:cxn>
+                <a:cxn ang="0">
+                  <a:pos x="T10" y="T11"/>
+                </a:cxn>
+                <a:cxn ang="0">
+                  <a:pos x="T12" y="T13"/>
+                </a:cxn>
+                <a:cxn ang="0">
+                  <a:pos x="T14" y="T15"/>
+                </a:cxn>
+                <a:cxn ang="0">
+                  <a:pos x="T16" y="T17"/>
+                </a:cxn>
+                <a:cxn ang="0">
+                  <a:pos x="T18" y="T19"/>
+                </a:cxn>
+                <a:cxn ang="0">
+                  <a:pos x="T20" y="T21"/>
+                </a:cxn>
+                <a:cxn ang="0">
+                  <a:pos x="T22" y="T23"/>
+                </a:cxn>
+                <a:cxn ang="0">
+                  <a:pos x="T24" y="T25"/>
+                </a:cxn>
+              </a:cxnLst>
+              <a:rect l="0" t="0" r="r" b="b"/>
+              <a:pathLst>
+                <a:path w="785" h="692">
+                  <a:moveTo>
+                    <a:pt x="225" y="692"/>
+                  </a:moveTo>
+                  <a:cubicBezTo>
+                    <a:pt x="207" y="692"/>
+                    <a:pt x="185" y="680"/>
+                    <a:pt x="177" y="665"/>
+                  </a:cubicBezTo>
+                  <a:cubicBezTo>
+                    <a:pt x="9" y="374"/>
+                    <a:pt x="9" y="374"/>
+                    <a:pt x="9" y="374"/>
+                  </a:cubicBezTo>
+                  <a:cubicBezTo>
+                    <a:pt x="0" y="358"/>
+                    <a:pt x="0" y="334"/>
+                    <a:pt x="9" y="318"/>
+                  </a:cubicBezTo>
+                  <a:cubicBezTo>
+                    <a:pt x="177" y="27"/>
+                    <a:pt x="177" y="27"/>
+                    <a:pt x="177" y="27"/>
+                  </a:cubicBezTo>
+                  <a:cubicBezTo>
+                    <a:pt x="185" y="12"/>
+                    <a:pt x="207" y="0"/>
+                    <a:pt x="225" y="0"/>
+                  </a:cubicBezTo>
+                  <a:cubicBezTo>
+                    <a:pt x="561" y="0"/>
+                    <a:pt x="561" y="0"/>
+                    <a:pt x="561" y="0"/>
+                  </a:cubicBezTo>
+                  <a:cubicBezTo>
+                    <a:pt x="578" y="0"/>
+                    <a:pt x="600" y="12"/>
+                    <a:pt x="609" y="27"/>
+                  </a:cubicBezTo>
+                  <a:cubicBezTo>
+                    <a:pt x="777" y="318"/>
+                    <a:pt x="777" y="318"/>
+                    <a:pt x="777" y="318"/>
+                  </a:cubicBezTo>
+                  <a:cubicBezTo>
+                    <a:pt x="785" y="334"/>
+                    <a:pt x="785" y="358"/>
+                    <a:pt x="777" y="374"/>
+                  </a:cubicBezTo>
+                  <a:cubicBezTo>
+                    <a:pt x="609" y="665"/>
+                    <a:pt x="609" y="665"/>
+                    <a:pt x="609" y="665"/>
+                  </a:cubicBezTo>
+                  <a:cubicBezTo>
+                    <a:pt x="600" y="680"/>
+                    <a:pt x="578" y="692"/>
+                    <a:pt x="561" y="692"/>
+                  </a:cubicBezTo>
+                  <a:lnTo>
+                    <a:pt x="225" y="692"/>
+                  </a:lnTo>
+                  <a:close/>
+                </a:path>
+              </a:pathLst>
+            </a:custGeom>
+            <a:noFill/>
+            <a:ln w="28575" cmpd="sng">
+              <a:solidFill>
+                <a:schemeClr val="bg1"/>
+              </a:solidFill>
+            </a:ln>
+          </p:spPr>
+          <p:txBody>
+            <a:bodyPr vert="horz" wrap="square" lIns="91440" tIns="45720" rIns="91440" bIns="45720" numCol="1" anchor="t" anchorCtr="0" compatLnSpc="1">
+              <a:prstTxWarp prst="textNoShape">
+                <a:avLst/>
+              </a:prstTxWarp>
+            </a:bodyPr>
+            <a:lstStyle/>
+            <a:p>
+              <a:endParaRPr lang="en-US"/>
+            </a:p>
+          </p:txBody>
+        </p:sp>
+      </p:grpSp>
+      <p:sp>
+        <p:nvSpPr>
+          <p:cNvPr id="3" name="Content Placeholder 2">
+            <a:extLst>
+              <a:ext uri="{FF2B5EF4-FFF2-40B4-BE49-F238E27FC236}">
+                <a16:creationId xmlns:a16="http://schemas.microsoft.com/office/drawing/2014/main" id="{E8A4BD70-8BEE-4A30-994C-1B8A7940503C}"/>
+              </a:ext>
+            </a:extLst>
+          </p:cNvPr>
+          <p:cNvSpPr>
+            <a:spLocks noGrp="1"/>
+          </p:cNvSpPr>
+          <p:nvPr>
+            <p:ph idx="1"/>
+          </p:nvPr>
+        </p:nvSpPr>
+        <p:spPr>
+          <a:xfrm>
+            <a:off x="767290" y="3309495"/>
+            <a:ext cx="3582072" cy="2793251"/>
+          </a:xfrm>
+        </p:spPr>
+        <p:txBody>
+          <a:bodyPr anchor="t">
+            <a:normAutofit/>
+          </a:bodyPr>
+          <a:lstStyle/>
+          <a:p>
+            <a:pPr marL="0" indent="0">
+              <a:buNone/>
+            </a:pPr>
+            <a:r>
+              <a:rPr lang="vi-VN" sz="2000" dirty="0">
+                <a:solidFill>
+                  <a:schemeClr val="bg1"/>
+                </a:solidFill>
+                <a:latin typeface="+mj-lt"/>
+              </a:rPr>
+              <a:t>lưu trữ kết quả của các câu gọi function và trả về các kết quả này khi function được gọi với cùng input đã gọi.</a:t>
+            </a:r>
+            <a:endParaRPr lang="en-US" sz="2000" dirty="0">
+              <a:solidFill>
+                <a:schemeClr val="bg1"/>
+              </a:solidFill>
+              <a:latin typeface="+mj-lt"/>
+            </a:endParaRPr>
+          </a:p>
+        </p:txBody>
+      </p:sp>
+      <p:sp>
+        <p:nvSpPr>
+          <p:cNvPr id="4" name="Title 1">
+            <a:extLst>
+              <a:ext uri="{FF2B5EF4-FFF2-40B4-BE49-F238E27FC236}">
+                <a16:creationId xmlns:a16="http://schemas.microsoft.com/office/drawing/2014/main" id="{0E7551FF-D55B-4F0A-B35E-1F3B4F27D4BB}"/>
+              </a:ext>
+            </a:extLst>
+          </p:cNvPr>
+          <p:cNvSpPr txBox="1">
+            <a:spLocks/>
+          </p:cNvSpPr>
+          <p:nvPr/>
+        </p:nvSpPr>
+        <p:spPr>
+          <a:xfrm>
+            <a:off x="5272438" y="870525"/>
+            <a:ext cx="5596812" cy="592818"/>
+          </a:xfrm>
+          <a:prstGeom prst="rect">
+            <a:avLst/>
+          </a:prstGeom>
+        </p:spPr>
+        <p:txBody>
+          <a:bodyPr vert="horz" lIns="91440" tIns="45720" rIns="91440" bIns="45720" rtlCol="0" anchor="ctr">
+            <a:normAutofit/>
+          </a:bodyPr>
+          <a:lstStyle>
+            <a:lvl1pPr algn="l" defTabSz="914400" rtl="0" eaLnBrk="1" latinLnBrk="0" hangingPunct="1">
+              <a:lnSpc>
+                <a:spcPct val="90000"/>
+              </a:lnSpc>
+              <a:spcBef>
+                <a:spcPct val="0"/>
+              </a:spcBef>
+              <a:buNone/>
+              <a:defRPr sz="4400" kern="1200">
+                <a:solidFill>
+                  <a:schemeClr val="tx1"/>
+                </a:solidFill>
+                <a:latin typeface="+mj-lt"/>
+                <a:ea typeface="+mj-ea"/>
+                <a:cs typeface="+mj-cs"/>
+              </a:defRPr>
+            </a:lvl1pPr>
+          </a:lstStyle>
+          <a:p>
+            <a:pPr>
+              <a:spcAft>
+                <a:spcPts val="600"/>
+              </a:spcAft>
+            </a:pPr>
+            <a:r>
+              <a:rPr lang="en-US" sz="3500" dirty="0" err="1">
+                <a:latin typeface="Times New Roman" panose="02020603050405020304" pitchFamily="18" charset="0"/>
+                <a:cs typeface="Times New Roman" panose="02020603050405020304" pitchFamily="18" charset="0"/>
+              </a:rPr>
+              <a:t>Ví</a:t>
+            </a:r>
+            <a:r>
+              <a:rPr lang="en-US" sz="3500" dirty="0">
+                <a:latin typeface="Times New Roman" panose="02020603050405020304" pitchFamily="18" charset="0"/>
+                <a:cs typeface="Times New Roman" panose="02020603050405020304" pitchFamily="18" charset="0"/>
+              </a:rPr>
+              <a:t> </a:t>
+            </a:r>
+            <a:r>
+              <a:rPr lang="en-US" sz="3500" dirty="0" err="1">
+                <a:latin typeface="Times New Roman" panose="02020603050405020304" pitchFamily="18" charset="0"/>
+                <a:cs typeface="Times New Roman" panose="02020603050405020304" pitchFamily="18" charset="0"/>
+              </a:rPr>
+              <a:t>dụ:Tính</a:t>
+            </a:r>
+            <a:r>
+              <a:rPr lang="en-US" sz="3500" dirty="0">
+                <a:latin typeface="Times New Roman" panose="02020603050405020304" pitchFamily="18" charset="0"/>
+                <a:cs typeface="Times New Roman" panose="02020603050405020304" pitchFamily="18" charset="0"/>
+              </a:rPr>
+              <a:t> </a:t>
+            </a:r>
+            <a:r>
+              <a:rPr lang="en-US" sz="3500" dirty="0" err="1">
+                <a:latin typeface="Times New Roman" panose="02020603050405020304" pitchFamily="18" charset="0"/>
+                <a:cs typeface="Times New Roman" panose="02020603050405020304" pitchFamily="18" charset="0"/>
+              </a:rPr>
+              <a:t>toán</a:t>
+            </a:r>
+            <a:r>
+              <a:rPr lang="en-US" sz="3500" dirty="0">
+                <a:latin typeface="Times New Roman" panose="02020603050405020304" pitchFamily="18" charset="0"/>
+                <a:cs typeface="Times New Roman" panose="02020603050405020304" pitchFamily="18" charset="0"/>
+              </a:rPr>
+              <a:t> </a:t>
+            </a:r>
+            <a:r>
+              <a:rPr lang="en-US" sz="3500" dirty="0" err="1">
+                <a:latin typeface="Times New Roman" panose="02020603050405020304" pitchFamily="18" charset="0"/>
+                <a:cs typeface="Times New Roman" panose="02020603050405020304" pitchFamily="18" charset="0"/>
+              </a:rPr>
+              <a:t>số</a:t>
+            </a:r>
+            <a:r>
+              <a:rPr lang="en-US" sz="3500" dirty="0">
+                <a:latin typeface="Times New Roman" panose="02020603050405020304" pitchFamily="18" charset="0"/>
+                <a:cs typeface="Times New Roman" panose="02020603050405020304" pitchFamily="18" charset="0"/>
+              </a:rPr>
+              <a:t> fib(k)</a:t>
+            </a:r>
+          </a:p>
+        </p:txBody>
+      </p:sp>
+      <p:sp>
+        <p:nvSpPr>
+          <p:cNvPr id="11" name="TextBox 10">
+            <a:extLst>
+              <a:ext uri="{FF2B5EF4-FFF2-40B4-BE49-F238E27FC236}">
+                <a16:creationId xmlns:a16="http://schemas.microsoft.com/office/drawing/2014/main" id="{62532D2E-3632-45C5-9E57-6E8586888895}"/>
+              </a:ext>
+            </a:extLst>
+          </p:cNvPr>
+          <p:cNvSpPr txBox="1"/>
+          <p:nvPr/>
+        </p:nvSpPr>
+        <p:spPr>
+          <a:xfrm>
+            <a:off x="5272438" y="2042693"/>
+            <a:ext cx="6096000" cy="3361946"/>
+          </a:xfrm>
+          <a:prstGeom prst="rect">
+            <a:avLst/>
+          </a:prstGeom>
+        </p:spPr>
+        <p:style>
+          <a:lnRef idx="2">
+            <a:schemeClr val="dk1"/>
+          </a:lnRef>
+          <a:fillRef idx="1">
+            <a:schemeClr val="lt1"/>
+          </a:fillRef>
+          <a:effectRef idx="0">
+            <a:schemeClr val="dk1"/>
+          </a:effectRef>
+          <a:fontRef idx="minor">
+            <a:schemeClr val="dk1"/>
+          </a:fontRef>
+        </p:style>
+        <p:txBody>
+          <a:bodyPr wrap="square">
+            <a:spAutoFit/>
+          </a:bodyPr>
+          <a:lstStyle/>
+          <a:p>
+            <a:pPr>
+              <a:lnSpc>
+                <a:spcPct val="90000"/>
+              </a:lnSpc>
+              <a:spcBef>
+                <a:spcPts val="1000"/>
+              </a:spcBef>
+            </a:pPr>
+            <a:r>
+              <a:rPr lang="en-US" dirty="0">
+                <a:latin typeface="Times New Roman" panose="02020603050405020304" pitchFamily="18" charset="0"/>
+                <a:cs typeface="Times New Roman" panose="02020603050405020304" pitchFamily="18" charset="0"/>
+              </a:rPr>
+              <a:t>m</a:t>
+            </a:r>
+            <a:r>
+              <a:rPr lang="en-US" sz="1800" dirty="0">
+                <a:latin typeface="Times New Roman" panose="02020603050405020304" pitchFamily="18" charset="0"/>
+                <a:cs typeface="Times New Roman" panose="02020603050405020304" pitchFamily="18" charset="0"/>
+              </a:rPr>
+              <a:t>emo={}</a:t>
+            </a:r>
+          </a:p>
+          <a:p>
+            <a:pPr>
+              <a:lnSpc>
+                <a:spcPct val="90000"/>
+              </a:lnSpc>
+              <a:spcBef>
+                <a:spcPts val="1000"/>
+              </a:spcBef>
+            </a:pPr>
+            <a:r>
+              <a:rPr lang="en-US" sz="1800" dirty="0">
+                <a:latin typeface="Times New Roman" panose="02020603050405020304" pitchFamily="18" charset="0"/>
+                <a:cs typeface="Times New Roman" panose="02020603050405020304" pitchFamily="18" charset="0"/>
+              </a:rPr>
+              <a:t>def help(n):</a:t>
+            </a:r>
+          </a:p>
+          <a:p>
+            <a:pPr>
+              <a:lnSpc>
+                <a:spcPct val="90000"/>
+              </a:lnSpc>
+              <a:spcBef>
+                <a:spcPts val="1000"/>
+              </a:spcBef>
+            </a:pPr>
+            <a:r>
+              <a:rPr lang="en-US" sz="1800" dirty="0">
+                <a:latin typeface="Times New Roman" panose="02020603050405020304" pitchFamily="18" charset="0"/>
+                <a:cs typeface="Times New Roman" panose="02020603050405020304" pitchFamily="18" charset="0"/>
+              </a:rPr>
+              <a:t>        if n in memo:</a:t>
+            </a:r>
+          </a:p>
+          <a:p>
+            <a:pPr>
+              <a:lnSpc>
+                <a:spcPct val="90000"/>
+              </a:lnSpc>
+              <a:spcBef>
+                <a:spcPts val="1000"/>
+              </a:spcBef>
+            </a:pPr>
+            <a:r>
+              <a:rPr lang="en-US" dirty="0">
+                <a:latin typeface="Times New Roman" panose="02020603050405020304" pitchFamily="18" charset="0"/>
+                <a:cs typeface="Times New Roman" panose="02020603050405020304" pitchFamily="18" charset="0"/>
+              </a:rPr>
+              <a:t>               return memo[n]</a:t>
+            </a:r>
+            <a:endParaRPr lang="en-US" sz="1800" dirty="0">
+              <a:latin typeface="Times New Roman" panose="02020603050405020304" pitchFamily="18" charset="0"/>
+              <a:cs typeface="Times New Roman" panose="02020603050405020304" pitchFamily="18" charset="0"/>
+            </a:endParaRPr>
+          </a:p>
+          <a:p>
+            <a:pPr lvl="1">
+              <a:lnSpc>
+                <a:spcPct val="90000"/>
+              </a:lnSpc>
+              <a:spcBef>
+                <a:spcPts val="1000"/>
+              </a:spcBef>
+            </a:pPr>
+            <a:r>
+              <a:rPr lang="en-US" dirty="0">
+                <a:latin typeface="Times New Roman" panose="02020603050405020304" pitchFamily="18" charset="0"/>
+                <a:cs typeface="Times New Roman" panose="02020603050405020304" pitchFamily="18" charset="0"/>
+              </a:rPr>
+              <a:t>if n&lt;=2:</a:t>
+            </a:r>
+          </a:p>
+          <a:p>
+            <a:pPr lvl="1">
+              <a:lnSpc>
+                <a:spcPct val="90000"/>
+              </a:lnSpc>
+              <a:spcBef>
+                <a:spcPts val="1000"/>
+              </a:spcBef>
+            </a:pPr>
+            <a:r>
+              <a:rPr lang="en-US" dirty="0">
+                <a:latin typeface="Times New Roman" panose="02020603050405020304" pitchFamily="18" charset="0"/>
+                <a:cs typeface="Times New Roman" panose="02020603050405020304" pitchFamily="18" charset="0"/>
+              </a:rPr>
+              <a:t>       return 1</a:t>
+            </a:r>
+          </a:p>
+          <a:p>
+            <a:pPr lvl="1">
+              <a:lnSpc>
+                <a:spcPct val="90000"/>
+              </a:lnSpc>
+              <a:spcBef>
+                <a:spcPts val="1000"/>
+              </a:spcBef>
+            </a:pPr>
+            <a:r>
+              <a:rPr lang="en-US" dirty="0">
+                <a:latin typeface="Times New Roman" panose="02020603050405020304" pitchFamily="18" charset="0"/>
+                <a:cs typeface="Times New Roman" panose="02020603050405020304" pitchFamily="18" charset="0"/>
+              </a:rPr>
+              <a:t>result=help(n-1) + help(n-2)</a:t>
+            </a:r>
+          </a:p>
+          <a:p>
+            <a:pPr lvl="1">
+              <a:lnSpc>
+                <a:spcPct val="90000"/>
+              </a:lnSpc>
+              <a:spcBef>
+                <a:spcPts val="1000"/>
+              </a:spcBef>
+            </a:pPr>
+            <a:r>
+              <a:rPr lang="en-US" dirty="0">
+                <a:latin typeface="Times New Roman" panose="02020603050405020304" pitchFamily="18" charset="0"/>
+                <a:cs typeface="Times New Roman" panose="02020603050405020304" pitchFamily="18" charset="0"/>
+              </a:rPr>
+              <a:t>memo[n]=result</a:t>
+            </a:r>
+          </a:p>
+          <a:p>
+            <a:pPr lvl="1">
+              <a:lnSpc>
+                <a:spcPct val="90000"/>
+              </a:lnSpc>
+              <a:spcBef>
+                <a:spcPts val="1000"/>
+              </a:spcBef>
+            </a:pPr>
+            <a:r>
+              <a:rPr lang="en-US" dirty="0">
+                <a:latin typeface="Times New Roman" panose="02020603050405020304" pitchFamily="18" charset="0"/>
+                <a:cs typeface="Times New Roman" panose="02020603050405020304" pitchFamily="18" charset="0"/>
+              </a:rPr>
+              <a:t>return result</a:t>
+            </a:r>
+          </a:p>
+        </p:txBody>
+      </p:sp>
+    </p:spTree>
+    <p:extLst>
+      <p:ext uri="{BB962C8B-B14F-4D97-AF65-F5344CB8AC3E}">
+        <p14:creationId xmlns:p14="http://schemas.microsoft.com/office/powerpoint/2010/main" val="468889556"/>
+      </p:ext>
+    </p:extLst>
+  </p:cSld>
+  <p:clrMapOvr>
+    <a:masterClrMapping/>
+  </p:clrMapOvr>
+</p:sld>
+</file>
+
+<file path=ppt/slides/slide8.xml><?xml version="1.0" encoding="utf-8"?>
+<p:sld xmlns:a="http://schemas.openxmlformats.org/drawingml/2006/main" xmlns:r="http://schemas.openxmlformats.org/officeDocument/2006/relationships" xmlns:p="http://schemas.openxmlformats.org/presentationml/2006/main">
+  <p:cSld>
+    <p:bg>
+      <p:bgPr>
+        <a:solidFill>
+          <a:schemeClr val="bg1"/>
+        </a:solidFill>
+        <a:effectLst/>
+      </p:bgPr>
+    </p:bg>
+    <p:spTree>
+      <p:nvGrpSpPr>
+        <p:cNvPr id="1" name=""/>
+        <p:cNvGrpSpPr/>
+        <p:nvPr/>
+      </p:nvGrpSpPr>
+      <p:grpSpPr>
+        <a:xfrm>
+          <a:off x="0" y="0"/>
+          <a:ext cx="0" cy="0"/>
+          <a:chOff x="0" y="0"/>
+          <a:chExt cx="0" cy="0"/>
+        </a:xfrm>
+      </p:grpSpPr>
+      <p:sp useBgFill="1">
+        <p:nvSpPr>
           <p:cNvPr id="9" name="Rectangle 8">
             <a:extLst>
               <a:ext uri="{FF2B5EF4-FFF2-40B4-BE49-F238E27FC236}">
@@ -35582,7 +37666,7 @@
 </p:sld>
 </file>
 
-<file path=ppt/slides/slide8.xml><?xml version="1.0" encoding="utf-8"?>
+<file path=ppt/slides/slide9.xml><?xml version="1.0" encoding="utf-8"?>
 <p:sld xmlns:a="http://schemas.openxmlformats.org/drawingml/2006/main" xmlns:r="http://schemas.openxmlformats.org/officeDocument/2006/relationships" xmlns:p="http://schemas.openxmlformats.org/presentationml/2006/main">
   <p:cSld>
     <p:bg>
@@ -37047,966 +39131,6 @@
 </p:sld>
 </file>
 
-<file path=ppt/slides/slide9.xml><?xml version="1.0" encoding="utf-8"?>
-<p:sld xmlns:a="http://schemas.openxmlformats.org/drawingml/2006/main" xmlns:r="http://schemas.openxmlformats.org/officeDocument/2006/relationships" xmlns:p="http://schemas.openxmlformats.org/presentationml/2006/main">
-  <p:cSld>
-    <p:bg>
-      <p:bgPr>
-        <a:solidFill>
-          <a:schemeClr val="bg1"/>
-        </a:solidFill>
-        <a:effectLst/>
-      </p:bgPr>
-    </p:bg>
-    <p:spTree>
-      <p:nvGrpSpPr>
-        <p:cNvPr id="1" name=""/>
-        <p:cNvGrpSpPr/>
-        <p:nvPr/>
-      </p:nvGrpSpPr>
-      <p:grpSpPr>
-        <a:xfrm>
-          <a:off x="0" y="0"/>
-          <a:ext cx="0" cy="0"/>
-          <a:chOff x="0" y="0"/>
-          <a:chExt cx="0" cy="0"/>
-        </a:xfrm>
-      </p:grpSpPr>
-      <p:sp useBgFill="1">
-        <p:nvSpPr>
-          <p:cNvPr id="71" name="Rectangle 70">
-            <a:extLst>
-              <a:ext uri="{FF2B5EF4-FFF2-40B4-BE49-F238E27FC236}">
-                <a16:creationId xmlns:a16="http://schemas.microsoft.com/office/drawing/2014/main" id="{16F9E488-0718-4E1E-9D12-26779F606252}"/>
-              </a:ext>
-              <a:ext uri="{C183D7F6-B498-43B3-948B-1728B52AA6E4}">
-                <adec:decorative xmlns:adec="http://schemas.microsoft.com/office/drawing/2017/decorative" val="1"/>
-              </a:ext>
-            </a:extLst>
-          </p:cNvPr>
-          <p:cNvSpPr>
-            <a:spLocks noGrp="1" noRot="1" noChangeAspect="1" noMove="1" noResize="1" noEditPoints="1" noAdjustHandles="1" noChangeArrowheads="1" noChangeShapeType="1" noTextEdit="1"/>
-          </p:cNvSpPr>
-          <p:nvPr>
-            <p:extLst>
-              <p:ext uri="{386F3935-93C4-4BCD-93E2-E3B085C9AB24}">
-                <p16:designElem xmlns:p16="http://schemas.microsoft.com/office/powerpoint/2015/main" val="1"/>
-              </p:ext>
-            </p:extLst>
-          </p:nvPr>
-        </p:nvSpPr>
-        <p:spPr>
-          <a:xfrm>
-            <a:off x="0" y="0"/>
-            <a:ext cx="12192000" cy="6858000"/>
-          </a:xfrm>
-          <a:prstGeom prst="rect">
-            <a:avLst/>
-          </a:prstGeom>
-          <a:ln>
-            <a:noFill/>
-          </a:ln>
-        </p:spPr>
-        <p:style>
-          <a:lnRef idx="2">
-            <a:schemeClr val="accent1">
-              <a:shade val="50000"/>
-            </a:schemeClr>
-          </a:lnRef>
-          <a:fillRef idx="1">
-            <a:schemeClr val="accent1"/>
-          </a:fillRef>
-          <a:effectRef idx="0">
-            <a:schemeClr val="accent1"/>
-          </a:effectRef>
-          <a:fontRef idx="minor">
-            <a:schemeClr val="lt1"/>
-          </a:fontRef>
-        </p:style>
-        <p:txBody>
-          <a:bodyPr rtlCol="0" anchor="ctr"/>
-          <a:lstStyle/>
-          <a:p>
-            <a:pPr marL="0" marR="0" lvl="0" indent="0" algn="ctr" defTabSz="914400" rtl="0" eaLnBrk="1" fontAlgn="auto" latinLnBrk="0" hangingPunct="1">
-              <a:lnSpc>
-                <a:spcPct val="100000"/>
-              </a:lnSpc>
-              <a:spcBef>
-                <a:spcPts val="0"/>
-              </a:spcBef>
-              <a:spcAft>
-                <a:spcPts val="0"/>
-              </a:spcAft>
-              <a:buClrTx/>
-              <a:buSzTx/>
-              <a:buFontTx/>
-              <a:buNone/>
-              <a:tabLst/>
-              <a:defRPr/>
-            </a:pPr>
-            <a:endParaRPr kumimoji="0" lang="en-US" sz="1800" b="0" i="0" u="none" strike="noStrike" kern="1200" cap="none" spc="0" normalizeH="0" baseline="0" noProof="0">
-              <a:ln>
-                <a:noFill/>
-              </a:ln>
-              <a:solidFill>
-                <a:prstClr val="white"/>
-              </a:solidFill>
-              <a:effectLst/>
-              <a:uLnTx/>
-              <a:uFillTx/>
-              <a:latin typeface="Calibri" panose="020F0502020204030204"/>
-              <a:ea typeface="+mn-ea"/>
-              <a:cs typeface="+mn-cs"/>
-            </a:endParaRPr>
-          </a:p>
-        </p:txBody>
-      </p:sp>
-      <p:sp>
-        <p:nvSpPr>
-          <p:cNvPr id="73" name="Rectangle 72">
-            <a:extLst>
-              <a:ext uri="{FF2B5EF4-FFF2-40B4-BE49-F238E27FC236}">
-                <a16:creationId xmlns:a16="http://schemas.microsoft.com/office/drawing/2014/main" id="{CE708407-D01D-4E57-8998-FF799DBC3788}"/>
-              </a:ext>
-              <a:ext uri="{C183D7F6-B498-43B3-948B-1728B52AA6E4}">
-                <adec:decorative xmlns:adec="http://schemas.microsoft.com/office/drawing/2017/decorative" val="1"/>
-              </a:ext>
-            </a:extLst>
-          </p:cNvPr>
-          <p:cNvSpPr>
-            <a:spLocks noGrp="1" noRot="1" noChangeAspect="1" noMove="1" noResize="1" noEditPoints="1" noAdjustHandles="1" noChangeArrowheads="1" noChangeShapeType="1" noTextEdit="1"/>
-          </p:cNvSpPr>
-          <p:nvPr>
-            <p:extLst>
-              <p:ext uri="{386F3935-93C4-4BCD-93E2-E3B085C9AB24}">
-                <p16:designElem xmlns:p16="http://schemas.microsoft.com/office/powerpoint/2015/main" val="1"/>
-              </p:ext>
-            </p:extLst>
-          </p:nvPr>
-        </p:nvSpPr>
-        <p:spPr>
-          <a:xfrm>
-            <a:off x="0" y="0"/>
-            <a:ext cx="4694548" cy="6858000"/>
-          </a:xfrm>
-          <a:prstGeom prst="rect">
-            <a:avLst/>
-          </a:prstGeom>
-          <a:solidFill>
-            <a:schemeClr val="tx1"/>
-          </a:solidFill>
-          <a:ln>
-            <a:noFill/>
-          </a:ln>
-        </p:spPr>
-        <p:style>
-          <a:lnRef idx="2">
-            <a:schemeClr val="accent1">
-              <a:shade val="50000"/>
-            </a:schemeClr>
-          </a:lnRef>
-          <a:fillRef idx="1">
-            <a:schemeClr val="accent1"/>
-          </a:fillRef>
-          <a:effectRef idx="0">
-            <a:schemeClr val="accent1"/>
-          </a:effectRef>
-          <a:fontRef idx="minor">
-            <a:schemeClr val="lt1"/>
-          </a:fontRef>
-        </p:style>
-        <p:txBody>
-          <a:bodyPr rtlCol="0" anchor="ctr"/>
-          <a:lstStyle/>
-          <a:p>
-            <a:pPr marL="0" marR="0" lvl="0" indent="0" algn="ctr" defTabSz="914400" rtl="0" eaLnBrk="1" fontAlgn="auto" latinLnBrk="0" hangingPunct="1">
-              <a:lnSpc>
-                <a:spcPct val="100000"/>
-              </a:lnSpc>
-              <a:spcBef>
-                <a:spcPts val="0"/>
-              </a:spcBef>
-              <a:spcAft>
-                <a:spcPts val="0"/>
-              </a:spcAft>
-              <a:buClrTx/>
-              <a:buSzTx/>
-              <a:buFontTx/>
-              <a:buNone/>
-              <a:tabLst/>
-              <a:defRPr/>
-            </a:pPr>
-            <a:endParaRPr kumimoji="0" lang="en-US" sz="1800" b="0" i="0" u="none" strike="noStrike" kern="1200" cap="none" spc="0" normalizeH="0" baseline="0" noProof="0">
-              <a:ln>
-                <a:noFill/>
-              </a:ln>
-              <a:solidFill>
-                <a:prstClr val="white"/>
-              </a:solidFill>
-              <a:effectLst/>
-              <a:uLnTx/>
-              <a:uFillTx/>
-              <a:latin typeface="Calibri" panose="020F0502020204030204"/>
-              <a:ea typeface="+mn-ea"/>
-              <a:cs typeface="+mn-cs"/>
-            </a:endParaRPr>
-          </a:p>
-        </p:txBody>
-      </p:sp>
-      <p:sp>
-        <p:nvSpPr>
-          <p:cNvPr id="2" name="Title 1">
-            <a:extLst>
-              <a:ext uri="{FF2B5EF4-FFF2-40B4-BE49-F238E27FC236}">
-                <a16:creationId xmlns:a16="http://schemas.microsoft.com/office/drawing/2014/main" id="{B445B4DD-8FB2-448B-940E-7E6EE0B67BF6}"/>
-              </a:ext>
-            </a:extLst>
-          </p:cNvPr>
-          <p:cNvSpPr>
-            <a:spLocks noGrp="1"/>
-          </p:cNvSpPr>
-          <p:nvPr>
-            <p:ph type="title"/>
-          </p:nvPr>
-        </p:nvSpPr>
-        <p:spPr>
-          <a:xfrm>
-            <a:off x="1140322" y="1418760"/>
-            <a:ext cx="3554226" cy="2663688"/>
-          </a:xfrm>
-        </p:spPr>
-        <p:txBody>
-          <a:bodyPr vert="horz" lIns="91440" tIns="45720" rIns="91440" bIns="45720" rtlCol="0" anchor="b">
-            <a:normAutofit/>
-          </a:bodyPr>
-          <a:lstStyle/>
-          <a:p>
-            <a:r>
-              <a:rPr lang="en-US" kern="1200" dirty="0" err="1">
-                <a:solidFill>
-                  <a:schemeClr val="bg1"/>
-                </a:solidFill>
-                <a:latin typeface="Times New Roman" panose="02020603050405020304" pitchFamily="18" charset="0"/>
-                <a:cs typeface="Times New Roman" panose="02020603050405020304" pitchFamily="18" charset="0"/>
-              </a:rPr>
-              <a:t>Số</a:t>
-            </a:r>
-            <a:r>
-              <a:rPr lang="en-US" kern="1200" dirty="0">
-                <a:solidFill>
-                  <a:schemeClr val="bg1"/>
-                </a:solidFill>
-                <a:latin typeface="Times New Roman" panose="02020603050405020304" pitchFamily="18" charset="0"/>
-                <a:cs typeface="Times New Roman" panose="02020603050405020304" pitchFamily="18" charset="0"/>
-              </a:rPr>
-              <a:t> fib(k)</a:t>
-            </a:r>
-          </a:p>
-        </p:txBody>
-      </p:sp>
-      <p:grpSp>
-        <p:nvGrpSpPr>
-          <p:cNvPr id="75" name="Group 74">
-            <a:extLst>
-              <a:ext uri="{FF2B5EF4-FFF2-40B4-BE49-F238E27FC236}">
-                <a16:creationId xmlns:a16="http://schemas.microsoft.com/office/drawing/2014/main" id="{7F963B07-5C9E-478C-A53E-B6F5B4A78933}"/>
-              </a:ext>
-              <a:ext uri="{C183D7F6-B498-43B3-948B-1728B52AA6E4}">
-                <adec:decorative xmlns:adec="http://schemas.microsoft.com/office/drawing/2017/decorative" val="1"/>
-              </a:ext>
-            </a:extLst>
-          </p:cNvPr>
-          <p:cNvGrpSpPr>
-            <a:grpSpLocks noGrp="1" noUngrp="1" noRot="1" noChangeAspect="1" noMove="1" noResize="1"/>
-          </p:cNvGrpSpPr>
-          <p:nvPr>
-            <p:extLst>
-              <p:ext uri="{386F3935-93C4-4BCD-93E2-E3B085C9AB24}">
-                <p16:designElem xmlns:p16="http://schemas.microsoft.com/office/powerpoint/2015/main" val="1"/>
-              </p:ext>
-            </p:extLst>
-          </p:nvPr>
-        </p:nvGrpSpPr>
-        <p:grpSpPr>
-          <a:xfrm>
-            <a:off x="767290" y="681628"/>
-            <a:ext cx="1128382" cy="847206"/>
-            <a:chOff x="668003" y="1684057"/>
-            <a:chExt cx="1128382" cy="847206"/>
-          </a:xfrm>
-        </p:grpSpPr>
-        <p:sp>
-          <p:nvSpPr>
-            <p:cNvPr id="76" name="Freeform 5">
-              <a:extLst>
-                <a:ext uri="{FF2B5EF4-FFF2-40B4-BE49-F238E27FC236}">
-                  <a16:creationId xmlns:a16="http://schemas.microsoft.com/office/drawing/2014/main" id="{A152F29E-C625-4313-96BF-5675B357C03A}"/>
-                </a:ext>
-                <a:ext uri="{C183D7F6-B498-43B3-948B-1728B52AA6E4}">
-                  <adec:decorative xmlns:adec="http://schemas.microsoft.com/office/drawing/2017/decorative" val="1"/>
-                </a:ext>
-              </a:extLst>
-            </p:cNvPr>
-            <p:cNvSpPr>
-              <a:spLocks/>
-            </p:cNvSpPr>
-            <p:nvPr>
-              <p:extLst>
-                <p:ext uri="{386F3935-93C4-4BCD-93E2-E3B085C9AB24}">
-                  <p16:designElem xmlns:p16="http://schemas.microsoft.com/office/powerpoint/2015/main" val="1"/>
-                </p:ext>
-              </p:extLst>
-            </p:nvPr>
-          </p:nvSpPr>
-          <p:spPr bwMode="auto">
-            <a:xfrm>
-              <a:off x="668003" y="1935883"/>
-              <a:ext cx="675351" cy="595380"/>
-            </a:xfrm>
-            <a:custGeom>
-              <a:avLst/>
-              <a:gdLst>
-                <a:gd name="T0" fmla="*/ 225 w 785"/>
-                <a:gd name="T1" fmla="*/ 692 h 692"/>
-                <a:gd name="T2" fmla="*/ 177 w 785"/>
-                <a:gd name="T3" fmla="*/ 665 h 692"/>
-                <a:gd name="T4" fmla="*/ 9 w 785"/>
-                <a:gd name="T5" fmla="*/ 374 h 692"/>
-                <a:gd name="T6" fmla="*/ 9 w 785"/>
-                <a:gd name="T7" fmla="*/ 318 h 692"/>
-                <a:gd name="T8" fmla="*/ 177 w 785"/>
-                <a:gd name="T9" fmla="*/ 27 h 692"/>
-                <a:gd name="T10" fmla="*/ 225 w 785"/>
-                <a:gd name="T11" fmla="*/ 0 h 692"/>
-                <a:gd name="T12" fmla="*/ 561 w 785"/>
-                <a:gd name="T13" fmla="*/ 0 h 692"/>
-                <a:gd name="T14" fmla="*/ 609 w 785"/>
-                <a:gd name="T15" fmla="*/ 27 h 692"/>
-                <a:gd name="T16" fmla="*/ 777 w 785"/>
-                <a:gd name="T17" fmla="*/ 318 h 692"/>
-                <a:gd name="T18" fmla="*/ 777 w 785"/>
-                <a:gd name="T19" fmla="*/ 374 h 692"/>
-                <a:gd name="T20" fmla="*/ 609 w 785"/>
-                <a:gd name="T21" fmla="*/ 665 h 692"/>
-                <a:gd name="T22" fmla="*/ 561 w 785"/>
-                <a:gd name="T23" fmla="*/ 692 h 692"/>
-                <a:gd name="T24" fmla="*/ 225 w 785"/>
-                <a:gd name="T25" fmla="*/ 692 h 692"/>
-              </a:gdLst>
-              <a:ahLst/>
-              <a:cxnLst>
-                <a:cxn ang="0">
-                  <a:pos x="T0" y="T1"/>
-                </a:cxn>
-                <a:cxn ang="0">
-                  <a:pos x="T2" y="T3"/>
-                </a:cxn>
-                <a:cxn ang="0">
-                  <a:pos x="T4" y="T5"/>
-                </a:cxn>
-                <a:cxn ang="0">
-                  <a:pos x="T6" y="T7"/>
-                </a:cxn>
-                <a:cxn ang="0">
-                  <a:pos x="T8" y="T9"/>
-                </a:cxn>
-                <a:cxn ang="0">
-                  <a:pos x="T10" y="T11"/>
-                </a:cxn>
-                <a:cxn ang="0">
-                  <a:pos x="T12" y="T13"/>
-                </a:cxn>
-                <a:cxn ang="0">
-                  <a:pos x="T14" y="T15"/>
-                </a:cxn>
-                <a:cxn ang="0">
-                  <a:pos x="T16" y="T17"/>
-                </a:cxn>
-                <a:cxn ang="0">
-                  <a:pos x="T18" y="T19"/>
-                </a:cxn>
-                <a:cxn ang="0">
-                  <a:pos x="T20" y="T21"/>
-                </a:cxn>
-                <a:cxn ang="0">
-                  <a:pos x="T22" y="T23"/>
-                </a:cxn>
-                <a:cxn ang="0">
-                  <a:pos x="T24" y="T25"/>
-                </a:cxn>
-              </a:cxnLst>
-              <a:rect l="0" t="0" r="r" b="b"/>
-              <a:pathLst>
-                <a:path w="785" h="692">
-                  <a:moveTo>
-                    <a:pt x="225" y="692"/>
-                  </a:moveTo>
-                  <a:cubicBezTo>
-                    <a:pt x="207" y="692"/>
-                    <a:pt x="185" y="680"/>
-                    <a:pt x="177" y="665"/>
-                  </a:cubicBezTo>
-                  <a:cubicBezTo>
-                    <a:pt x="9" y="374"/>
-                    <a:pt x="9" y="374"/>
-                    <a:pt x="9" y="374"/>
-                  </a:cubicBezTo>
-                  <a:cubicBezTo>
-                    <a:pt x="0" y="358"/>
-                    <a:pt x="0" y="334"/>
-                    <a:pt x="9" y="318"/>
-                  </a:cubicBezTo>
-                  <a:cubicBezTo>
-                    <a:pt x="177" y="27"/>
-                    <a:pt x="177" y="27"/>
-                    <a:pt x="177" y="27"/>
-                  </a:cubicBezTo>
-                  <a:cubicBezTo>
-                    <a:pt x="185" y="12"/>
-                    <a:pt x="207" y="0"/>
-                    <a:pt x="225" y="0"/>
-                  </a:cubicBezTo>
-                  <a:cubicBezTo>
-                    <a:pt x="561" y="0"/>
-                    <a:pt x="561" y="0"/>
-                    <a:pt x="561" y="0"/>
-                  </a:cubicBezTo>
-                  <a:cubicBezTo>
-                    <a:pt x="578" y="0"/>
-                    <a:pt x="600" y="12"/>
-                    <a:pt x="609" y="27"/>
-                  </a:cubicBezTo>
-                  <a:cubicBezTo>
-                    <a:pt x="777" y="318"/>
-                    <a:pt x="777" y="318"/>
-                    <a:pt x="777" y="318"/>
-                  </a:cubicBezTo>
-                  <a:cubicBezTo>
-                    <a:pt x="785" y="334"/>
-                    <a:pt x="785" y="358"/>
-                    <a:pt x="777" y="374"/>
-                  </a:cubicBezTo>
-                  <a:cubicBezTo>
-                    <a:pt x="609" y="665"/>
-                    <a:pt x="609" y="665"/>
-                    <a:pt x="609" y="665"/>
-                  </a:cubicBezTo>
-                  <a:cubicBezTo>
-                    <a:pt x="600" y="680"/>
-                    <a:pt x="578" y="692"/>
-                    <a:pt x="561" y="692"/>
-                  </a:cubicBezTo>
-                  <a:lnTo>
-                    <a:pt x="225" y="692"/>
-                  </a:lnTo>
-                  <a:close/>
-                </a:path>
-              </a:pathLst>
-            </a:custGeom>
-            <a:noFill/>
-            <a:ln w="28575" cmpd="sng">
-              <a:solidFill>
-                <a:schemeClr val="bg1"/>
-              </a:solidFill>
-            </a:ln>
-          </p:spPr>
-          <p:txBody>
-            <a:bodyPr vert="horz" wrap="square" lIns="91440" tIns="45720" rIns="91440" bIns="45720" numCol="1" anchor="t" anchorCtr="0" compatLnSpc="1">
-              <a:prstTxWarp prst="textNoShape">
-                <a:avLst/>
-              </a:prstTxWarp>
-            </a:bodyPr>
-            <a:lstStyle/>
-            <a:p>
-              <a:pPr marL="0" marR="0" lvl="0" indent="0" algn="l" defTabSz="914400" rtl="0" eaLnBrk="1" fontAlgn="auto" latinLnBrk="0" hangingPunct="1">
-                <a:lnSpc>
-                  <a:spcPct val="100000"/>
-                </a:lnSpc>
-                <a:spcBef>
-                  <a:spcPts val="0"/>
-                </a:spcBef>
-                <a:spcAft>
-                  <a:spcPts val="0"/>
-                </a:spcAft>
-                <a:buClrTx/>
-                <a:buSzTx/>
-                <a:buFontTx/>
-                <a:buNone/>
-                <a:tabLst/>
-                <a:defRPr/>
-              </a:pPr>
-              <a:endParaRPr kumimoji="0" lang="en-US" sz="1800" b="0" i="0" u="none" strike="noStrike" kern="1200" cap="none" spc="0" normalizeH="0" baseline="0" noProof="0">
-                <a:ln>
-                  <a:noFill/>
-                </a:ln>
-                <a:solidFill>
-                  <a:prstClr val="black"/>
-                </a:solidFill>
-                <a:effectLst/>
-                <a:uLnTx/>
-                <a:uFillTx/>
-                <a:latin typeface="Calibri" panose="020F0502020204030204"/>
-                <a:ea typeface="+mn-ea"/>
-                <a:cs typeface="+mn-cs"/>
-              </a:endParaRPr>
-            </a:p>
-          </p:txBody>
-        </p:sp>
-        <p:sp>
-          <p:nvSpPr>
-            <p:cNvPr id="77" name="Freeform 5">
-              <a:extLst>
-                <a:ext uri="{FF2B5EF4-FFF2-40B4-BE49-F238E27FC236}">
-                  <a16:creationId xmlns:a16="http://schemas.microsoft.com/office/drawing/2014/main" id="{C2A5CB78-6497-4151-83B6-568BD27EC573}"/>
-                </a:ext>
-                <a:ext uri="{C183D7F6-B498-43B3-948B-1728B52AA6E4}">
-                  <adec:decorative xmlns:adec="http://schemas.microsoft.com/office/drawing/2017/decorative" val="1"/>
-                </a:ext>
-              </a:extLst>
-            </p:cNvPr>
-            <p:cNvSpPr>
-              <a:spLocks/>
-            </p:cNvSpPr>
-            <p:nvPr>
-              <p:extLst>
-                <p:ext uri="{386F3935-93C4-4BCD-93E2-E3B085C9AB24}">
-                  <p16:designElem xmlns:p16="http://schemas.microsoft.com/office/powerpoint/2015/main" val="1"/>
-                </p:ext>
-              </p:extLst>
-            </p:nvPr>
-          </p:nvSpPr>
-          <p:spPr bwMode="auto">
-            <a:xfrm>
-              <a:off x="1245893" y="1684057"/>
-              <a:ext cx="550492" cy="485306"/>
-            </a:xfrm>
-            <a:custGeom>
-              <a:avLst/>
-              <a:gdLst>
-                <a:gd name="T0" fmla="*/ 225 w 785"/>
-                <a:gd name="T1" fmla="*/ 692 h 692"/>
-                <a:gd name="T2" fmla="*/ 177 w 785"/>
-                <a:gd name="T3" fmla="*/ 665 h 692"/>
-                <a:gd name="T4" fmla="*/ 9 w 785"/>
-                <a:gd name="T5" fmla="*/ 374 h 692"/>
-                <a:gd name="T6" fmla="*/ 9 w 785"/>
-                <a:gd name="T7" fmla="*/ 318 h 692"/>
-                <a:gd name="T8" fmla="*/ 177 w 785"/>
-                <a:gd name="T9" fmla="*/ 27 h 692"/>
-                <a:gd name="T10" fmla="*/ 225 w 785"/>
-                <a:gd name="T11" fmla="*/ 0 h 692"/>
-                <a:gd name="T12" fmla="*/ 561 w 785"/>
-                <a:gd name="T13" fmla="*/ 0 h 692"/>
-                <a:gd name="T14" fmla="*/ 609 w 785"/>
-                <a:gd name="T15" fmla="*/ 27 h 692"/>
-                <a:gd name="T16" fmla="*/ 777 w 785"/>
-                <a:gd name="T17" fmla="*/ 318 h 692"/>
-                <a:gd name="T18" fmla="*/ 777 w 785"/>
-                <a:gd name="T19" fmla="*/ 374 h 692"/>
-                <a:gd name="T20" fmla="*/ 609 w 785"/>
-                <a:gd name="T21" fmla="*/ 665 h 692"/>
-                <a:gd name="T22" fmla="*/ 561 w 785"/>
-                <a:gd name="T23" fmla="*/ 692 h 692"/>
-                <a:gd name="T24" fmla="*/ 225 w 785"/>
-                <a:gd name="T25" fmla="*/ 692 h 692"/>
-              </a:gdLst>
-              <a:ahLst/>
-              <a:cxnLst>
-                <a:cxn ang="0">
-                  <a:pos x="T0" y="T1"/>
-                </a:cxn>
-                <a:cxn ang="0">
-                  <a:pos x="T2" y="T3"/>
-                </a:cxn>
-                <a:cxn ang="0">
-                  <a:pos x="T4" y="T5"/>
-                </a:cxn>
-                <a:cxn ang="0">
-                  <a:pos x="T6" y="T7"/>
-                </a:cxn>
-                <a:cxn ang="0">
-                  <a:pos x="T8" y="T9"/>
-                </a:cxn>
-                <a:cxn ang="0">
-                  <a:pos x="T10" y="T11"/>
-                </a:cxn>
-                <a:cxn ang="0">
-                  <a:pos x="T12" y="T13"/>
-                </a:cxn>
-                <a:cxn ang="0">
-                  <a:pos x="T14" y="T15"/>
-                </a:cxn>
-                <a:cxn ang="0">
-                  <a:pos x="T16" y="T17"/>
-                </a:cxn>
-                <a:cxn ang="0">
-                  <a:pos x="T18" y="T19"/>
-                </a:cxn>
-                <a:cxn ang="0">
-                  <a:pos x="T20" y="T21"/>
-                </a:cxn>
-                <a:cxn ang="0">
-                  <a:pos x="T22" y="T23"/>
-                </a:cxn>
-                <a:cxn ang="0">
-                  <a:pos x="T24" y="T25"/>
-                </a:cxn>
-              </a:cxnLst>
-              <a:rect l="0" t="0" r="r" b="b"/>
-              <a:pathLst>
-                <a:path w="785" h="692">
-                  <a:moveTo>
-                    <a:pt x="225" y="692"/>
-                  </a:moveTo>
-                  <a:cubicBezTo>
-                    <a:pt x="207" y="692"/>
-                    <a:pt x="185" y="680"/>
-                    <a:pt x="177" y="665"/>
-                  </a:cubicBezTo>
-                  <a:cubicBezTo>
-                    <a:pt x="9" y="374"/>
-                    <a:pt x="9" y="374"/>
-                    <a:pt x="9" y="374"/>
-                  </a:cubicBezTo>
-                  <a:cubicBezTo>
-                    <a:pt x="0" y="358"/>
-                    <a:pt x="0" y="334"/>
-                    <a:pt x="9" y="318"/>
-                  </a:cubicBezTo>
-                  <a:cubicBezTo>
-                    <a:pt x="177" y="27"/>
-                    <a:pt x="177" y="27"/>
-                    <a:pt x="177" y="27"/>
-                  </a:cubicBezTo>
-                  <a:cubicBezTo>
-                    <a:pt x="185" y="12"/>
-                    <a:pt x="207" y="0"/>
-                    <a:pt x="225" y="0"/>
-                  </a:cubicBezTo>
-                  <a:cubicBezTo>
-                    <a:pt x="561" y="0"/>
-                    <a:pt x="561" y="0"/>
-                    <a:pt x="561" y="0"/>
-                  </a:cubicBezTo>
-                  <a:cubicBezTo>
-                    <a:pt x="578" y="0"/>
-                    <a:pt x="600" y="12"/>
-                    <a:pt x="609" y="27"/>
-                  </a:cubicBezTo>
-                  <a:cubicBezTo>
-                    <a:pt x="777" y="318"/>
-                    <a:pt x="777" y="318"/>
-                    <a:pt x="777" y="318"/>
-                  </a:cubicBezTo>
-                  <a:cubicBezTo>
-                    <a:pt x="785" y="334"/>
-                    <a:pt x="785" y="358"/>
-                    <a:pt x="777" y="374"/>
-                  </a:cubicBezTo>
-                  <a:cubicBezTo>
-                    <a:pt x="609" y="665"/>
-                    <a:pt x="609" y="665"/>
-                    <a:pt x="609" y="665"/>
-                  </a:cubicBezTo>
-                  <a:cubicBezTo>
-                    <a:pt x="600" y="680"/>
-                    <a:pt x="578" y="692"/>
-                    <a:pt x="561" y="692"/>
-                  </a:cubicBezTo>
-                  <a:lnTo>
-                    <a:pt x="225" y="692"/>
-                  </a:lnTo>
-                  <a:close/>
-                </a:path>
-              </a:pathLst>
-            </a:custGeom>
-            <a:noFill/>
-            <a:ln w="28575" cmpd="sng">
-              <a:solidFill>
-                <a:schemeClr val="bg1"/>
-              </a:solidFill>
-            </a:ln>
-          </p:spPr>
-          <p:txBody>
-            <a:bodyPr vert="horz" wrap="square" lIns="91440" tIns="45720" rIns="91440" bIns="45720" numCol="1" anchor="t" anchorCtr="0" compatLnSpc="1">
-              <a:prstTxWarp prst="textNoShape">
-                <a:avLst/>
-              </a:prstTxWarp>
-            </a:bodyPr>
-            <a:lstStyle/>
-            <a:p>
-              <a:pPr marL="0" marR="0" lvl="0" indent="0" algn="l" defTabSz="914400" rtl="0" eaLnBrk="1" fontAlgn="auto" latinLnBrk="0" hangingPunct="1">
-                <a:lnSpc>
-                  <a:spcPct val="100000"/>
-                </a:lnSpc>
-                <a:spcBef>
-                  <a:spcPts val="0"/>
-                </a:spcBef>
-                <a:spcAft>
-                  <a:spcPts val="0"/>
-                </a:spcAft>
-                <a:buClrTx/>
-                <a:buSzTx/>
-                <a:buFontTx/>
-                <a:buNone/>
-                <a:tabLst/>
-                <a:defRPr/>
-              </a:pPr>
-              <a:endParaRPr kumimoji="0" lang="en-US" sz="1800" b="0" i="0" u="none" strike="noStrike" kern="1200" cap="none" spc="0" normalizeH="0" baseline="0" noProof="0">
-                <a:ln>
-                  <a:noFill/>
-                </a:ln>
-                <a:solidFill>
-                  <a:prstClr val="black"/>
-                </a:solidFill>
-                <a:effectLst/>
-                <a:uLnTx/>
-                <a:uFillTx/>
-                <a:latin typeface="Calibri" panose="020F0502020204030204"/>
-                <a:ea typeface="+mn-ea"/>
-                <a:cs typeface="+mn-cs"/>
-              </a:endParaRPr>
-            </a:p>
-          </p:txBody>
-        </p:sp>
-      </p:grpSp>
-      <p:pic>
-        <p:nvPicPr>
-          <p:cNvPr id="1026" name="Picture 2" descr="Graphical user interface, application, background pattern&#10;&#10;Description automatically generated">
-            <a:extLst>
-              <a:ext uri="{FF2B5EF4-FFF2-40B4-BE49-F238E27FC236}">
-                <a16:creationId xmlns:a16="http://schemas.microsoft.com/office/drawing/2014/main" id="{892D1F2D-787C-473F-A757-595F95D67FB5}"/>
-              </a:ext>
-            </a:extLst>
-          </p:cNvPr>
-          <p:cNvPicPr>
-            <a:picLocks noChangeAspect="1" noChangeArrowheads="1"/>
-          </p:cNvPicPr>
-          <p:nvPr/>
-        </p:nvPicPr>
-        <p:blipFill>
-          <a:blip r:embed="rId3">
-            <a:extLst>
-              <a:ext uri="{28A0092B-C50C-407E-A947-70E740481C1C}">
-                <a14:useLocalDpi xmlns:a14="http://schemas.microsoft.com/office/drawing/2010/main" val="0"/>
-              </a:ext>
-            </a:extLst>
-          </a:blip>
-          <a:stretch>
-            <a:fillRect/>
-          </a:stretch>
-        </p:blipFill>
-        <p:spPr bwMode="auto">
-          <a:xfrm>
-            <a:off x="4910216" y="681628"/>
-            <a:ext cx="6926988" cy="4883527"/>
-          </a:xfrm>
-          <a:prstGeom prst="rect">
-            <a:avLst/>
-          </a:prstGeom>
-          <a:noFill/>
-          <a:extLst>
-            <a:ext uri="{909E8E84-426E-40DD-AFC4-6F175D3DCCD1}">
-              <a14:hiddenFill xmlns:a14="http://schemas.microsoft.com/office/drawing/2010/main">
-                <a:solidFill>
-                  <a:srgbClr val="FFFFFF"/>
-                </a:solidFill>
-              </a14:hiddenFill>
-            </a:ext>
-          </a:extLst>
-        </p:spPr>
-      </p:pic>
-      <mc:AlternateContent xmlns:mc="http://schemas.openxmlformats.org/markup-compatibility/2006" xmlns:a14="http://schemas.microsoft.com/office/drawing/2010/main">
-        <mc:Choice Requires="a14">
-          <p:sp>
-            <p:nvSpPr>
-              <p:cNvPr id="23" name="Title 1">
-                <a:extLst>
-                  <a:ext uri="{FF2B5EF4-FFF2-40B4-BE49-F238E27FC236}">
-                    <a16:creationId xmlns:a16="http://schemas.microsoft.com/office/drawing/2014/main" id="{3545D5E8-066E-475F-9F75-78E2A015A706}"/>
-                  </a:ext>
-                </a:extLst>
-              </p:cNvPr>
-              <p:cNvSpPr txBox="1">
-                <a:spLocks/>
-              </p:cNvSpPr>
-              <p:nvPr/>
-            </p:nvSpPr>
-            <p:spPr>
-              <a:xfrm>
-                <a:off x="6009544" y="5599267"/>
-                <a:ext cx="4867460" cy="767559"/>
-              </a:xfrm>
-              <a:prstGeom prst="rect">
-                <a:avLst/>
-              </a:prstGeom>
-            </p:spPr>
-            <p:txBody>
-              <a:bodyPr vert="horz" lIns="91440" tIns="45720" rIns="91440" bIns="45720" rtlCol="0" anchor="b">
-                <a:normAutofit fontScale="77500" lnSpcReduction="20000"/>
-              </a:bodyPr>
-              <a:lstStyle>
-                <a:lvl1pPr algn="l" defTabSz="914400" rtl="0" eaLnBrk="1" latinLnBrk="0" hangingPunct="1">
-                  <a:lnSpc>
-                    <a:spcPct val="90000"/>
-                  </a:lnSpc>
-                  <a:spcBef>
-                    <a:spcPct val="0"/>
-                  </a:spcBef>
-                  <a:buNone/>
-                  <a:defRPr sz="4400" kern="1200">
-                    <a:solidFill>
-                      <a:schemeClr val="tx1"/>
-                    </a:solidFill>
-                    <a:latin typeface="+mj-lt"/>
-                    <a:ea typeface="+mj-ea"/>
-                    <a:cs typeface="+mj-cs"/>
-                  </a:defRPr>
-                </a:lvl1pPr>
-              </a:lstStyle>
-              <a:p>
-                <a:pPr marL="0" marR="0" lvl="0" indent="0" algn="l" defTabSz="914400" rtl="0" eaLnBrk="1" fontAlgn="auto" latinLnBrk="0" hangingPunct="1">
-                  <a:lnSpc>
-                    <a:spcPct val="90000"/>
-                  </a:lnSpc>
-                  <a:spcBef>
-                    <a:spcPct val="0"/>
-                  </a:spcBef>
-                  <a:spcAft>
-                    <a:spcPts val="0"/>
-                  </a:spcAft>
-                  <a:buClrTx/>
-                  <a:buSzTx/>
-                  <a:buFontTx/>
-                  <a:buNone/>
-                  <a:tabLst/>
-                  <a:defRPr/>
-                </a:pPr>
-                <a:r>
-                  <a:rPr kumimoji="0" lang="en-US" sz="4400" b="0" i="0" u="none" strike="noStrike" kern="1200" cap="none" spc="0" normalizeH="0" baseline="0" noProof="0" dirty="0">
-                    <a:ln>
-                      <a:noFill/>
-                    </a:ln>
-                    <a:solidFill>
-                      <a:prstClr val="black"/>
-                    </a:solidFill>
-                    <a:effectLst/>
-                    <a:uLnTx/>
-                    <a:uFillTx/>
-                    <a:latin typeface="Times New Roman" panose="02020603050405020304" pitchFamily="18" charset="0"/>
-                    <a:cs typeface="Times New Roman" panose="02020603050405020304" pitchFamily="18" charset="0"/>
-                  </a:rPr>
-                  <a:t>T(n)=T(n-1)+T(n-2)+</a:t>
-                </a:r>
-                <a14:m>
-                  <m:oMath xmlns:m="http://schemas.openxmlformats.org/officeDocument/2006/math">
-                    <m:r>
-                      <a:rPr kumimoji="0" lang="en-US" sz="4400" b="0" i="1" u="none" strike="noStrike" kern="1200" cap="none" spc="0" normalizeH="0" baseline="0" noProof="0" dirty="0" smtClean="0">
-                        <a:ln>
-                          <a:noFill/>
-                        </a:ln>
-                        <a:solidFill>
-                          <a:prstClr val="black"/>
-                        </a:solidFill>
-                        <a:effectLst/>
-                        <a:uLnTx/>
-                        <a:uFillTx/>
-                        <a:latin typeface="Cambria Math" panose="02040503050406030204" pitchFamily="18" charset="0"/>
-                      </a:rPr>
-                      <m:t>𝜃</m:t>
-                    </m:r>
-                    <m:r>
-                      <a:rPr kumimoji="0" lang="en-US" sz="4400" b="0" i="1" u="none" strike="noStrike" kern="1200" cap="none" spc="0" normalizeH="0" baseline="0" noProof="0" dirty="0" smtClean="0">
-                        <a:ln>
-                          <a:noFill/>
-                        </a:ln>
-                        <a:solidFill>
-                          <a:prstClr val="black"/>
-                        </a:solidFill>
-                        <a:effectLst/>
-                        <a:uLnTx/>
-                        <a:uFillTx/>
-                        <a:latin typeface="Cambria Math" panose="02040503050406030204" pitchFamily="18" charset="0"/>
-                      </a:rPr>
-                      <m:t>(1)</m:t>
-                    </m:r>
-                  </m:oMath>
-                </a14:m>
-                <a:endParaRPr kumimoji="0" lang="en-US" sz="4400" b="0" i="0" u="none" strike="noStrike" kern="1200" cap="none" spc="0" normalizeH="0" baseline="0" noProof="0" dirty="0">
-                  <a:ln>
-                    <a:noFill/>
-                  </a:ln>
-                  <a:solidFill>
-                    <a:prstClr val="black"/>
-                  </a:solidFill>
-                  <a:effectLst/>
-                  <a:uLnTx/>
-                  <a:uFillTx/>
-                  <a:latin typeface="Times New Roman" panose="02020603050405020304" pitchFamily="18" charset="0"/>
-                  <a:cs typeface="Times New Roman" panose="02020603050405020304" pitchFamily="18" charset="0"/>
-                </a:endParaRPr>
-              </a:p>
-            </p:txBody>
-          </p:sp>
-        </mc:Choice>
-        <mc:Fallback xmlns="">
-          <p:sp>
-            <p:nvSpPr>
-              <p:cNvPr id="23" name="Title 1">
-                <a:extLst>
-                  <a:ext uri="{FF2B5EF4-FFF2-40B4-BE49-F238E27FC236}">
-                    <a16:creationId xmlns:a16="http://schemas.microsoft.com/office/drawing/2014/main" id="{3545D5E8-066E-475F-9F75-78E2A015A706}"/>
-                  </a:ext>
-                </a:extLst>
-              </p:cNvPr>
-              <p:cNvSpPr txBox="1">
-                <a:spLocks noRot="1" noChangeAspect="1" noMove="1" noResize="1" noEditPoints="1" noAdjustHandles="1" noChangeArrowheads="1" noChangeShapeType="1" noTextEdit="1"/>
-              </p:cNvSpPr>
-              <p:nvPr/>
-            </p:nvSpPr>
-            <p:spPr>
-              <a:xfrm>
-                <a:off x="6009544" y="5599267"/>
-                <a:ext cx="4867460" cy="767559"/>
-              </a:xfrm>
-              <a:prstGeom prst="rect">
-                <a:avLst/>
-              </a:prstGeom>
-              <a:blipFill>
-                <a:blip r:embed="rId4"/>
-                <a:stretch>
-                  <a:fillRect l="-3509" b="-28800"/>
-                </a:stretch>
-              </a:blipFill>
-            </p:spPr>
-            <p:txBody>
-              <a:bodyPr/>
-              <a:lstStyle/>
-              <a:p>
-                <a:r>
-                  <a:rPr lang="en-US">
-                    <a:noFill/>
-                  </a:rPr>
-                  <a:t> </a:t>
-                </a:r>
-              </a:p>
-            </p:txBody>
-          </p:sp>
-        </mc:Fallback>
-      </mc:AlternateContent>
-    </p:spTree>
-    <p:extLst>
-      <p:ext uri="{BB962C8B-B14F-4D97-AF65-F5344CB8AC3E}">
-        <p14:creationId xmlns:p14="http://schemas.microsoft.com/office/powerpoint/2010/main" val="2706700906"/>
-      </p:ext>
-    </p:extLst>
-  </p:cSld>
-  <p:clrMapOvr>
-    <a:masterClrMapping/>
-  </p:clrMapOvr>
-</p:sld>
-</file>
-
 <file path=ppt/theme/theme1.xml><?xml version="1.0" encoding="utf-8"?>
 <a:theme xmlns:a="http://schemas.openxmlformats.org/drawingml/2006/main" name="Office Theme">
   <a:themeElements>
